--- a/Java Spring, Jenkins and Docker Project.pptx
+++ b/Java Spring, Jenkins and Docker Project.pptx
@@ -5,10 +5,10 @@
     <p:sldMasterId id="2147483648" r:id="rId4"/>
   </p:sldMasterIdLst>
   <p:notesMasterIdLst>
-    <p:notesMasterId r:id="rId32"/>
+    <p:notesMasterId r:id="rId22"/>
   </p:notesMasterIdLst>
   <p:handoutMasterIdLst>
-    <p:handoutMasterId r:id="rId33"/>
+    <p:handoutMasterId r:id="rId23"/>
   </p:handoutMasterIdLst>
   <p:sldIdLst>
     <p:sldId id="344" r:id="rId5"/>
@@ -27,17 +27,7 @@
     <p:sldId id="369" r:id="rId18"/>
     <p:sldId id="368" r:id="rId19"/>
     <p:sldId id="370" r:id="rId20"/>
-    <p:sldId id="346" r:id="rId21"/>
-    <p:sldId id="347" r:id="rId22"/>
-    <p:sldId id="348" r:id="rId23"/>
-    <p:sldId id="349" r:id="rId24"/>
-    <p:sldId id="350" r:id="rId25"/>
-    <p:sldId id="351" r:id="rId26"/>
-    <p:sldId id="352" r:id="rId27"/>
-    <p:sldId id="353" r:id="rId28"/>
-    <p:sldId id="354" r:id="rId29"/>
-    <p:sldId id="355" r:id="rId30"/>
-    <p:sldId id="356" r:id="rId31"/>
+    <p:sldId id="356" r:id="rId21"/>
   </p:sldIdLst>
   <p:sldSz cx="12192000" cy="6858000"/>
   <p:notesSz cx="6858000" cy="9144000"/>
@@ -1622,175 +1612,7 @@
     </p:spTree>
     <p:extLst>
       <p:ext uri="{BB962C8B-B14F-4D97-AF65-F5344CB8AC3E}">
-        <p14:creationId xmlns:p14="http://schemas.microsoft.com/office/powerpoint/2010/main" val="678461372"/>
-      </p:ext>
-    </p:extLst>
-  </p:cSld>
-  <p:clrMapOvr>
-    <a:masterClrMapping/>
-  </p:clrMapOvr>
-</p:notes>
-</file>
-
-<file path=ppt/notesSlides/notesSlide18.xml><?xml version="1.0" encoding="utf-8"?>
-<p:notes xmlns:a="http://schemas.openxmlformats.org/drawingml/2006/main" xmlns:r="http://schemas.openxmlformats.org/officeDocument/2006/relationships" xmlns:p="http://schemas.openxmlformats.org/presentationml/2006/main">
-  <p:cSld>
-    <p:spTree>
-      <p:nvGrpSpPr>
-        <p:cNvPr id="1" name=""/>
-        <p:cNvGrpSpPr/>
-        <p:nvPr/>
-      </p:nvGrpSpPr>
-      <p:grpSpPr>
-        <a:xfrm>
-          <a:off x="0" y="0"/>
-          <a:ext cx="0" cy="0"/>
-          <a:chOff x="0" y="0"/>
-          <a:chExt cx="0" cy="0"/>
-        </a:xfrm>
-      </p:grpSpPr>
-      <p:sp>
-        <p:nvSpPr>
-          <p:cNvPr id="2" name="Slide Image Placeholder 1"/>
-          <p:cNvSpPr>
-            <a:spLocks noGrp="1" noRot="1" noChangeAspect="1"/>
-          </p:cNvSpPr>
-          <p:nvPr>
-            <p:ph type="sldImg"/>
-          </p:nvPr>
-        </p:nvSpPr>
-        <p:spPr/>
-      </p:sp>
-      <p:sp>
-        <p:nvSpPr>
-          <p:cNvPr id="3" name="Notes Placeholder 2"/>
-          <p:cNvSpPr>
-            <a:spLocks noGrp="1"/>
-          </p:cNvSpPr>
-          <p:nvPr>
-            <p:ph type="body" idx="1"/>
-          </p:nvPr>
-        </p:nvSpPr>
-        <p:spPr/>
-        <p:txBody>
-          <a:bodyPr/>
-          <a:lstStyle/>
-          <a:p>
-            <a:endParaRPr lang="en-US" dirty="0"/>
-          </a:p>
-        </p:txBody>
-      </p:sp>
-      <p:sp>
-        <p:nvSpPr>
-          <p:cNvPr id="4" name="Slide Number Placeholder 3"/>
-          <p:cNvSpPr>
-            <a:spLocks noGrp="1"/>
-          </p:cNvSpPr>
-          <p:nvPr>
-            <p:ph type="sldNum" sz="quarter" idx="5"/>
-          </p:nvPr>
-        </p:nvSpPr>
-        <p:spPr/>
-        <p:txBody>
-          <a:bodyPr/>
-          <a:lstStyle/>
-          <a:p>
-            <a:fld id="{8D18E0B9-48E4-499D-93B2-B07D00395BAC}" type="slidenum">
-              <a:rPr lang="en-US" smtClean="0"/>
-              <a:t>18</a:t>
-            </a:fld>
-            <a:endParaRPr lang="en-US" dirty="0"/>
-          </a:p>
-        </p:txBody>
-      </p:sp>
-    </p:spTree>
-    <p:extLst>
-      <p:ext uri="{BB962C8B-B14F-4D97-AF65-F5344CB8AC3E}">
-        <p14:creationId xmlns:p14="http://schemas.microsoft.com/office/powerpoint/2010/main" val="1711026160"/>
-      </p:ext>
-    </p:extLst>
-  </p:cSld>
-  <p:clrMapOvr>
-    <a:masterClrMapping/>
-  </p:clrMapOvr>
-</p:notes>
-</file>
-
-<file path=ppt/notesSlides/notesSlide19.xml><?xml version="1.0" encoding="utf-8"?>
-<p:notes xmlns:a="http://schemas.openxmlformats.org/drawingml/2006/main" xmlns:r="http://schemas.openxmlformats.org/officeDocument/2006/relationships" xmlns:p="http://schemas.openxmlformats.org/presentationml/2006/main">
-  <p:cSld>
-    <p:spTree>
-      <p:nvGrpSpPr>
-        <p:cNvPr id="1" name=""/>
-        <p:cNvGrpSpPr/>
-        <p:nvPr/>
-      </p:nvGrpSpPr>
-      <p:grpSpPr>
-        <a:xfrm>
-          <a:off x="0" y="0"/>
-          <a:ext cx="0" cy="0"/>
-          <a:chOff x="0" y="0"/>
-          <a:chExt cx="0" cy="0"/>
-        </a:xfrm>
-      </p:grpSpPr>
-      <p:sp>
-        <p:nvSpPr>
-          <p:cNvPr id="2" name="Slide Image Placeholder 1"/>
-          <p:cNvSpPr>
-            <a:spLocks noGrp="1" noRot="1" noChangeAspect="1"/>
-          </p:cNvSpPr>
-          <p:nvPr>
-            <p:ph type="sldImg"/>
-          </p:nvPr>
-        </p:nvSpPr>
-        <p:spPr/>
-      </p:sp>
-      <p:sp>
-        <p:nvSpPr>
-          <p:cNvPr id="3" name="Notes Placeholder 2"/>
-          <p:cNvSpPr>
-            <a:spLocks noGrp="1"/>
-          </p:cNvSpPr>
-          <p:nvPr>
-            <p:ph type="body" idx="1"/>
-          </p:nvPr>
-        </p:nvSpPr>
-        <p:spPr/>
-        <p:txBody>
-          <a:bodyPr/>
-          <a:lstStyle/>
-          <a:p>
-            <a:endParaRPr lang="en-US" dirty="0"/>
-          </a:p>
-        </p:txBody>
-      </p:sp>
-      <p:sp>
-        <p:nvSpPr>
-          <p:cNvPr id="4" name="Slide Number Placeholder 3"/>
-          <p:cNvSpPr>
-            <a:spLocks noGrp="1"/>
-          </p:cNvSpPr>
-          <p:nvPr>
-            <p:ph type="sldNum" sz="quarter" idx="5"/>
-          </p:nvPr>
-        </p:nvSpPr>
-        <p:spPr/>
-        <p:txBody>
-          <a:bodyPr/>
-          <a:lstStyle/>
-          <a:p>
-            <a:fld id="{8D18E0B9-48E4-499D-93B2-B07D00395BAC}" type="slidenum">
-              <a:rPr lang="en-US" smtClean="0"/>
-              <a:t>19</a:t>
-            </a:fld>
-            <a:endParaRPr lang="en-US" dirty="0"/>
-          </a:p>
-        </p:txBody>
-      </p:sp>
-    </p:spTree>
-    <p:extLst>
-      <p:ext uri="{BB962C8B-B14F-4D97-AF65-F5344CB8AC3E}">
-        <p14:creationId xmlns:p14="http://schemas.microsoft.com/office/powerpoint/2010/main" val="2702345518"/>
+        <p14:creationId xmlns:p14="http://schemas.microsoft.com/office/powerpoint/2010/main" val="1763878528"/>
       </p:ext>
     </p:extLst>
   </p:cSld>
@@ -1875,678 +1697,6 @@
     <p:extLst>
       <p:ext uri="{BB962C8B-B14F-4D97-AF65-F5344CB8AC3E}">
         <p14:creationId xmlns:p14="http://schemas.microsoft.com/office/powerpoint/2010/main" val="4207700739"/>
-      </p:ext>
-    </p:extLst>
-  </p:cSld>
-  <p:clrMapOvr>
-    <a:masterClrMapping/>
-  </p:clrMapOvr>
-</p:notes>
-</file>
-
-<file path=ppt/notesSlides/notesSlide20.xml><?xml version="1.0" encoding="utf-8"?>
-<p:notes xmlns:a="http://schemas.openxmlformats.org/drawingml/2006/main" xmlns:r="http://schemas.openxmlformats.org/officeDocument/2006/relationships" xmlns:p="http://schemas.openxmlformats.org/presentationml/2006/main">
-  <p:cSld>
-    <p:spTree>
-      <p:nvGrpSpPr>
-        <p:cNvPr id="1" name=""/>
-        <p:cNvGrpSpPr/>
-        <p:nvPr/>
-      </p:nvGrpSpPr>
-      <p:grpSpPr>
-        <a:xfrm>
-          <a:off x="0" y="0"/>
-          <a:ext cx="0" cy="0"/>
-          <a:chOff x="0" y="0"/>
-          <a:chExt cx="0" cy="0"/>
-        </a:xfrm>
-      </p:grpSpPr>
-      <p:sp>
-        <p:nvSpPr>
-          <p:cNvPr id="2" name="Slide Image Placeholder 1"/>
-          <p:cNvSpPr>
-            <a:spLocks noGrp="1" noRot="1" noChangeAspect="1"/>
-          </p:cNvSpPr>
-          <p:nvPr>
-            <p:ph type="sldImg"/>
-          </p:nvPr>
-        </p:nvSpPr>
-        <p:spPr/>
-      </p:sp>
-      <p:sp>
-        <p:nvSpPr>
-          <p:cNvPr id="3" name="Notes Placeholder 2"/>
-          <p:cNvSpPr>
-            <a:spLocks noGrp="1"/>
-          </p:cNvSpPr>
-          <p:nvPr>
-            <p:ph type="body" idx="1"/>
-          </p:nvPr>
-        </p:nvSpPr>
-        <p:spPr/>
-        <p:txBody>
-          <a:bodyPr/>
-          <a:lstStyle/>
-          <a:p>
-            <a:endParaRPr lang="en-US" dirty="0"/>
-          </a:p>
-        </p:txBody>
-      </p:sp>
-      <p:sp>
-        <p:nvSpPr>
-          <p:cNvPr id="4" name="Slide Number Placeholder 3"/>
-          <p:cNvSpPr>
-            <a:spLocks noGrp="1"/>
-          </p:cNvSpPr>
-          <p:nvPr>
-            <p:ph type="sldNum" sz="quarter" idx="5"/>
-          </p:nvPr>
-        </p:nvSpPr>
-        <p:spPr/>
-        <p:txBody>
-          <a:bodyPr/>
-          <a:lstStyle/>
-          <a:p>
-            <a:fld id="{8D18E0B9-48E4-499D-93B2-B07D00395BAC}" type="slidenum">
-              <a:rPr lang="en-US" smtClean="0"/>
-              <a:t>20</a:t>
-            </a:fld>
-            <a:endParaRPr lang="en-US" dirty="0"/>
-          </a:p>
-        </p:txBody>
-      </p:sp>
-    </p:spTree>
-    <p:extLst>
-      <p:ext uri="{BB962C8B-B14F-4D97-AF65-F5344CB8AC3E}">
-        <p14:creationId xmlns:p14="http://schemas.microsoft.com/office/powerpoint/2010/main" val="585805875"/>
-      </p:ext>
-    </p:extLst>
-  </p:cSld>
-  <p:clrMapOvr>
-    <a:masterClrMapping/>
-  </p:clrMapOvr>
-</p:notes>
-</file>
-
-<file path=ppt/notesSlides/notesSlide21.xml><?xml version="1.0" encoding="utf-8"?>
-<p:notes xmlns:a="http://schemas.openxmlformats.org/drawingml/2006/main" xmlns:r="http://schemas.openxmlformats.org/officeDocument/2006/relationships" xmlns:p="http://schemas.openxmlformats.org/presentationml/2006/main">
-  <p:cSld>
-    <p:spTree>
-      <p:nvGrpSpPr>
-        <p:cNvPr id="1" name=""/>
-        <p:cNvGrpSpPr/>
-        <p:nvPr/>
-      </p:nvGrpSpPr>
-      <p:grpSpPr>
-        <a:xfrm>
-          <a:off x="0" y="0"/>
-          <a:ext cx="0" cy="0"/>
-          <a:chOff x="0" y="0"/>
-          <a:chExt cx="0" cy="0"/>
-        </a:xfrm>
-      </p:grpSpPr>
-      <p:sp>
-        <p:nvSpPr>
-          <p:cNvPr id="2" name="Slide Image Placeholder 1"/>
-          <p:cNvSpPr>
-            <a:spLocks noGrp="1" noRot="1" noChangeAspect="1"/>
-          </p:cNvSpPr>
-          <p:nvPr>
-            <p:ph type="sldImg"/>
-          </p:nvPr>
-        </p:nvSpPr>
-        <p:spPr/>
-      </p:sp>
-      <p:sp>
-        <p:nvSpPr>
-          <p:cNvPr id="3" name="Notes Placeholder 2"/>
-          <p:cNvSpPr>
-            <a:spLocks noGrp="1"/>
-          </p:cNvSpPr>
-          <p:nvPr>
-            <p:ph type="body" idx="1"/>
-          </p:nvPr>
-        </p:nvSpPr>
-        <p:spPr/>
-        <p:txBody>
-          <a:bodyPr/>
-          <a:lstStyle/>
-          <a:p>
-            <a:endParaRPr lang="en-US" dirty="0"/>
-          </a:p>
-        </p:txBody>
-      </p:sp>
-      <p:sp>
-        <p:nvSpPr>
-          <p:cNvPr id="4" name="Slide Number Placeholder 3"/>
-          <p:cNvSpPr>
-            <a:spLocks noGrp="1"/>
-          </p:cNvSpPr>
-          <p:nvPr>
-            <p:ph type="sldNum" sz="quarter" idx="5"/>
-          </p:nvPr>
-        </p:nvSpPr>
-        <p:spPr/>
-        <p:txBody>
-          <a:bodyPr/>
-          <a:lstStyle/>
-          <a:p>
-            <a:fld id="{8D18E0B9-48E4-499D-93B2-B07D00395BAC}" type="slidenum">
-              <a:rPr lang="en-US" smtClean="0"/>
-              <a:t>21</a:t>
-            </a:fld>
-            <a:endParaRPr lang="en-US" dirty="0"/>
-          </a:p>
-        </p:txBody>
-      </p:sp>
-    </p:spTree>
-    <p:extLst>
-      <p:ext uri="{BB962C8B-B14F-4D97-AF65-F5344CB8AC3E}">
-        <p14:creationId xmlns:p14="http://schemas.microsoft.com/office/powerpoint/2010/main" val="3407099905"/>
-      </p:ext>
-    </p:extLst>
-  </p:cSld>
-  <p:clrMapOvr>
-    <a:masterClrMapping/>
-  </p:clrMapOvr>
-</p:notes>
-</file>
-
-<file path=ppt/notesSlides/notesSlide22.xml><?xml version="1.0" encoding="utf-8"?>
-<p:notes xmlns:a="http://schemas.openxmlformats.org/drawingml/2006/main" xmlns:r="http://schemas.openxmlformats.org/officeDocument/2006/relationships" xmlns:p="http://schemas.openxmlformats.org/presentationml/2006/main">
-  <p:cSld>
-    <p:spTree>
-      <p:nvGrpSpPr>
-        <p:cNvPr id="1" name=""/>
-        <p:cNvGrpSpPr/>
-        <p:nvPr/>
-      </p:nvGrpSpPr>
-      <p:grpSpPr>
-        <a:xfrm>
-          <a:off x="0" y="0"/>
-          <a:ext cx="0" cy="0"/>
-          <a:chOff x="0" y="0"/>
-          <a:chExt cx="0" cy="0"/>
-        </a:xfrm>
-      </p:grpSpPr>
-      <p:sp>
-        <p:nvSpPr>
-          <p:cNvPr id="2" name="Slide Image Placeholder 1"/>
-          <p:cNvSpPr>
-            <a:spLocks noGrp="1" noRot="1" noChangeAspect="1"/>
-          </p:cNvSpPr>
-          <p:nvPr>
-            <p:ph type="sldImg"/>
-          </p:nvPr>
-        </p:nvSpPr>
-        <p:spPr/>
-      </p:sp>
-      <p:sp>
-        <p:nvSpPr>
-          <p:cNvPr id="3" name="Notes Placeholder 2"/>
-          <p:cNvSpPr>
-            <a:spLocks noGrp="1"/>
-          </p:cNvSpPr>
-          <p:nvPr>
-            <p:ph type="body" idx="1"/>
-          </p:nvPr>
-        </p:nvSpPr>
-        <p:spPr/>
-        <p:txBody>
-          <a:bodyPr/>
-          <a:lstStyle/>
-          <a:p>
-            <a:endParaRPr lang="en-US" dirty="0"/>
-          </a:p>
-        </p:txBody>
-      </p:sp>
-      <p:sp>
-        <p:nvSpPr>
-          <p:cNvPr id="4" name="Slide Number Placeholder 3"/>
-          <p:cNvSpPr>
-            <a:spLocks noGrp="1"/>
-          </p:cNvSpPr>
-          <p:nvPr>
-            <p:ph type="sldNum" sz="quarter" idx="5"/>
-          </p:nvPr>
-        </p:nvSpPr>
-        <p:spPr/>
-        <p:txBody>
-          <a:bodyPr/>
-          <a:lstStyle/>
-          <a:p>
-            <a:fld id="{8D18E0B9-48E4-499D-93B2-B07D00395BAC}" type="slidenum">
-              <a:rPr lang="en-US" smtClean="0"/>
-              <a:t>22</a:t>
-            </a:fld>
-            <a:endParaRPr lang="en-US" dirty="0"/>
-          </a:p>
-        </p:txBody>
-      </p:sp>
-    </p:spTree>
-    <p:extLst>
-      <p:ext uri="{BB962C8B-B14F-4D97-AF65-F5344CB8AC3E}">
-        <p14:creationId xmlns:p14="http://schemas.microsoft.com/office/powerpoint/2010/main" val="1284167809"/>
-      </p:ext>
-    </p:extLst>
-  </p:cSld>
-  <p:clrMapOvr>
-    <a:masterClrMapping/>
-  </p:clrMapOvr>
-</p:notes>
-</file>
-
-<file path=ppt/notesSlides/notesSlide23.xml><?xml version="1.0" encoding="utf-8"?>
-<p:notes xmlns:a="http://schemas.openxmlformats.org/drawingml/2006/main" xmlns:r="http://schemas.openxmlformats.org/officeDocument/2006/relationships" xmlns:p="http://schemas.openxmlformats.org/presentationml/2006/main">
-  <p:cSld>
-    <p:spTree>
-      <p:nvGrpSpPr>
-        <p:cNvPr id="1" name=""/>
-        <p:cNvGrpSpPr/>
-        <p:nvPr/>
-      </p:nvGrpSpPr>
-      <p:grpSpPr>
-        <a:xfrm>
-          <a:off x="0" y="0"/>
-          <a:ext cx="0" cy="0"/>
-          <a:chOff x="0" y="0"/>
-          <a:chExt cx="0" cy="0"/>
-        </a:xfrm>
-      </p:grpSpPr>
-      <p:sp>
-        <p:nvSpPr>
-          <p:cNvPr id="2" name="Slide Image Placeholder 1"/>
-          <p:cNvSpPr>
-            <a:spLocks noGrp="1" noRot="1" noChangeAspect="1"/>
-          </p:cNvSpPr>
-          <p:nvPr>
-            <p:ph type="sldImg"/>
-          </p:nvPr>
-        </p:nvSpPr>
-        <p:spPr/>
-      </p:sp>
-      <p:sp>
-        <p:nvSpPr>
-          <p:cNvPr id="3" name="Notes Placeholder 2"/>
-          <p:cNvSpPr>
-            <a:spLocks noGrp="1"/>
-          </p:cNvSpPr>
-          <p:nvPr>
-            <p:ph type="body" idx="1"/>
-          </p:nvPr>
-        </p:nvSpPr>
-        <p:spPr/>
-        <p:txBody>
-          <a:bodyPr/>
-          <a:lstStyle/>
-          <a:p>
-            <a:endParaRPr lang="en-US" dirty="0"/>
-          </a:p>
-        </p:txBody>
-      </p:sp>
-      <p:sp>
-        <p:nvSpPr>
-          <p:cNvPr id="4" name="Slide Number Placeholder 3"/>
-          <p:cNvSpPr>
-            <a:spLocks noGrp="1"/>
-          </p:cNvSpPr>
-          <p:nvPr>
-            <p:ph type="sldNum" sz="quarter" idx="5"/>
-          </p:nvPr>
-        </p:nvSpPr>
-        <p:spPr/>
-        <p:txBody>
-          <a:bodyPr/>
-          <a:lstStyle/>
-          <a:p>
-            <a:fld id="{8D18E0B9-48E4-499D-93B2-B07D00395BAC}" type="slidenum">
-              <a:rPr lang="en-US" smtClean="0"/>
-              <a:t>23</a:t>
-            </a:fld>
-            <a:endParaRPr lang="en-US" dirty="0"/>
-          </a:p>
-        </p:txBody>
-      </p:sp>
-    </p:spTree>
-    <p:extLst>
-      <p:ext uri="{BB962C8B-B14F-4D97-AF65-F5344CB8AC3E}">
-        <p14:creationId xmlns:p14="http://schemas.microsoft.com/office/powerpoint/2010/main" val="2074244052"/>
-      </p:ext>
-    </p:extLst>
-  </p:cSld>
-  <p:clrMapOvr>
-    <a:masterClrMapping/>
-  </p:clrMapOvr>
-</p:notes>
-</file>
-
-<file path=ppt/notesSlides/notesSlide24.xml><?xml version="1.0" encoding="utf-8"?>
-<p:notes xmlns:a="http://schemas.openxmlformats.org/drawingml/2006/main" xmlns:r="http://schemas.openxmlformats.org/officeDocument/2006/relationships" xmlns:p="http://schemas.openxmlformats.org/presentationml/2006/main">
-  <p:cSld>
-    <p:spTree>
-      <p:nvGrpSpPr>
-        <p:cNvPr id="1" name=""/>
-        <p:cNvGrpSpPr/>
-        <p:nvPr/>
-      </p:nvGrpSpPr>
-      <p:grpSpPr>
-        <a:xfrm>
-          <a:off x="0" y="0"/>
-          <a:ext cx="0" cy="0"/>
-          <a:chOff x="0" y="0"/>
-          <a:chExt cx="0" cy="0"/>
-        </a:xfrm>
-      </p:grpSpPr>
-      <p:sp>
-        <p:nvSpPr>
-          <p:cNvPr id="2" name="Slide Image Placeholder 1"/>
-          <p:cNvSpPr>
-            <a:spLocks noGrp="1" noRot="1" noChangeAspect="1"/>
-          </p:cNvSpPr>
-          <p:nvPr>
-            <p:ph type="sldImg"/>
-          </p:nvPr>
-        </p:nvSpPr>
-        <p:spPr/>
-      </p:sp>
-      <p:sp>
-        <p:nvSpPr>
-          <p:cNvPr id="3" name="Notes Placeholder 2"/>
-          <p:cNvSpPr>
-            <a:spLocks noGrp="1"/>
-          </p:cNvSpPr>
-          <p:nvPr>
-            <p:ph type="body" idx="1"/>
-          </p:nvPr>
-        </p:nvSpPr>
-        <p:spPr/>
-        <p:txBody>
-          <a:bodyPr/>
-          <a:lstStyle/>
-          <a:p>
-            <a:endParaRPr lang="en-US" dirty="0"/>
-          </a:p>
-        </p:txBody>
-      </p:sp>
-      <p:sp>
-        <p:nvSpPr>
-          <p:cNvPr id="4" name="Slide Number Placeholder 3"/>
-          <p:cNvSpPr>
-            <a:spLocks noGrp="1"/>
-          </p:cNvSpPr>
-          <p:nvPr>
-            <p:ph type="sldNum" sz="quarter" idx="5"/>
-          </p:nvPr>
-        </p:nvSpPr>
-        <p:spPr/>
-        <p:txBody>
-          <a:bodyPr/>
-          <a:lstStyle/>
-          <a:p>
-            <a:fld id="{8D18E0B9-48E4-499D-93B2-B07D00395BAC}" type="slidenum">
-              <a:rPr lang="en-US" smtClean="0"/>
-              <a:t>24</a:t>
-            </a:fld>
-            <a:endParaRPr lang="en-US" dirty="0"/>
-          </a:p>
-        </p:txBody>
-      </p:sp>
-    </p:spTree>
-    <p:extLst>
-      <p:ext uri="{BB962C8B-B14F-4D97-AF65-F5344CB8AC3E}">
-        <p14:creationId xmlns:p14="http://schemas.microsoft.com/office/powerpoint/2010/main" val="2031756880"/>
-      </p:ext>
-    </p:extLst>
-  </p:cSld>
-  <p:clrMapOvr>
-    <a:masterClrMapping/>
-  </p:clrMapOvr>
-</p:notes>
-</file>
-
-<file path=ppt/notesSlides/notesSlide25.xml><?xml version="1.0" encoding="utf-8"?>
-<p:notes xmlns:a="http://schemas.openxmlformats.org/drawingml/2006/main" xmlns:r="http://schemas.openxmlformats.org/officeDocument/2006/relationships" xmlns:p="http://schemas.openxmlformats.org/presentationml/2006/main">
-  <p:cSld>
-    <p:spTree>
-      <p:nvGrpSpPr>
-        <p:cNvPr id="1" name=""/>
-        <p:cNvGrpSpPr/>
-        <p:nvPr/>
-      </p:nvGrpSpPr>
-      <p:grpSpPr>
-        <a:xfrm>
-          <a:off x="0" y="0"/>
-          <a:ext cx="0" cy="0"/>
-          <a:chOff x="0" y="0"/>
-          <a:chExt cx="0" cy="0"/>
-        </a:xfrm>
-      </p:grpSpPr>
-      <p:sp>
-        <p:nvSpPr>
-          <p:cNvPr id="2" name="Slide Image Placeholder 1"/>
-          <p:cNvSpPr>
-            <a:spLocks noGrp="1" noRot="1" noChangeAspect="1"/>
-          </p:cNvSpPr>
-          <p:nvPr>
-            <p:ph type="sldImg"/>
-          </p:nvPr>
-        </p:nvSpPr>
-        <p:spPr/>
-      </p:sp>
-      <p:sp>
-        <p:nvSpPr>
-          <p:cNvPr id="3" name="Notes Placeholder 2"/>
-          <p:cNvSpPr>
-            <a:spLocks noGrp="1"/>
-          </p:cNvSpPr>
-          <p:nvPr>
-            <p:ph type="body" idx="1"/>
-          </p:nvPr>
-        </p:nvSpPr>
-        <p:spPr/>
-        <p:txBody>
-          <a:bodyPr/>
-          <a:lstStyle/>
-          <a:p>
-            <a:endParaRPr lang="en-US" dirty="0"/>
-          </a:p>
-        </p:txBody>
-      </p:sp>
-      <p:sp>
-        <p:nvSpPr>
-          <p:cNvPr id="4" name="Slide Number Placeholder 3"/>
-          <p:cNvSpPr>
-            <a:spLocks noGrp="1"/>
-          </p:cNvSpPr>
-          <p:nvPr>
-            <p:ph type="sldNum" sz="quarter" idx="5"/>
-          </p:nvPr>
-        </p:nvSpPr>
-        <p:spPr/>
-        <p:txBody>
-          <a:bodyPr/>
-          <a:lstStyle/>
-          <a:p>
-            <a:fld id="{8D18E0B9-48E4-499D-93B2-B07D00395BAC}" type="slidenum">
-              <a:rPr lang="en-US" smtClean="0"/>
-              <a:t>25</a:t>
-            </a:fld>
-            <a:endParaRPr lang="en-US" dirty="0"/>
-          </a:p>
-        </p:txBody>
-      </p:sp>
-    </p:spTree>
-    <p:extLst>
-      <p:ext uri="{BB962C8B-B14F-4D97-AF65-F5344CB8AC3E}">
-        <p14:creationId xmlns:p14="http://schemas.microsoft.com/office/powerpoint/2010/main" val="3669475507"/>
-      </p:ext>
-    </p:extLst>
-  </p:cSld>
-  <p:clrMapOvr>
-    <a:masterClrMapping/>
-  </p:clrMapOvr>
-</p:notes>
-</file>
-
-<file path=ppt/notesSlides/notesSlide26.xml><?xml version="1.0" encoding="utf-8"?>
-<p:notes xmlns:a="http://schemas.openxmlformats.org/drawingml/2006/main" xmlns:r="http://schemas.openxmlformats.org/officeDocument/2006/relationships" xmlns:p="http://schemas.openxmlformats.org/presentationml/2006/main">
-  <p:cSld>
-    <p:spTree>
-      <p:nvGrpSpPr>
-        <p:cNvPr id="1" name=""/>
-        <p:cNvGrpSpPr/>
-        <p:nvPr/>
-      </p:nvGrpSpPr>
-      <p:grpSpPr>
-        <a:xfrm>
-          <a:off x="0" y="0"/>
-          <a:ext cx="0" cy="0"/>
-          <a:chOff x="0" y="0"/>
-          <a:chExt cx="0" cy="0"/>
-        </a:xfrm>
-      </p:grpSpPr>
-      <p:sp>
-        <p:nvSpPr>
-          <p:cNvPr id="2" name="Slide Image Placeholder 1"/>
-          <p:cNvSpPr>
-            <a:spLocks noGrp="1" noRot="1" noChangeAspect="1"/>
-          </p:cNvSpPr>
-          <p:nvPr>
-            <p:ph type="sldImg"/>
-          </p:nvPr>
-        </p:nvSpPr>
-        <p:spPr/>
-      </p:sp>
-      <p:sp>
-        <p:nvSpPr>
-          <p:cNvPr id="3" name="Notes Placeholder 2"/>
-          <p:cNvSpPr>
-            <a:spLocks noGrp="1"/>
-          </p:cNvSpPr>
-          <p:nvPr>
-            <p:ph type="body" idx="1"/>
-          </p:nvPr>
-        </p:nvSpPr>
-        <p:spPr/>
-        <p:txBody>
-          <a:bodyPr/>
-          <a:lstStyle/>
-          <a:p>
-            <a:endParaRPr lang="en-US" dirty="0"/>
-          </a:p>
-        </p:txBody>
-      </p:sp>
-      <p:sp>
-        <p:nvSpPr>
-          <p:cNvPr id="4" name="Slide Number Placeholder 3"/>
-          <p:cNvSpPr>
-            <a:spLocks noGrp="1"/>
-          </p:cNvSpPr>
-          <p:nvPr>
-            <p:ph type="sldNum" sz="quarter" idx="5"/>
-          </p:nvPr>
-        </p:nvSpPr>
-        <p:spPr/>
-        <p:txBody>
-          <a:bodyPr/>
-          <a:lstStyle/>
-          <a:p>
-            <a:fld id="{8D18E0B9-48E4-499D-93B2-B07D00395BAC}" type="slidenum">
-              <a:rPr lang="en-US" smtClean="0"/>
-              <a:t>26</a:t>
-            </a:fld>
-            <a:endParaRPr lang="en-US" dirty="0"/>
-          </a:p>
-        </p:txBody>
-      </p:sp>
-    </p:spTree>
-    <p:extLst>
-      <p:ext uri="{BB962C8B-B14F-4D97-AF65-F5344CB8AC3E}">
-        <p14:creationId xmlns:p14="http://schemas.microsoft.com/office/powerpoint/2010/main" val="1661114793"/>
-      </p:ext>
-    </p:extLst>
-  </p:cSld>
-  <p:clrMapOvr>
-    <a:masterClrMapping/>
-  </p:clrMapOvr>
-</p:notes>
-</file>
-
-<file path=ppt/notesSlides/notesSlide27.xml><?xml version="1.0" encoding="utf-8"?>
-<p:notes xmlns:a="http://schemas.openxmlformats.org/drawingml/2006/main" xmlns:r="http://schemas.openxmlformats.org/officeDocument/2006/relationships" xmlns:p="http://schemas.openxmlformats.org/presentationml/2006/main">
-  <p:cSld>
-    <p:spTree>
-      <p:nvGrpSpPr>
-        <p:cNvPr id="1" name=""/>
-        <p:cNvGrpSpPr/>
-        <p:nvPr/>
-      </p:nvGrpSpPr>
-      <p:grpSpPr>
-        <a:xfrm>
-          <a:off x="0" y="0"/>
-          <a:ext cx="0" cy="0"/>
-          <a:chOff x="0" y="0"/>
-          <a:chExt cx="0" cy="0"/>
-        </a:xfrm>
-      </p:grpSpPr>
-      <p:sp>
-        <p:nvSpPr>
-          <p:cNvPr id="2" name="Slide Image Placeholder 1"/>
-          <p:cNvSpPr>
-            <a:spLocks noGrp="1" noRot="1" noChangeAspect="1"/>
-          </p:cNvSpPr>
-          <p:nvPr>
-            <p:ph type="sldImg"/>
-          </p:nvPr>
-        </p:nvSpPr>
-        <p:spPr/>
-      </p:sp>
-      <p:sp>
-        <p:nvSpPr>
-          <p:cNvPr id="3" name="Notes Placeholder 2"/>
-          <p:cNvSpPr>
-            <a:spLocks noGrp="1"/>
-          </p:cNvSpPr>
-          <p:nvPr>
-            <p:ph type="body" idx="1"/>
-          </p:nvPr>
-        </p:nvSpPr>
-        <p:spPr/>
-        <p:txBody>
-          <a:bodyPr/>
-          <a:lstStyle/>
-          <a:p>
-            <a:endParaRPr lang="en-US" dirty="0"/>
-          </a:p>
-        </p:txBody>
-      </p:sp>
-      <p:sp>
-        <p:nvSpPr>
-          <p:cNvPr id="4" name="Slide Number Placeholder 3"/>
-          <p:cNvSpPr>
-            <a:spLocks noGrp="1"/>
-          </p:cNvSpPr>
-          <p:nvPr>
-            <p:ph type="sldNum" sz="quarter" idx="5"/>
-          </p:nvPr>
-        </p:nvSpPr>
-        <p:spPr/>
-        <p:txBody>
-          <a:bodyPr/>
-          <a:lstStyle/>
-          <a:p>
-            <a:fld id="{8D18E0B9-48E4-499D-93B2-B07D00395BAC}" type="slidenum">
-              <a:rPr lang="en-US" smtClean="0"/>
-              <a:t>27</a:t>
-            </a:fld>
-            <a:endParaRPr lang="en-US" dirty="0"/>
-          </a:p>
-        </p:txBody>
-      </p:sp>
-    </p:spTree>
-    <p:extLst>
-      <p:ext uri="{BB962C8B-B14F-4D97-AF65-F5344CB8AC3E}">
-        <p14:creationId xmlns:p14="http://schemas.microsoft.com/office/powerpoint/2010/main" val="1763878528"/>
       </p:ext>
     </p:extLst>
   </p:cSld>
@@ -3857,7 +3007,7 @@
                 <a16:creationId xmlns:a16="http://schemas.microsoft.com/office/drawing/2014/main" id="{10F349F3-2C28-5A44-EDFC-75FD6CA95EAD}"/>
               </a:ext>
               <a:ext uri="{C183D7F6-B498-43B3-948B-1728B52AA6E4}">
-                <adec:decorative xmlns:adec="http://schemas.microsoft.com/office/drawing/2017/decorative" val="1"/>
+                <adec:decorative xmlns:adec="http://schemas.microsoft.com/office/drawing/2017/decorative" xmlns="" val="1"/>
               </a:ext>
             </a:extLst>
           </p:cNvPr>
@@ -4393,7 +3543,7 @@
                 <a16:creationId xmlns:a16="http://schemas.microsoft.com/office/drawing/2014/main" id="{67D6C0A7-887A-66E2-A954-5E0592B9FD71}"/>
               </a:ext>
               <a:ext uri="{C183D7F6-B498-43B3-948B-1728B52AA6E4}">
-                <adec:decorative xmlns:adec="http://schemas.microsoft.com/office/drawing/2017/decorative" val="1"/>
+                <adec:decorative xmlns:adec="http://schemas.microsoft.com/office/drawing/2017/decorative" xmlns="" val="1"/>
               </a:ext>
             </a:extLst>
           </p:cNvPr>
@@ -4569,7 +3719,7 @@
                 <a16:creationId xmlns:a16="http://schemas.microsoft.com/office/drawing/2014/main" id="{9CBB1E76-5845-01C9-1D0D-03CFFE6F06CA}"/>
               </a:ext>
               <a:ext uri="{C183D7F6-B498-43B3-948B-1728B52AA6E4}">
-                <adec:decorative xmlns:adec="http://schemas.microsoft.com/office/drawing/2017/decorative" val="1"/>
+                <adec:decorative xmlns:adec="http://schemas.microsoft.com/office/drawing/2017/decorative" xmlns="" val="1"/>
               </a:ext>
             </a:extLst>
           </p:cNvPr>
@@ -4796,7 +3946,7 @@
                 <a16:creationId xmlns:a16="http://schemas.microsoft.com/office/drawing/2014/main" id="{DAC229E2-8757-94D8-A1B6-702189DCCBF2}"/>
               </a:ext>
               <a:ext uri="{C183D7F6-B498-43B3-948B-1728B52AA6E4}">
-                <adec:decorative xmlns:adec="http://schemas.microsoft.com/office/drawing/2017/decorative" val="1"/>
+                <adec:decorative xmlns:adec="http://schemas.microsoft.com/office/drawing/2017/decorative" xmlns="" val="1"/>
               </a:ext>
             </a:extLst>
           </p:cNvPr>
@@ -5179,7 +4329,7 @@
                 <a16:creationId xmlns:a16="http://schemas.microsoft.com/office/drawing/2014/main" id="{04737016-0B2B-9F81-7A77-63223C4864D8}"/>
               </a:ext>
               <a:ext uri="{C183D7F6-B498-43B3-948B-1728B52AA6E4}">
-                <adec:decorative xmlns:adec="http://schemas.microsoft.com/office/drawing/2017/decorative" val="1"/>
+                <adec:decorative xmlns:adec="http://schemas.microsoft.com/office/drawing/2017/decorative" xmlns="" val="1"/>
               </a:ext>
             </a:extLst>
           </p:cNvPr>
@@ -6154,7 +5304,7 @@
                 <a16:creationId xmlns:a16="http://schemas.microsoft.com/office/drawing/2014/main" id="{62A1635D-96F0-769B-4ECB-70502770ABBC}"/>
               </a:ext>
               <a:ext uri="{C183D7F6-B498-43B3-948B-1728B52AA6E4}">
-                <adec:decorative xmlns:adec="http://schemas.microsoft.com/office/drawing/2017/decorative" val="1"/>
+                <adec:decorative xmlns:adec="http://schemas.microsoft.com/office/drawing/2017/decorative" xmlns="" val="1"/>
               </a:ext>
             </a:extLst>
           </p:cNvPr>
@@ -6803,7 +5953,7 @@
                 <a16:creationId xmlns:a16="http://schemas.microsoft.com/office/drawing/2014/main" id="{10F349F3-2C28-5A44-EDFC-75FD6CA95EAD}"/>
               </a:ext>
               <a:ext uri="{C183D7F6-B498-43B3-948B-1728B52AA6E4}">
-                <adec:decorative xmlns:adec="http://schemas.microsoft.com/office/drawing/2017/decorative" val="1"/>
+                <adec:decorative xmlns:adec="http://schemas.microsoft.com/office/drawing/2017/decorative" xmlns="" val="1"/>
               </a:ext>
             </a:extLst>
           </p:cNvPr>
@@ -7299,7 +6449,7 @@
                 <a16:creationId xmlns:a16="http://schemas.microsoft.com/office/drawing/2014/main" id="{10F349F3-2C28-5A44-EDFC-75FD6CA95EAD}"/>
               </a:ext>
               <a:ext uri="{C183D7F6-B498-43B3-948B-1728B52AA6E4}">
-                <adec:decorative xmlns:adec="http://schemas.microsoft.com/office/drawing/2017/decorative" val="1"/>
+                <adec:decorative xmlns:adec="http://schemas.microsoft.com/office/drawing/2017/decorative" xmlns="" val="1"/>
               </a:ext>
             </a:extLst>
           </p:cNvPr>
@@ -8056,7 +7206,7 @@
                 <a16:creationId xmlns:a16="http://schemas.microsoft.com/office/drawing/2014/main" id="{0C72AFED-AF5A-A2E9-0D36-388733BBE998}"/>
               </a:ext>
               <a:ext uri="{C183D7F6-B498-43B3-948B-1728B52AA6E4}">
-                <adec:decorative xmlns:adec="http://schemas.microsoft.com/office/drawing/2017/decorative" val="1"/>
+                <adec:decorative xmlns:adec="http://schemas.microsoft.com/office/drawing/2017/decorative" xmlns="" val="1"/>
               </a:ext>
             </a:extLst>
           </p:cNvPr>
@@ -9888,10 +9038,10 @@
       </p:grpSpPr>
       <p:sp>
         <p:nvSpPr>
-          <p:cNvPr id="8" name="Title 7">
-            <a:extLst>
-              <a:ext uri="{FF2B5EF4-FFF2-40B4-BE49-F238E27FC236}">
-                <a16:creationId xmlns:a16="http://schemas.microsoft.com/office/drawing/2014/main" id="{D304888D-B78B-26F5-9075-CDA3C673C95A}"/>
+          <p:cNvPr id="4" name="Title 3">
+            <a:extLst>
+              <a:ext uri="{FF2B5EF4-FFF2-40B4-BE49-F238E27FC236}">
+                <a16:creationId xmlns:a16="http://schemas.microsoft.com/office/drawing/2014/main" id="{9B961152-381E-D654-15E9-7C4F09608779}"/>
               </a:ext>
             </a:extLst>
           </p:cNvPr>
@@ -9904,8 +9054,8 @@
         </p:nvSpPr>
         <p:spPr>
           <a:xfrm>
-            <a:off x="6478742" y="914399"/>
-            <a:ext cx="4798858" cy="5029199"/>
+            <a:off x="899160" y="655320"/>
+            <a:ext cx="4572000" cy="5486400"/>
           </a:xfrm>
         </p:spPr>
         <p:txBody>
@@ -9914,307 +9064,15 @@
           <a:p>
             <a:r>
               <a:rPr lang="en-US" dirty="0"/>
-              <a:t>Company overview</a:t>
-            </a:r>
-          </a:p>
-        </p:txBody>
-      </p:sp>
-      <p:pic>
-        <p:nvPicPr>
-          <p:cNvPr id="21" name="Picture Placeholder 20" descr="A group of men wearing aprons">
-            <a:extLst>
-              <a:ext uri="{FF2B5EF4-FFF2-40B4-BE49-F238E27FC236}">
-                <a16:creationId xmlns:a16="http://schemas.microsoft.com/office/drawing/2014/main" id="{6B3187BD-B790-DE63-0B54-F9E459DC3142}"/>
-              </a:ext>
-            </a:extLst>
-          </p:cNvPr>
-          <p:cNvPicPr>
-            <a:picLocks noGrp="1" noChangeAspect="1"/>
-          </p:cNvPicPr>
-          <p:nvPr>
-            <p:ph type="pic" sz="quarter" idx="10"/>
-          </p:nvPr>
-        </p:nvPicPr>
-        <p:blipFill>
-          <a:blip r:embed="rId3"/>
-          <a:srcRect l="16" r="16"/>
-          <a:stretch/>
-        </p:blipFill>
-        <p:spPr>
-          <a:xfrm>
-            <a:off x="0" y="914400"/>
-            <a:ext cx="5713413" cy="5029200"/>
-          </a:xfrm>
-        </p:spPr>
-      </p:pic>
+              <a:t>Thank you</a:t>
+            </a:r>
+          </a:p>
+        </p:txBody>
+      </p:sp>
     </p:spTree>
     <p:extLst>
       <p:ext uri="{BB962C8B-B14F-4D97-AF65-F5344CB8AC3E}">
-        <p14:creationId xmlns:p14="http://schemas.microsoft.com/office/powerpoint/2010/main" val="3671577520"/>
-      </p:ext>
-    </p:extLst>
-  </p:cSld>
-  <p:clrMapOvr>
-    <a:masterClrMapping/>
-  </p:clrMapOvr>
-</p:sld>
-</file>
-
-<file path=ppt/slides/slide18.xml><?xml version="1.0" encoding="utf-8"?>
-<p:sld xmlns:a="http://schemas.openxmlformats.org/drawingml/2006/main" xmlns:r="http://schemas.openxmlformats.org/officeDocument/2006/relationships" xmlns:p="http://schemas.openxmlformats.org/presentationml/2006/main">
-  <p:cSld>
-    <p:spTree>
-      <p:nvGrpSpPr>
-        <p:cNvPr id="1" name=""/>
-        <p:cNvGrpSpPr/>
-        <p:nvPr/>
-      </p:nvGrpSpPr>
-      <p:grpSpPr>
-        <a:xfrm>
-          <a:off x="0" y="0"/>
-          <a:ext cx="0" cy="0"/>
-          <a:chOff x="0" y="0"/>
-          <a:chExt cx="0" cy="0"/>
-        </a:xfrm>
-      </p:grpSpPr>
-      <p:sp>
-        <p:nvSpPr>
-          <p:cNvPr id="23" name="Title 22">
-            <a:extLst>
-              <a:ext uri="{FF2B5EF4-FFF2-40B4-BE49-F238E27FC236}">
-                <a16:creationId xmlns:a16="http://schemas.microsoft.com/office/drawing/2014/main" id="{21905908-61C5-E80D-F570-D84DB7527C19}"/>
-              </a:ext>
-            </a:extLst>
-          </p:cNvPr>
-          <p:cNvSpPr>
-            <a:spLocks noGrp="1"/>
-          </p:cNvSpPr>
-          <p:nvPr>
-            <p:ph type="title"/>
-          </p:nvPr>
-        </p:nvSpPr>
-        <p:spPr>
-          <a:xfrm>
-            <a:off x="914399" y="853439"/>
-            <a:ext cx="4802373" cy="2833689"/>
-          </a:xfrm>
-        </p:spPr>
-        <p:txBody>
-          <a:bodyPr/>
-          <a:lstStyle/>
-          <a:p>
-            <a:r>
-              <a:rPr lang="en-US" dirty="0"/>
-              <a:t>Product overview</a:t>
-            </a:r>
-          </a:p>
-        </p:txBody>
-      </p:sp>
-      <p:sp>
-        <p:nvSpPr>
-          <p:cNvPr id="28" name="Content Placeholder 27">
-            <a:extLst>
-              <a:ext uri="{FF2B5EF4-FFF2-40B4-BE49-F238E27FC236}">
-                <a16:creationId xmlns:a16="http://schemas.microsoft.com/office/drawing/2014/main" id="{7CC1959B-E6A9-5770-EC41-43538A9E36CE}"/>
-              </a:ext>
-            </a:extLst>
-          </p:cNvPr>
-          <p:cNvSpPr>
-            <a:spLocks noGrp="1"/>
-          </p:cNvSpPr>
-          <p:nvPr>
-            <p:ph sz="quarter" idx="11"/>
-          </p:nvPr>
-        </p:nvSpPr>
-        <p:spPr>
-          <a:xfrm>
-            <a:off x="914400" y="3931919"/>
-            <a:ext cx="4802735" cy="2072641"/>
-          </a:xfrm>
-        </p:spPr>
-        <p:txBody>
-          <a:bodyPr/>
-          <a:lstStyle/>
-          <a:p>
-            <a:r>
-              <a:rPr lang="en-US" dirty="0"/>
-              <a:t>First beautifully designed product that's both stylish and functional</a:t>
-            </a:r>
-          </a:p>
-        </p:txBody>
-      </p:sp>
-      <p:pic>
-        <p:nvPicPr>
-          <p:cNvPr id="20" name="Picture Placeholder 19" descr="A group of people looking at a computer">
-            <a:extLst>
-              <a:ext uri="{FF2B5EF4-FFF2-40B4-BE49-F238E27FC236}">
-                <a16:creationId xmlns:a16="http://schemas.microsoft.com/office/drawing/2014/main" id="{3F8EC18D-03A7-9C7B-E8C4-34A8973C74DA}"/>
-              </a:ext>
-            </a:extLst>
-          </p:cNvPr>
-          <p:cNvPicPr>
-            <a:picLocks noGrp="1" noChangeAspect="1"/>
-          </p:cNvPicPr>
-          <p:nvPr>
-            <p:ph type="pic" sz="quarter" idx="10"/>
-          </p:nvPr>
-        </p:nvPicPr>
-        <p:blipFill>
-          <a:blip r:embed="rId3"/>
-          <a:srcRect l="16" r="16"/>
-          <a:stretch/>
-        </p:blipFill>
-        <p:spPr>
-          <a:xfrm>
-            <a:off x="6478588" y="920750"/>
-            <a:ext cx="5713412" cy="5029200"/>
-          </a:xfrm>
-        </p:spPr>
-      </p:pic>
-    </p:spTree>
-    <p:extLst>
-      <p:ext uri="{BB962C8B-B14F-4D97-AF65-F5344CB8AC3E}">
-        <p14:creationId xmlns:p14="http://schemas.microsoft.com/office/powerpoint/2010/main" val="1427108074"/>
-      </p:ext>
-    </p:extLst>
-  </p:cSld>
-  <p:clrMapOvr>
-    <a:masterClrMapping/>
-  </p:clrMapOvr>
-</p:sld>
-</file>
-
-<file path=ppt/slides/slide19.xml><?xml version="1.0" encoding="utf-8"?>
-<p:sld xmlns:a="http://schemas.openxmlformats.org/drawingml/2006/main" xmlns:r="http://schemas.openxmlformats.org/officeDocument/2006/relationships" xmlns:p="http://schemas.openxmlformats.org/presentationml/2006/main">
-  <p:cSld>
-    <p:spTree>
-      <p:nvGrpSpPr>
-        <p:cNvPr id="1" name=""/>
-        <p:cNvGrpSpPr/>
-        <p:nvPr/>
-      </p:nvGrpSpPr>
-      <p:grpSpPr>
-        <a:xfrm>
-          <a:off x="0" y="0"/>
-          <a:ext cx="0" cy="0"/>
-          <a:chOff x="0" y="0"/>
-          <a:chExt cx="0" cy="0"/>
-        </a:xfrm>
-      </p:grpSpPr>
-      <p:sp>
-        <p:nvSpPr>
-          <p:cNvPr id="4" name="Title 3">
-            <a:extLst>
-              <a:ext uri="{FF2B5EF4-FFF2-40B4-BE49-F238E27FC236}">
-                <a16:creationId xmlns:a16="http://schemas.microsoft.com/office/drawing/2014/main" id="{A5A951FD-B055-4EE8-B6D9-62EC0F39DC50}"/>
-              </a:ext>
-            </a:extLst>
-          </p:cNvPr>
-          <p:cNvSpPr>
-            <a:spLocks noGrp="1"/>
-          </p:cNvSpPr>
-          <p:nvPr>
-            <p:ph type="title"/>
-          </p:nvPr>
-        </p:nvSpPr>
-        <p:spPr>
-          <a:xfrm>
-            <a:off x="914400" y="1020445"/>
-            <a:ext cx="4114800" cy="5029200"/>
-          </a:xfrm>
-        </p:spPr>
-        <p:txBody>
-          <a:bodyPr/>
-          <a:lstStyle/>
-          <a:p>
-            <a:r>
-              <a:rPr lang="en-US" dirty="0"/>
-              <a:t>Problem</a:t>
-            </a:r>
-          </a:p>
-        </p:txBody>
-      </p:sp>
-      <p:sp>
-        <p:nvSpPr>
-          <p:cNvPr id="7" name="Content Placeholder 6">
-            <a:extLst>
-              <a:ext uri="{FF2B5EF4-FFF2-40B4-BE49-F238E27FC236}">
-                <a16:creationId xmlns:a16="http://schemas.microsoft.com/office/drawing/2014/main" id="{FC5F8EB2-8936-F0AC-DA2A-4A5609BEA7E8}"/>
-              </a:ext>
-            </a:extLst>
-          </p:cNvPr>
-          <p:cNvSpPr>
-            <a:spLocks noGrp="1"/>
-          </p:cNvSpPr>
-          <p:nvPr>
-            <p:ph sz="quarter" idx="11"/>
-          </p:nvPr>
-        </p:nvSpPr>
-        <p:spPr>
-          <a:xfrm>
-            <a:off x="6475227" y="1020445"/>
-            <a:ext cx="4802735" cy="5029200"/>
-          </a:xfrm>
-        </p:spPr>
-        <p:txBody>
-          <a:bodyPr/>
-          <a:lstStyle/>
-          <a:p>
-            <a:r>
-              <a:rPr lang="en-US" b="1" dirty="0"/>
-              <a:t>Market gap: </a:t>
-            </a:r>
-            <a:r>
-              <a:rPr lang="en-US" dirty="0"/>
-              <a:t>few, if any, products on the market help customers like we do</a:t>
-            </a:r>
-          </a:p>
-          <a:p>
-            <a:r>
-              <a:rPr lang="en-US" b="1" dirty="0"/>
-              <a:t>Customers: </a:t>
-            </a:r>
-            <a:r>
-              <a:rPr lang="en-US" dirty="0"/>
-              <a:t>66% of US consumers spend money on multiple products that only partially resolves their issue</a:t>
-            </a:r>
-          </a:p>
-          <a:p>
-            <a:r>
-              <a:rPr lang="en-US" b="1" dirty="0"/>
-              <a:t>Financials: </a:t>
-            </a:r>
-            <a:r>
-              <a:rPr lang="en-US" dirty="0"/>
-              <a:t>millennials account for about a quarter of the $48 billion spent on other products in 2018</a:t>
-            </a:r>
-          </a:p>
-          <a:p>
-            <a:r>
-              <a:rPr lang="en-US" b="1" dirty="0"/>
-              <a:t>Costs: </a:t>
-            </a:r>
-            <a:r>
-              <a:rPr lang="en-US" dirty="0"/>
-              <a:t>loss of productivity costing consumers thousands of dollars </a:t>
-            </a:r>
-          </a:p>
-          <a:p>
-            <a:r>
-              <a:rPr lang="en-US" b="1" dirty="0"/>
-              <a:t>Usability: </a:t>
-            </a:r>
-            <a:r>
-              <a:rPr lang="en-US" dirty="0"/>
-              <a:t>customers want something easy to use that helps make their life easier </a:t>
-            </a:r>
-          </a:p>
-        </p:txBody>
-      </p:sp>
-    </p:spTree>
-    <p:extLst>
-      <p:ext uri="{BB962C8B-B14F-4D97-AF65-F5344CB8AC3E}">
-        <p14:creationId xmlns:p14="http://schemas.microsoft.com/office/powerpoint/2010/main" val="762554544"/>
+        <p14:creationId xmlns:p14="http://schemas.microsoft.com/office/powerpoint/2010/main" val="3303844537"/>
       </p:ext>
     </p:extLst>
   </p:cSld>
@@ -10308,4021 +9166,6 @@
     <p:extLst>
       <p:ext uri="{BB962C8B-B14F-4D97-AF65-F5344CB8AC3E}">
         <p14:creationId xmlns:p14="http://schemas.microsoft.com/office/powerpoint/2010/main" val="810374094"/>
-      </p:ext>
-    </p:extLst>
-  </p:cSld>
-  <p:clrMapOvr>
-    <a:masterClrMapping/>
-  </p:clrMapOvr>
-</p:sld>
-</file>
-
-<file path=ppt/slides/slide20.xml><?xml version="1.0" encoding="utf-8"?>
-<p:sld xmlns:a="http://schemas.openxmlformats.org/drawingml/2006/main" xmlns:r="http://schemas.openxmlformats.org/officeDocument/2006/relationships" xmlns:p="http://schemas.openxmlformats.org/presentationml/2006/main">
-  <p:cSld>
-    <p:bg>
-      <p:bgPr>
-        <a:solidFill>
-          <a:schemeClr val="accent5">
-            <a:lumMod val="20000"/>
-            <a:lumOff val="80000"/>
-          </a:schemeClr>
-        </a:solidFill>
-        <a:effectLst/>
-      </p:bgPr>
-    </p:bg>
-    <p:spTree>
-      <p:nvGrpSpPr>
-        <p:cNvPr id="1" name=""/>
-        <p:cNvGrpSpPr/>
-        <p:nvPr/>
-      </p:nvGrpSpPr>
-      <p:grpSpPr>
-        <a:xfrm>
-          <a:off x="0" y="0"/>
-          <a:ext cx="0" cy="0"/>
-          <a:chOff x="0" y="0"/>
-          <a:chExt cx="0" cy="0"/>
-        </a:xfrm>
-      </p:grpSpPr>
-      <p:sp>
-        <p:nvSpPr>
-          <p:cNvPr id="8" name="Title 7">
-            <a:extLst>
-              <a:ext uri="{FF2B5EF4-FFF2-40B4-BE49-F238E27FC236}">
-                <a16:creationId xmlns:a16="http://schemas.microsoft.com/office/drawing/2014/main" id="{9B0A9F6B-B714-24A4-1731-04239F0C6E2C}"/>
-              </a:ext>
-            </a:extLst>
-          </p:cNvPr>
-          <p:cNvSpPr>
-            <a:spLocks noGrp="1"/>
-          </p:cNvSpPr>
-          <p:nvPr>
-            <p:ph type="title"/>
-          </p:nvPr>
-        </p:nvSpPr>
-        <p:spPr>
-          <a:xfrm>
-            <a:off x="914400" y="900741"/>
-            <a:ext cx="4802372" cy="2788919"/>
-          </a:xfrm>
-        </p:spPr>
-        <p:txBody>
-          <a:bodyPr/>
-          <a:lstStyle/>
-          <a:p>
-            <a:r>
-              <a:rPr lang="en-US" dirty="0"/>
-              <a:t>Product benefits</a:t>
-            </a:r>
-          </a:p>
-        </p:txBody>
-      </p:sp>
-      <p:sp>
-        <p:nvSpPr>
-          <p:cNvPr id="10" name="Content Placeholder 9">
-            <a:extLst>
-              <a:ext uri="{FF2B5EF4-FFF2-40B4-BE49-F238E27FC236}">
-                <a16:creationId xmlns:a16="http://schemas.microsoft.com/office/drawing/2014/main" id="{5F098455-F3AD-4CE1-6F83-28C95857EE25}"/>
-              </a:ext>
-            </a:extLst>
-          </p:cNvPr>
-          <p:cNvSpPr>
-            <a:spLocks noGrp="1"/>
-          </p:cNvSpPr>
-          <p:nvPr>
-            <p:ph sz="quarter" idx="11"/>
-          </p:nvPr>
-        </p:nvSpPr>
-        <p:spPr>
-          <a:xfrm>
-            <a:off x="914400" y="3825239"/>
-            <a:ext cx="4802735" cy="2072641"/>
-          </a:xfrm>
-        </p:spPr>
-        <p:txBody>
-          <a:bodyPr/>
-          <a:lstStyle/>
-          <a:p>
-            <a:r>
-              <a:rPr lang="en-US" noProof="1"/>
-              <a:t>Online store and market swap</a:t>
-            </a:r>
-          </a:p>
-        </p:txBody>
-      </p:sp>
-      <p:pic>
-        <p:nvPicPr>
-          <p:cNvPr id="15" name="Picture Placeholder 6" descr="A person holding a plant">
-            <a:extLst>
-              <a:ext uri="{FF2B5EF4-FFF2-40B4-BE49-F238E27FC236}">
-                <a16:creationId xmlns:a16="http://schemas.microsoft.com/office/drawing/2014/main" id="{AAA2A7D6-6F43-AFA1-3A7C-846D13711255}"/>
-              </a:ext>
-            </a:extLst>
-          </p:cNvPr>
-          <p:cNvPicPr>
-            <a:picLocks noGrp="1" noChangeAspect="1"/>
-          </p:cNvPicPr>
-          <p:nvPr>
-            <p:ph type="pic" sz="quarter" idx="10"/>
-          </p:nvPr>
-        </p:nvPicPr>
-        <p:blipFill rotWithShape="1">
-          <a:blip r:embed="rId3"/>
-          <a:srcRect l="12132" r="12132"/>
-          <a:stretch/>
-        </p:blipFill>
-        <p:spPr>
-          <a:xfrm>
-            <a:off x="6478588" y="920750"/>
-            <a:ext cx="5713412" cy="5029200"/>
-          </a:xfrm>
-        </p:spPr>
-      </p:pic>
-      <p:sp>
-        <p:nvSpPr>
-          <p:cNvPr id="3" name="Slide Number Placeholder 2">
-            <a:extLst>
-              <a:ext uri="{FF2B5EF4-FFF2-40B4-BE49-F238E27FC236}">
-                <a16:creationId xmlns:a16="http://schemas.microsoft.com/office/drawing/2014/main" id="{49D350C2-47A5-211F-A685-9ACD211179E2}"/>
-              </a:ext>
-            </a:extLst>
-          </p:cNvPr>
-          <p:cNvSpPr>
-            <a:spLocks noGrp="1"/>
-          </p:cNvSpPr>
-          <p:nvPr>
-            <p:ph type="sldNum" sz="quarter" idx="4"/>
-          </p:nvPr>
-        </p:nvSpPr>
-        <p:spPr>
-          <a:xfrm>
-            <a:off x="8534400" y="6121252"/>
-            <a:ext cx="2743200" cy="365125"/>
-          </a:xfrm>
-        </p:spPr>
-        <p:txBody>
-          <a:bodyPr/>
-          <a:lstStyle/>
-          <a:p>
-            <a:fld id="{B5CEABB6-07DC-46E8-9B57-56EC44A396E5}" type="slidenum">
-              <a:rPr lang="en-US" smtClean="0"/>
-              <a:pPr/>
-              <a:t>20</a:t>
-            </a:fld>
-            <a:endParaRPr lang="en-US" dirty="0"/>
-          </a:p>
-        </p:txBody>
-      </p:sp>
-    </p:spTree>
-    <p:extLst>
-      <p:ext uri="{BB962C8B-B14F-4D97-AF65-F5344CB8AC3E}">
-        <p14:creationId xmlns:p14="http://schemas.microsoft.com/office/powerpoint/2010/main" val="1386263332"/>
-      </p:ext>
-    </p:extLst>
-  </p:cSld>
-  <p:clrMapOvr>
-    <a:masterClrMapping/>
-  </p:clrMapOvr>
-</p:sld>
-</file>
-
-<file path=ppt/slides/slide21.xml><?xml version="1.0" encoding="utf-8"?>
-<p:sld xmlns:a="http://schemas.openxmlformats.org/drawingml/2006/main" xmlns:r="http://schemas.openxmlformats.org/officeDocument/2006/relationships" xmlns:p="http://schemas.openxmlformats.org/presentationml/2006/main">
-  <p:cSld>
-    <p:spTree>
-      <p:nvGrpSpPr>
-        <p:cNvPr id="1" name=""/>
-        <p:cNvGrpSpPr/>
-        <p:nvPr/>
-      </p:nvGrpSpPr>
-      <p:grpSpPr>
-        <a:xfrm>
-          <a:off x="0" y="0"/>
-          <a:ext cx="0" cy="0"/>
-          <a:chOff x="0" y="0"/>
-          <a:chExt cx="0" cy="0"/>
-        </a:xfrm>
-      </p:grpSpPr>
-      <p:sp>
-        <p:nvSpPr>
-          <p:cNvPr id="3" name="Title 2">
-            <a:extLst>
-              <a:ext uri="{FF2B5EF4-FFF2-40B4-BE49-F238E27FC236}">
-                <a16:creationId xmlns:a16="http://schemas.microsoft.com/office/drawing/2014/main" id="{89652A1E-B3F7-E1B2-76ED-8F78E74B9EA9}"/>
-              </a:ext>
-            </a:extLst>
-          </p:cNvPr>
-          <p:cNvSpPr>
-            <a:spLocks noGrp="1"/>
-          </p:cNvSpPr>
-          <p:nvPr>
-            <p:ph type="title"/>
-          </p:nvPr>
-        </p:nvSpPr>
-        <p:spPr>
-          <a:xfrm>
-            <a:off x="929640" y="485113"/>
-            <a:ext cx="10515600" cy="1531525"/>
-          </a:xfrm>
-        </p:spPr>
-        <p:txBody>
-          <a:bodyPr/>
-          <a:lstStyle/>
-          <a:p>
-            <a:r>
-              <a:rPr lang="en-US" dirty="0"/>
-              <a:t>Our competition</a:t>
-            </a:r>
-          </a:p>
-        </p:txBody>
-      </p:sp>
-      <p:sp>
-        <p:nvSpPr>
-          <p:cNvPr id="8" name="Content Placeholder 7">
-            <a:extLst>
-              <a:ext uri="{FF2B5EF4-FFF2-40B4-BE49-F238E27FC236}">
-                <a16:creationId xmlns:a16="http://schemas.microsoft.com/office/drawing/2014/main" id="{E65E832F-DC64-28CC-592D-2CA44C5718DC}"/>
-              </a:ext>
-            </a:extLst>
-          </p:cNvPr>
-          <p:cNvSpPr>
-            <a:spLocks noGrp="1"/>
-          </p:cNvSpPr>
-          <p:nvPr>
-            <p:ph sz="quarter" idx="10"/>
-          </p:nvPr>
-        </p:nvSpPr>
-        <p:spPr>
-          <a:xfrm>
-            <a:off x="929640" y="2153285"/>
-            <a:ext cx="4953001" cy="3500438"/>
-          </a:xfrm>
-        </p:spPr>
-        <p:txBody>
-          <a:bodyPr/>
-          <a:lstStyle/>
-          <a:p>
-            <a:r>
-              <a:rPr lang="en-US" noProof="1"/>
-              <a:t>Our product is priced below that of other companies on the market</a:t>
-            </a:r>
-          </a:p>
-          <a:p>
-            <a:r>
-              <a:rPr lang="en-US" noProof="1"/>
-              <a:t>Design is simple and easy to use, compared to the complex designs of the competitors</a:t>
-            </a:r>
-          </a:p>
-          <a:p>
-            <a:r>
-              <a:rPr lang="en-US" noProof="1"/>
-              <a:t>Affordability is the main draw for our consumers to our product</a:t>
-            </a:r>
-          </a:p>
-        </p:txBody>
-      </p:sp>
-      <p:sp>
-        <p:nvSpPr>
-          <p:cNvPr id="9" name="Content Placeholder 8">
-            <a:extLst>
-              <a:ext uri="{FF2B5EF4-FFF2-40B4-BE49-F238E27FC236}">
-                <a16:creationId xmlns:a16="http://schemas.microsoft.com/office/drawing/2014/main" id="{C69CC98A-13B9-DAED-1898-477158789855}"/>
-              </a:ext>
-            </a:extLst>
-          </p:cNvPr>
-          <p:cNvSpPr>
-            <a:spLocks noGrp="1"/>
-          </p:cNvSpPr>
-          <p:nvPr>
-            <p:ph sz="quarter" idx="11"/>
-          </p:nvPr>
-        </p:nvSpPr>
-        <p:spPr>
-          <a:xfrm>
-            <a:off x="6309360" y="2153285"/>
-            <a:ext cx="5135880" cy="3500438"/>
-          </a:xfrm>
-        </p:spPr>
-        <p:txBody>
-          <a:bodyPr/>
-          <a:lstStyle/>
-          <a:p>
-            <a:r>
-              <a:rPr lang="en-US" noProof="1"/>
-              <a:t>Company A product is more expensive</a:t>
-            </a:r>
-          </a:p>
-          <a:p>
-            <a:r>
-              <a:rPr lang="en-US" noProof="1"/>
-              <a:t>Companies B &amp; C product is expensive and inconvenient to use</a:t>
-            </a:r>
-          </a:p>
-          <a:p>
-            <a:r>
-              <a:rPr lang="en-US" noProof="1"/>
-              <a:t>Companies D &amp; E product is affordable, but inconvenient to use</a:t>
-            </a:r>
-          </a:p>
-        </p:txBody>
-      </p:sp>
-      <p:sp>
-        <p:nvSpPr>
-          <p:cNvPr id="2" name="Slide Number Placeholder 1">
-            <a:extLst>
-              <a:ext uri="{FF2B5EF4-FFF2-40B4-BE49-F238E27FC236}">
-                <a16:creationId xmlns:a16="http://schemas.microsoft.com/office/drawing/2014/main" id="{9A38ADE9-D6F5-84F7-8489-6CDEB832E667}"/>
-              </a:ext>
-            </a:extLst>
-          </p:cNvPr>
-          <p:cNvSpPr>
-            <a:spLocks noGrp="1"/>
-          </p:cNvSpPr>
-          <p:nvPr>
-            <p:ph type="sldNum" sz="quarter" idx="4"/>
-          </p:nvPr>
-        </p:nvSpPr>
-        <p:spPr>
-          <a:xfrm>
-            <a:off x="8534400" y="6121252"/>
-            <a:ext cx="2743200" cy="365125"/>
-          </a:xfrm>
-        </p:spPr>
-        <p:txBody>
-          <a:bodyPr/>
-          <a:lstStyle/>
-          <a:p>
-            <a:fld id="{B5CEABB6-07DC-46E8-9B57-56EC44A396E5}" type="slidenum">
-              <a:rPr lang="en-US" smtClean="0"/>
-              <a:pPr/>
-              <a:t>21</a:t>
-            </a:fld>
-            <a:endParaRPr lang="en-US" dirty="0"/>
-          </a:p>
-        </p:txBody>
-      </p:sp>
-    </p:spTree>
-    <p:extLst>
-      <p:ext uri="{BB962C8B-B14F-4D97-AF65-F5344CB8AC3E}">
-        <p14:creationId xmlns:p14="http://schemas.microsoft.com/office/powerpoint/2010/main" val="485500553"/>
-      </p:ext>
-    </p:extLst>
-  </p:cSld>
-  <p:clrMapOvr>
-    <a:masterClrMapping/>
-  </p:clrMapOvr>
-</p:sld>
-</file>
-
-<file path=ppt/slides/slide22.xml><?xml version="1.0" encoding="utf-8"?>
-<p:sld xmlns:a="http://schemas.openxmlformats.org/drawingml/2006/main" xmlns:r="http://schemas.openxmlformats.org/officeDocument/2006/relationships" xmlns:p="http://schemas.openxmlformats.org/presentationml/2006/main">
-  <p:cSld>
-    <p:spTree>
-      <p:nvGrpSpPr>
-        <p:cNvPr id="1" name=""/>
-        <p:cNvGrpSpPr/>
-        <p:nvPr/>
-      </p:nvGrpSpPr>
-      <p:grpSpPr>
-        <a:xfrm>
-          <a:off x="0" y="0"/>
-          <a:ext cx="0" cy="0"/>
-          <a:chOff x="0" y="0"/>
-          <a:chExt cx="0" cy="0"/>
-        </a:xfrm>
-      </p:grpSpPr>
-      <p:sp>
-        <p:nvSpPr>
-          <p:cNvPr id="3" name="Title 2">
-            <a:extLst>
-              <a:ext uri="{FF2B5EF4-FFF2-40B4-BE49-F238E27FC236}">
-                <a16:creationId xmlns:a16="http://schemas.microsoft.com/office/drawing/2014/main" id="{87364034-5F15-4B68-638D-779A619AC022}"/>
-              </a:ext>
-            </a:extLst>
-          </p:cNvPr>
-          <p:cNvSpPr>
-            <a:spLocks noGrp="1"/>
-          </p:cNvSpPr>
-          <p:nvPr>
-            <p:ph type="title"/>
-          </p:nvPr>
-        </p:nvSpPr>
-        <p:spPr>
-          <a:xfrm>
-            <a:off x="929640" y="485113"/>
-            <a:ext cx="10515600" cy="1531525"/>
-          </a:xfrm>
-        </p:spPr>
-        <p:txBody>
-          <a:bodyPr/>
-          <a:lstStyle/>
-          <a:p>
-            <a:r>
-              <a:rPr lang="en-US" dirty="0"/>
-              <a:t>Product overview </a:t>
-            </a:r>
-          </a:p>
-        </p:txBody>
-      </p:sp>
-      <p:sp>
-        <p:nvSpPr>
-          <p:cNvPr id="4" name="Content Placeholder 3">
-            <a:extLst>
-              <a:ext uri="{FF2B5EF4-FFF2-40B4-BE49-F238E27FC236}">
-                <a16:creationId xmlns:a16="http://schemas.microsoft.com/office/drawing/2014/main" id="{7E93159D-E72A-4C5B-E9D2-18BA09A87C77}"/>
-              </a:ext>
-            </a:extLst>
-          </p:cNvPr>
-          <p:cNvSpPr>
-            <a:spLocks noGrp="1"/>
-          </p:cNvSpPr>
-          <p:nvPr>
-            <p:ph sz="quarter" idx="10"/>
-          </p:nvPr>
-        </p:nvSpPr>
-        <p:spPr>
-          <a:xfrm>
-            <a:off x="929641" y="2153285"/>
-            <a:ext cx="3261359" cy="3500438"/>
-          </a:xfrm>
-        </p:spPr>
-        <p:txBody>
-          <a:bodyPr/>
-          <a:lstStyle/>
-          <a:p>
-            <a:r>
-              <a:rPr lang="en-US" dirty="0"/>
-              <a:t>Unique</a:t>
-            </a:r>
-          </a:p>
-          <a:p>
-            <a:r>
-              <a:rPr lang="en-US" dirty="0"/>
-              <a:t>First to market</a:t>
-            </a:r>
-          </a:p>
-          <a:p>
-            <a:r>
-              <a:rPr lang="en-US" dirty="0"/>
-              <a:t>Tested</a:t>
-            </a:r>
-          </a:p>
-          <a:p>
-            <a:r>
-              <a:rPr lang="en-US" dirty="0"/>
-              <a:t>Authentic</a:t>
-            </a:r>
-          </a:p>
-        </p:txBody>
-      </p:sp>
-      <p:sp>
-        <p:nvSpPr>
-          <p:cNvPr id="5" name="Content Placeholder 4">
-            <a:extLst>
-              <a:ext uri="{FF2B5EF4-FFF2-40B4-BE49-F238E27FC236}">
-                <a16:creationId xmlns:a16="http://schemas.microsoft.com/office/drawing/2014/main" id="{5351A4F1-ABAF-2D28-B31B-A6DC9942FA18}"/>
-              </a:ext>
-            </a:extLst>
-          </p:cNvPr>
-          <p:cNvSpPr>
-            <a:spLocks noGrp="1"/>
-          </p:cNvSpPr>
-          <p:nvPr>
-            <p:ph sz="quarter" idx="11"/>
-          </p:nvPr>
-        </p:nvSpPr>
-        <p:spPr>
-          <a:xfrm>
-            <a:off x="4480560" y="2153285"/>
-            <a:ext cx="6964680" cy="3500438"/>
-          </a:xfrm>
-        </p:spPr>
-        <p:txBody>
-          <a:bodyPr/>
-          <a:lstStyle/>
-          <a:p>
-            <a:r>
-              <a:rPr lang="en-US" dirty="0"/>
-              <a:t>Only product specifically dedicated to this niche market</a:t>
-            </a:r>
-          </a:p>
-          <a:p>
-            <a:r>
-              <a:rPr lang="en-US" dirty="0"/>
-              <a:t>First beautifully designed product that's both stylish and functional</a:t>
-            </a:r>
-          </a:p>
-          <a:p>
-            <a:r>
-              <a:rPr lang="en-US" dirty="0"/>
-              <a:t>Conducted testing with college students in the area</a:t>
-            </a:r>
-          </a:p>
-          <a:p>
-            <a:r>
-              <a:rPr lang="en-US" dirty="0"/>
-              <a:t>Designed with the help and input of experts in the field </a:t>
-            </a:r>
-          </a:p>
-        </p:txBody>
-      </p:sp>
-      <p:sp>
-        <p:nvSpPr>
-          <p:cNvPr id="2" name="Slide Number Placeholder 1">
-            <a:extLst>
-              <a:ext uri="{FF2B5EF4-FFF2-40B4-BE49-F238E27FC236}">
-                <a16:creationId xmlns:a16="http://schemas.microsoft.com/office/drawing/2014/main" id="{60AD58C6-6F47-0261-9611-E968042F55BE}"/>
-              </a:ext>
-            </a:extLst>
-          </p:cNvPr>
-          <p:cNvSpPr>
-            <a:spLocks noGrp="1"/>
-          </p:cNvSpPr>
-          <p:nvPr>
-            <p:ph type="sldNum" sz="quarter" idx="4"/>
-          </p:nvPr>
-        </p:nvSpPr>
-        <p:spPr>
-          <a:xfrm>
-            <a:off x="8534400" y="6121252"/>
-            <a:ext cx="2743200" cy="365125"/>
-          </a:xfrm>
-        </p:spPr>
-        <p:txBody>
-          <a:bodyPr/>
-          <a:lstStyle/>
-          <a:p>
-            <a:fld id="{B5CEABB6-07DC-46E8-9B57-56EC44A396E5}" type="slidenum">
-              <a:rPr lang="en-US" smtClean="0"/>
-              <a:pPr/>
-              <a:t>22</a:t>
-            </a:fld>
-            <a:endParaRPr lang="en-US" dirty="0"/>
-          </a:p>
-        </p:txBody>
-      </p:sp>
-    </p:spTree>
-    <p:extLst>
-      <p:ext uri="{BB962C8B-B14F-4D97-AF65-F5344CB8AC3E}">
-        <p14:creationId xmlns:p14="http://schemas.microsoft.com/office/powerpoint/2010/main" val="3030076204"/>
-      </p:ext>
-    </p:extLst>
-  </p:cSld>
-  <p:clrMapOvr>
-    <a:masterClrMapping/>
-  </p:clrMapOvr>
-</p:sld>
-</file>
-
-<file path=ppt/slides/slide23.xml><?xml version="1.0" encoding="utf-8"?>
-<p:sld xmlns:a="http://schemas.openxmlformats.org/drawingml/2006/main" xmlns:r="http://schemas.openxmlformats.org/officeDocument/2006/relationships" xmlns:p="http://schemas.openxmlformats.org/presentationml/2006/main">
-  <p:cSld>
-    <p:spTree>
-      <p:nvGrpSpPr>
-        <p:cNvPr id="1" name=""/>
-        <p:cNvGrpSpPr/>
-        <p:nvPr/>
-      </p:nvGrpSpPr>
-      <p:grpSpPr>
-        <a:xfrm>
-          <a:off x="0" y="0"/>
-          <a:ext cx="0" cy="0"/>
-          <a:chOff x="0" y="0"/>
-          <a:chExt cx="0" cy="0"/>
-        </a:xfrm>
-      </p:grpSpPr>
-      <p:sp>
-        <p:nvSpPr>
-          <p:cNvPr id="9" name="Title 8">
-            <a:extLst>
-              <a:ext uri="{FF2B5EF4-FFF2-40B4-BE49-F238E27FC236}">
-                <a16:creationId xmlns:a16="http://schemas.microsoft.com/office/drawing/2014/main" id="{3B5244AC-D906-A60B-5023-D0289CF4F6C9}"/>
-              </a:ext>
-            </a:extLst>
-          </p:cNvPr>
-          <p:cNvSpPr>
-            <a:spLocks noGrp="1"/>
-          </p:cNvSpPr>
-          <p:nvPr>
-            <p:ph type="title"/>
-          </p:nvPr>
-        </p:nvSpPr>
-        <p:spPr>
-          <a:xfrm>
-            <a:off x="916169" y="614812"/>
-            <a:ext cx="10359659" cy="1325563"/>
-          </a:xfrm>
-        </p:spPr>
-        <p:txBody>
-          <a:bodyPr/>
-          <a:lstStyle/>
-          <a:p>
-            <a:r>
-              <a:rPr lang="en-US" dirty="0"/>
-              <a:t>Growth strategy</a:t>
-            </a:r>
-          </a:p>
-        </p:txBody>
-      </p:sp>
-      <p:pic>
-        <p:nvPicPr>
-          <p:cNvPr id="22" name="Picture Placeholder 21" descr="A person holding a sign in front of a window">
-            <a:extLst>
-              <a:ext uri="{FF2B5EF4-FFF2-40B4-BE49-F238E27FC236}">
-                <a16:creationId xmlns:a16="http://schemas.microsoft.com/office/drawing/2014/main" id="{0333AC2F-0501-ECB9-F8A0-289B12ADFB52}"/>
-              </a:ext>
-            </a:extLst>
-          </p:cNvPr>
-          <p:cNvPicPr>
-            <a:picLocks noGrp="1" noChangeAspect="1"/>
-          </p:cNvPicPr>
-          <p:nvPr>
-            <p:ph type="pic" sz="quarter" idx="11"/>
-          </p:nvPr>
-        </p:nvPicPr>
-        <p:blipFill>
-          <a:blip r:embed="rId3"/>
-          <a:srcRect t="221" b="221"/>
-          <a:stretch/>
-        </p:blipFill>
-        <p:spPr>
-          <a:xfrm>
-            <a:off x="0" y="2178050"/>
-            <a:ext cx="5713413" cy="4668838"/>
-          </a:xfrm>
-        </p:spPr>
-      </p:pic>
-      <p:sp>
-        <p:nvSpPr>
-          <p:cNvPr id="10" name="Content Placeholder 9">
-            <a:extLst>
-              <a:ext uri="{FF2B5EF4-FFF2-40B4-BE49-F238E27FC236}">
-                <a16:creationId xmlns:a16="http://schemas.microsoft.com/office/drawing/2014/main" id="{F3F9FB22-CA85-FC72-AA81-4708F62AB6C2}"/>
-              </a:ext>
-            </a:extLst>
-          </p:cNvPr>
-          <p:cNvSpPr>
-            <a:spLocks noGrp="1"/>
-          </p:cNvSpPr>
-          <p:nvPr>
-            <p:ph sz="quarter" idx="10"/>
-          </p:nvPr>
-        </p:nvSpPr>
-        <p:spPr>
-          <a:xfrm>
-            <a:off x="6475413" y="2153285"/>
-            <a:ext cx="4799012" cy="3790315"/>
-          </a:xfrm>
-        </p:spPr>
-        <p:txBody>
-          <a:bodyPr/>
-          <a:lstStyle/>
-          <a:p>
-            <a:r>
-              <a:rPr lang="en-US" b="1" dirty="0"/>
-              <a:t>Feb 20XX</a:t>
-            </a:r>
-            <a:r>
-              <a:rPr lang="en-US" dirty="0"/>
-              <a:t>: roll out product to high profile or top-level participants to help establish the product</a:t>
-            </a:r>
-          </a:p>
-          <a:p>
-            <a:r>
-              <a:rPr lang="en-US" b="1" dirty="0"/>
-              <a:t>May 20XX</a:t>
-            </a:r>
-            <a:r>
-              <a:rPr lang="en-US" dirty="0"/>
-              <a:t>: release the product to the public and monitor press release and social media accounts</a:t>
-            </a:r>
-          </a:p>
-          <a:p>
-            <a:r>
-              <a:rPr lang="en-US" b="1" dirty="0"/>
-              <a:t>Oct 20XX</a:t>
-            </a:r>
-            <a:r>
-              <a:rPr lang="en-US" dirty="0"/>
-              <a:t>: gather feedback and adjust product design as necessary</a:t>
-            </a:r>
-          </a:p>
-        </p:txBody>
-      </p:sp>
-      <p:sp>
-        <p:nvSpPr>
-          <p:cNvPr id="4" name="Slide Number Placeholder 3">
-            <a:extLst>
-              <a:ext uri="{FF2B5EF4-FFF2-40B4-BE49-F238E27FC236}">
-                <a16:creationId xmlns:a16="http://schemas.microsoft.com/office/drawing/2014/main" id="{93D8CC2E-BB8C-CF5A-C460-C662927C06B2}"/>
-              </a:ext>
-            </a:extLst>
-          </p:cNvPr>
-          <p:cNvSpPr>
-            <a:spLocks noGrp="1"/>
-          </p:cNvSpPr>
-          <p:nvPr>
-            <p:ph type="sldNum" sz="quarter" idx="4"/>
-          </p:nvPr>
-        </p:nvSpPr>
-        <p:spPr>
-          <a:xfrm>
-            <a:off x="8534400" y="6121252"/>
-            <a:ext cx="2743200" cy="365125"/>
-          </a:xfrm>
-        </p:spPr>
-        <p:txBody>
-          <a:bodyPr/>
-          <a:lstStyle/>
-          <a:p>
-            <a:fld id="{B5CEABB6-07DC-46E8-9B57-56EC44A396E5}" type="slidenum">
-              <a:rPr lang="en-US" smtClean="0"/>
-              <a:pPr/>
-              <a:t>23</a:t>
-            </a:fld>
-            <a:endParaRPr lang="en-US" dirty="0"/>
-          </a:p>
-        </p:txBody>
-      </p:sp>
-    </p:spTree>
-    <p:extLst>
-      <p:ext uri="{BB962C8B-B14F-4D97-AF65-F5344CB8AC3E}">
-        <p14:creationId xmlns:p14="http://schemas.microsoft.com/office/powerpoint/2010/main" val="2902754129"/>
-      </p:ext>
-    </p:extLst>
-  </p:cSld>
-  <p:clrMapOvr>
-    <a:masterClrMapping/>
-  </p:clrMapOvr>
-</p:sld>
-</file>
-
-<file path=ppt/slides/slide24.xml><?xml version="1.0" encoding="utf-8"?>
-<p:sld xmlns:a="http://schemas.openxmlformats.org/drawingml/2006/main" xmlns:r="http://schemas.openxmlformats.org/officeDocument/2006/relationships" xmlns:p="http://schemas.openxmlformats.org/presentationml/2006/main">
-  <p:cSld>
-    <p:spTree>
-      <p:nvGrpSpPr>
-        <p:cNvPr id="1" name=""/>
-        <p:cNvGrpSpPr/>
-        <p:nvPr/>
-      </p:nvGrpSpPr>
-      <p:grpSpPr>
-        <a:xfrm>
-          <a:off x="0" y="0"/>
-          <a:ext cx="0" cy="0"/>
-          <a:chOff x="0" y="0"/>
-          <a:chExt cx="0" cy="0"/>
-        </a:xfrm>
-      </p:grpSpPr>
-      <p:sp>
-        <p:nvSpPr>
-          <p:cNvPr id="4" name="Title 3">
-            <a:extLst>
-              <a:ext uri="{FF2B5EF4-FFF2-40B4-BE49-F238E27FC236}">
-                <a16:creationId xmlns:a16="http://schemas.microsoft.com/office/drawing/2014/main" id="{09E21A35-90B9-F235-7F48-11B56D97F6A4}"/>
-              </a:ext>
-            </a:extLst>
-          </p:cNvPr>
-          <p:cNvSpPr>
-            <a:spLocks noGrp="1"/>
-          </p:cNvSpPr>
-          <p:nvPr>
-            <p:ph type="title"/>
-          </p:nvPr>
-        </p:nvSpPr>
-        <p:spPr>
-          <a:xfrm>
-            <a:off x="912629" y="598947"/>
-            <a:ext cx="10515600" cy="1325563"/>
-          </a:xfrm>
-        </p:spPr>
-        <p:txBody>
-          <a:bodyPr/>
-          <a:lstStyle/>
-          <a:p>
-            <a:r>
-              <a:rPr lang="en-US" dirty="0"/>
-              <a:t>Market overview</a:t>
-            </a:r>
-          </a:p>
-        </p:txBody>
-      </p:sp>
-      <p:sp>
-        <p:nvSpPr>
-          <p:cNvPr id="5" name="Content Placeholder 4">
-            <a:extLst>
-              <a:ext uri="{FF2B5EF4-FFF2-40B4-BE49-F238E27FC236}">
-                <a16:creationId xmlns:a16="http://schemas.microsoft.com/office/drawing/2014/main" id="{26342BB7-ACF3-5240-804A-0BA9C5D19FF1}"/>
-              </a:ext>
-            </a:extLst>
-          </p:cNvPr>
-          <p:cNvSpPr>
-            <a:spLocks noGrp="1"/>
-          </p:cNvSpPr>
-          <p:nvPr>
-            <p:ph sz="quarter" idx="11"/>
-          </p:nvPr>
-        </p:nvSpPr>
-        <p:spPr>
-          <a:xfrm>
-            <a:off x="929641" y="2153285"/>
-            <a:ext cx="3032759" cy="3790310"/>
-          </a:xfrm>
-        </p:spPr>
-        <p:txBody>
-          <a:bodyPr/>
-          <a:lstStyle/>
-          <a:p>
-            <a:r>
-              <a:rPr lang="en-US" dirty="0"/>
-              <a:t>Opportunity to build</a:t>
-            </a:r>
-          </a:p>
-          <a:p>
-            <a:r>
-              <a:rPr lang="en-US" dirty="0"/>
-              <a:t>Fully inclusive market</a:t>
-            </a:r>
-          </a:p>
-          <a:p>
-            <a:r>
-              <a:rPr lang="en-US" dirty="0"/>
-              <a:t>Total addressable market</a:t>
-            </a:r>
-          </a:p>
-          <a:p>
-            <a:r>
-              <a:rPr lang="en-US" noProof="1"/>
-              <a:t>Freedom to invent</a:t>
-            </a:r>
-            <a:endParaRPr lang="en-US" dirty="0"/>
-          </a:p>
-          <a:p>
-            <a:r>
-              <a:rPr lang="en-US" noProof="1"/>
-              <a:t>Selectively inclusive market</a:t>
-            </a:r>
-          </a:p>
-          <a:p>
-            <a:r>
-              <a:rPr lang="en-US" noProof="1"/>
-              <a:t>Serviceable available market</a:t>
-            </a:r>
-          </a:p>
-        </p:txBody>
-      </p:sp>
-      <p:graphicFrame>
-        <p:nvGraphicFramePr>
-          <p:cNvPr id="30" name="Table 11">
-            <a:extLst>
-              <a:ext uri="{FF2B5EF4-FFF2-40B4-BE49-F238E27FC236}">
-                <a16:creationId xmlns:a16="http://schemas.microsoft.com/office/drawing/2014/main" id="{C6102643-33B6-B3EE-14F7-1DCC0DBCCEAB}"/>
-              </a:ext>
-            </a:extLst>
-          </p:cNvPr>
-          <p:cNvGraphicFramePr>
-            <a:graphicFrameLocks noGrp="1"/>
-          </p:cNvGraphicFramePr>
-          <p:nvPr>
-            <p:ph type="tbl" sz="quarter" idx="10"/>
-            <p:extLst>
-              <p:ext uri="{D42A27DB-BD31-4B8C-83A1-F6EECF244321}">
-                <p14:modId xmlns:p14="http://schemas.microsoft.com/office/powerpoint/2010/main" val="896366938"/>
-              </p:ext>
-            </p:extLst>
-          </p:nvPr>
-        </p:nvGraphicFramePr>
-        <p:xfrm>
-          <a:off x="4724400" y="2170113"/>
-          <a:ext cx="6553205" cy="3774555"/>
-        </p:xfrm>
-        <a:graphic>
-          <a:graphicData uri="http://schemas.openxmlformats.org/drawingml/2006/table">
-            <a:tbl>
-              <a:tblPr firstRow="1" bandRow="1">
-                <a:tableStyleId>{5FD0F851-EC5A-4D38-B0AD-8093EC10F338}</a:tableStyleId>
-              </a:tblPr>
-              <a:tblGrid>
-                <a:gridCol w="1065423">
-                  <a:extLst>
-                    <a:ext uri="{9D8B030D-6E8A-4147-A177-3AD203B41FA5}">
-                      <a16:colId xmlns:a16="http://schemas.microsoft.com/office/drawing/2014/main" val="3233966979"/>
-                    </a:ext>
-                  </a:extLst>
-                </a:gridCol>
-                <a:gridCol w="1065423">
-                  <a:extLst>
-                    <a:ext uri="{9D8B030D-6E8A-4147-A177-3AD203B41FA5}">
-                      <a16:colId xmlns:a16="http://schemas.microsoft.com/office/drawing/2014/main" val="1158840958"/>
-                    </a:ext>
-                  </a:extLst>
-                </a:gridCol>
-                <a:gridCol w="1065423">
-                  <a:extLst>
-                    <a:ext uri="{9D8B030D-6E8A-4147-A177-3AD203B41FA5}">
-                      <a16:colId xmlns:a16="http://schemas.microsoft.com/office/drawing/2014/main" val="1014947327"/>
-                    </a:ext>
-                  </a:extLst>
-                </a:gridCol>
-                <a:gridCol w="1678468">
-                  <a:extLst>
-                    <a:ext uri="{9D8B030D-6E8A-4147-A177-3AD203B41FA5}">
-                      <a16:colId xmlns:a16="http://schemas.microsoft.com/office/drawing/2014/main" val="2653728004"/>
-                    </a:ext>
-                  </a:extLst>
-                </a:gridCol>
-                <a:gridCol w="1678468">
-                  <a:extLst>
-                    <a:ext uri="{9D8B030D-6E8A-4147-A177-3AD203B41FA5}">
-                      <a16:colId xmlns:a16="http://schemas.microsoft.com/office/drawing/2014/main" val="4218738779"/>
-                    </a:ext>
-                  </a:extLst>
-                </a:gridCol>
-              </a:tblGrid>
-              <a:tr h="754911">
-                <a:tc>
-                  <a:txBody>
-                    <a:bodyPr/>
-                    <a:lstStyle/>
-                    <a:p>
-                      <a:pPr algn="ctr"/>
-                      <a:endParaRPr lang="en-US" sz="1800" dirty="0">
-                        <a:solidFill>
-                          <a:schemeClr val="tx1"/>
-                        </a:solidFill>
-                      </a:endParaRPr>
-                    </a:p>
-                  </a:txBody>
-                  <a:tcPr>
-                    <a:lnL>
-                      <a:noFill/>
-                    </a:lnL>
-                    <a:lnR>
-                      <a:noFill/>
-                    </a:lnR>
-                    <a:lnT w="12700" cmpd="sng">
-                      <a:noFill/>
-                    </a:lnT>
-                    <a:lnB w="12700" cmpd="sng">
-                      <a:noFill/>
-                    </a:lnB>
-                    <a:lnTlToBr w="12700" cmpd="sng">
-                      <a:noFill/>
-                      <a:prstDash val="solid"/>
-                    </a:lnTlToBr>
-                    <a:lnBlToTr w="12700" cmpd="sng">
-                      <a:noFill/>
-                      <a:prstDash val="solid"/>
-                    </a:lnBlToTr>
-                  </a:tcPr>
-                </a:tc>
-                <a:tc>
-                  <a:txBody>
-                    <a:bodyPr/>
-                    <a:lstStyle/>
-                    <a:p>
-                      <a:pPr algn="ctr"/>
-                      <a:r>
-                        <a:rPr lang="en-US" sz="1800" dirty="0">
-                          <a:solidFill>
-                            <a:schemeClr val="tx1"/>
-                          </a:solidFill>
-                        </a:rPr>
-                        <a:t>Clients</a:t>
-                      </a:r>
-                      <a:endParaRPr lang="ru-RU" sz="1800" dirty="0">
-                        <a:solidFill>
-                          <a:schemeClr val="tx1"/>
-                        </a:solidFill>
-                      </a:endParaRPr>
-                    </a:p>
-                  </a:txBody>
-                  <a:tcPr marL="95186" marR="95186" marT="47593" marB="47593" anchor="ctr">
-                    <a:lnL>
-                      <a:noFill/>
-                    </a:lnL>
-                    <a:lnR>
-                      <a:noFill/>
-                    </a:lnR>
-                    <a:lnT w="12700" cmpd="sng">
-                      <a:noFill/>
-                    </a:lnT>
-                    <a:lnB w="12700" cmpd="sng">
-                      <a:noFill/>
-                    </a:lnB>
-                    <a:lnTlToBr w="12700" cmpd="sng">
-                      <a:noFill/>
-                      <a:prstDash val="solid"/>
-                    </a:lnTlToBr>
-                    <a:lnBlToTr w="12700" cmpd="sng">
-                      <a:noFill/>
-                      <a:prstDash val="solid"/>
-                    </a:lnBlToTr>
-                  </a:tcPr>
-                </a:tc>
-                <a:tc>
-                  <a:txBody>
-                    <a:bodyPr/>
-                    <a:lstStyle/>
-                    <a:p>
-                      <a:pPr algn="ctr"/>
-                      <a:r>
-                        <a:rPr lang="en-US" sz="1800" dirty="0">
-                          <a:solidFill>
-                            <a:schemeClr val="tx1"/>
-                          </a:solidFill>
-                        </a:rPr>
-                        <a:t>Orders</a:t>
-                      </a:r>
-                      <a:endParaRPr lang="ru-RU" sz="1800" dirty="0">
-                        <a:solidFill>
-                          <a:schemeClr val="tx1"/>
-                        </a:solidFill>
-                      </a:endParaRPr>
-                    </a:p>
-                  </a:txBody>
-                  <a:tcPr marL="95186" marR="95186" marT="47593" marB="47593" anchor="ctr">
-                    <a:lnL>
-                      <a:noFill/>
-                    </a:lnL>
-                    <a:lnR>
-                      <a:noFill/>
-                    </a:lnR>
-                    <a:lnT w="12700" cmpd="sng">
-                      <a:noFill/>
-                    </a:lnT>
-                    <a:lnB w="12700" cmpd="sng">
-                      <a:noFill/>
-                    </a:lnB>
-                    <a:lnTlToBr w="12700" cmpd="sng">
-                      <a:noFill/>
-                      <a:prstDash val="solid"/>
-                    </a:lnTlToBr>
-                    <a:lnBlToTr w="12700" cmpd="sng">
-                      <a:noFill/>
-                      <a:prstDash val="solid"/>
-                    </a:lnBlToTr>
-                  </a:tcPr>
-                </a:tc>
-                <a:tc>
-                  <a:txBody>
-                    <a:bodyPr/>
-                    <a:lstStyle/>
-                    <a:p>
-                      <a:pPr algn="ctr"/>
-                      <a:r>
-                        <a:rPr lang="en-US" sz="1800" dirty="0">
-                          <a:solidFill>
-                            <a:schemeClr val="tx1"/>
-                          </a:solidFill>
-                        </a:rPr>
-                        <a:t>Gross revenue</a:t>
-                      </a:r>
-                      <a:endParaRPr lang="ru-RU" sz="1800" dirty="0">
-                        <a:solidFill>
-                          <a:schemeClr val="tx1"/>
-                        </a:solidFill>
-                      </a:endParaRPr>
-                    </a:p>
-                  </a:txBody>
-                  <a:tcPr marL="95186" marR="95186" marT="47593" marB="47593" anchor="ctr">
-                    <a:lnL>
-                      <a:noFill/>
-                    </a:lnL>
-                    <a:lnR>
-                      <a:noFill/>
-                    </a:lnR>
-                    <a:lnT w="12700" cmpd="sng">
-                      <a:noFill/>
-                    </a:lnT>
-                    <a:lnB w="12700" cmpd="sng">
-                      <a:noFill/>
-                    </a:lnB>
-                    <a:lnTlToBr w="12700" cmpd="sng">
-                      <a:noFill/>
-                      <a:prstDash val="solid"/>
-                    </a:lnTlToBr>
-                    <a:lnBlToTr w="12700" cmpd="sng">
-                      <a:noFill/>
-                      <a:prstDash val="solid"/>
-                    </a:lnBlToTr>
-                  </a:tcPr>
-                </a:tc>
-                <a:tc>
-                  <a:txBody>
-                    <a:bodyPr/>
-                    <a:lstStyle/>
-                    <a:p>
-                      <a:pPr algn="ctr"/>
-                      <a:r>
-                        <a:rPr lang="en-US" sz="1800" dirty="0">
-                          <a:solidFill>
-                            <a:schemeClr val="tx1"/>
-                          </a:solidFill>
-                        </a:rPr>
-                        <a:t>Net revenue</a:t>
-                      </a:r>
-                      <a:endParaRPr lang="ru-RU" sz="1800" dirty="0">
-                        <a:solidFill>
-                          <a:schemeClr val="tx1"/>
-                        </a:solidFill>
-                      </a:endParaRPr>
-                    </a:p>
-                  </a:txBody>
-                  <a:tcPr marL="95186" marR="95186" marT="47593" marB="47593" anchor="ctr">
-                    <a:lnL>
-                      <a:noFill/>
-                    </a:lnL>
-                    <a:lnR>
-                      <a:noFill/>
-                    </a:lnR>
-                    <a:lnT w="12700" cmpd="sng">
-                      <a:noFill/>
-                    </a:lnT>
-                    <a:lnB w="12700" cmpd="sng">
-                      <a:noFill/>
-                    </a:lnB>
-                    <a:lnTlToBr w="12700" cmpd="sng">
-                      <a:noFill/>
-                      <a:prstDash val="solid"/>
-                    </a:lnTlToBr>
-                    <a:lnBlToTr w="12700" cmpd="sng">
-                      <a:noFill/>
-                      <a:prstDash val="solid"/>
-                    </a:lnBlToTr>
-                  </a:tcPr>
-                </a:tc>
-                <a:extLst>
-                  <a:ext uri="{0D108BD9-81ED-4DB2-BD59-A6C34878D82A}">
-                    <a16:rowId xmlns:a16="http://schemas.microsoft.com/office/drawing/2014/main" val="3213590700"/>
-                  </a:ext>
-                </a:extLst>
-              </a:tr>
-              <a:tr h="754911">
-                <a:tc>
-                  <a:txBody>
-                    <a:bodyPr/>
-                    <a:lstStyle/>
-                    <a:p>
-                      <a:pPr algn="ctr"/>
-                      <a:r>
-                        <a:rPr lang="en-US" sz="1800" dirty="0">
-                          <a:solidFill>
-                            <a:schemeClr val="tx1"/>
-                          </a:solidFill>
-                        </a:rPr>
-                        <a:t>20XX</a:t>
-                      </a:r>
-                      <a:endParaRPr lang="ru-RU" sz="1800" dirty="0">
-                        <a:solidFill>
-                          <a:schemeClr val="tx1"/>
-                        </a:solidFill>
-                      </a:endParaRPr>
-                    </a:p>
-                  </a:txBody>
-                  <a:tcPr anchor="ctr">
-                    <a:lnL>
-                      <a:noFill/>
-                    </a:lnL>
-                    <a:lnR>
-                      <a:noFill/>
-                    </a:lnR>
-                    <a:lnT w="12700" cmpd="sng">
-                      <a:noFill/>
-                    </a:lnT>
-                    <a:lnB>
-                      <a:noFill/>
-                    </a:lnB>
-                    <a:lnTlToBr w="12700" cmpd="sng">
-                      <a:noFill/>
-                      <a:prstDash val="solid"/>
-                    </a:lnTlToBr>
-                    <a:lnBlToTr w="12700" cmpd="sng">
-                      <a:noFill/>
-                      <a:prstDash val="solid"/>
-                    </a:lnBlToTr>
-                  </a:tcPr>
-                </a:tc>
-                <a:tc>
-                  <a:txBody>
-                    <a:bodyPr/>
-                    <a:lstStyle/>
-                    <a:p>
-                      <a:pPr algn="ctr"/>
-                      <a:r>
-                        <a:rPr lang="en-US" sz="1800" dirty="0">
-                          <a:solidFill>
-                            <a:schemeClr val="tx1"/>
-                          </a:solidFill>
-                        </a:rPr>
-                        <a:t>10</a:t>
-                      </a:r>
-                      <a:endParaRPr lang="ru-RU" sz="1800" dirty="0">
-                        <a:solidFill>
-                          <a:schemeClr val="tx1"/>
-                        </a:solidFill>
-                      </a:endParaRPr>
-                    </a:p>
-                  </a:txBody>
-                  <a:tcPr marL="95186" marR="95186" marT="47593" marB="47593" anchor="ctr">
-                    <a:lnL>
-                      <a:noFill/>
-                    </a:lnL>
-                    <a:lnR>
-                      <a:noFill/>
-                    </a:lnR>
-                    <a:lnT w="12700" cmpd="sng">
-                      <a:noFill/>
-                    </a:lnT>
-                    <a:lnB>
-                      <a:noFill/>
-                    </a:lnB>
-                    <a:lnTlToBr w="12700" cmpd="sng">
-                      <a:noFill/>
-                      <a:prstDash val="solid"/>
-                    </a:lnTlToBr>
-                    <a:lnBlToTr w="12700" cmpd="sng">
-                      <a:noFill/>
-                      <a:prstDash val="solid"/>
-                    </a:lnBlToTr>
-                  </a:tcPr>
-                </a:tc>
-                <a:tc>
-                  <a:txBody>
-                    <a:bodyPr/>
-                    <a:lstStyle/>
-                    <a:p>
-                      <a:pPr algn="ctr"/>
-                      <a:r>
-                        <a:rPr lang="en-US" sz="1800" dirty="0">
-                          <a:solidFill>
-                            <a:schemeClr val="tx1"/>
-                          </a:solidFill>
-                        </a:rPr>
-                        <a:t>100</a:t>
-                      </a:r>
-                      <a:endParaRPr lang="ru-RU" sz="1800" dirty="0">
-                        <a:solidFill>
-                          <a:schemeClr val="tx1"/>
-                        </a:solidFill>
-                      </a:endParaRPr>
-                    </a:p>
-                  </a:txBody>
-                  <a:tcPr marL="95186" marR="95186" marT="47593" marB="47593" anchor="ctr">
-                    <a:lnL>
-                      <a:noFill/>
-                    </a:lnL>
-                    <a:lnR>
-                      <a:noFill/>
-                    </a:lnR>
-                    <a:lnT w="12700" cmpd="sng">
-                      <a:noFill/>
-                    </a:lnT>
-                    <a:lnB>
-                      <a:noFill/>
-                    </a:lnB>
-                    <a:lnTlToBr w="12700" cmpd="sng">
-                      <a:noFill/>
-                      <a:prstDash val="solid"/>
-                    </a:lnTlToBr>
-                    <a:lnBlToTr w="12700" cmpd="sng">
-                      <a:noFill/>
-                      <a:prstDash val="solid"/>
-                    </a:lnBlToTr>
-                  </a:tcPr>
-                </a:tc>
-                <a:tc>
-                  <a:txBody>
-                    <a:bodyPr/>
-                    <a:lstStyle/>
-                    <a:p>
-                      <a:pPr algn="ctr"/>
-                      <a:r>
-                        <a:rPr lang="en-US" sz="1800" dirty="0">
-                          <a:solidFill>
-                            <a:schemeClr val="tx1"/>
-                          </a:solidFill>
-                        </a:rPr>
-                        <a:t>$10,000</a:t>
-                      </a:r>
-                      <a:endParaRPr lang="ru-RU" sz="1800" dirty="0">
-                        <a:solidFill>
-                          <a:schemeClr val="tx1"/>
-                        </a:solidFill>
-                      </a:endParaRPr>
-                    </a:p>
-                  </a:txBody>
-                  <a:tcPr marL="95186" marR="95186" marT="47593" marB="47593" anchor="ctr">
-                    <a:lnL>
-                      <a:noFill/>
-                    </a:lnL>
-                    <a:lnR>
-                      <a:noFill/>
-                    </a:lnR>
-                    <a:lnT w="12700" cmpd="sng">
-                      <a:noFill/>
-                    </a:lnT>
-                    <a:lnB>
-                      <a:noFill/>
-                    </a:lnB>
-                    <a:lnTlToBr w="12700" cmpd="sng">
-                      <a:noFill/>
-                      <a:prstDash val="solid"/>
-                    </a:lnTlToBr>
-                    <a:lnBlToTr w="12700" cmpd="sng">
-                      <a:noFill/>
-                      <a:prstDash val="solid"/>
-                    </a:lnBlToTr>
-                  </a:tcPr>
-                </a:tc>
-                <a:tc>
-                  <a:txBody>
-                    <a:bodyPr/>
-                    <a:lstStyle/>
-                    <a:p>
-                      <a:pPr algn="ctr"/>
-                      <a:r>
-                        <a:rPr lang="en-US" sz="1800" dirty="0">
-                          <a:solidFill>
-                            <a:schemeClr val="tx1"/>
-                          </a:solidFill>
-                        </a:rPr>
-                        <a:t>$7,000</a:t>
-                      </a:r>
-                      <a:endParaRPr lang="ru-RU" sz="1800" dirty="0">
-                        <a:solidFill>
-                          <a:schemeClr val="tx1"/>
-                        </a:solidFill>
-                      </a:endParaRPr>
-                    </a:p>
-                  </a:txBody>
-                  <a:tcPr marL="95186" marR="95186" marT="47593" marB="47593" anchor="ctr">
-                    <a:lnL>
-                      <a:noFill/>
-                    </a:lnL>
-                    <a:lnR>
-                      <a:noFill/>
-                    </a:lnR>
-                    <a:lnT w="12700" cmpd="sng">
-                      <a:noFill/>
-                    </a:lnT>
-                    <a:lnB>
-                      <a:noFill/>
-                    </a:lnB>
-                    <a:lnTlToBr w="12700" cmpd="sng">
-                      <a:noFill/>
-                      <a:prstDash val="solid"/>
-                    </a:lnTlToBr>
-                    <a:lnBlToTr w="12700" cmpd="sng">
-                      <a:noFill/>
-                      <a:prstDash val="solid"/>
-                    </a:lnBlToTr>
-                  </a:tcPr>
-                </a:tc>
-                <a:extLst>
-                  <a:ext uri="{0D108BD9-81ED-4DB2-BD59-A6C34878D82A}">
-                    <a16:rowId xmlns:a16="http://schemas.microsoft.com/office/drawing/2014/main" val="2830826746"/>
-                  </a:ext>
-                </a:extLst>
-              </a:tr>
-              <a:tr h="754911">
-                <a:tc>
-                  <a:txBody>
-                    <a:bodyPr/>
-                    <a:lstStyle/>
-                    <a:p>
-                      <a:pPr algn="ctr"/>
-                      <a:r>
-                        <a:rPr lang="en-US" sz="1800" dirty="0">
-                          <a:solidFill>
-                            <a:schemeClr val="tx1"/>
-                          </a:solidFill>
-                        </a:rPr>
-                        <a:t>20XX</a:t>
-                      </a:r>
-                      <a:endParaRPr lang="ru-RU" sz="1800" dirty="0">
-                        <a:solidFill>
-                          <a:schemeClr val="tx1"/>
-                        </a:solidFill>
-                      </a:endParaRPr>
-                    </a:p>
-                  </a:txBody>
-                  <a:tcPr anchor="ctr">
-                    <a:lnL>
-                      <a:noFill/>
-                    </a:lnL>
-                    <a:lnR>
-                      <a:noFill/>
-                    </a:lnR>
-                    <a:lnT>
-                      <a:noFill/>
-                    </a:lnT>
-                    <a:lnB>
-                      <a:noFill/>
-                    </a:lnB>
-                    <a:lnTlToBr w="12700" cmpd="sng">
-                      <a:noFill/>
-                      <a:prstDash val="solid"/>
-                    </a:lnTlToBr>
-                    <a:lnBlToTr w="12700" cmpd="sng">
-                      <a:noFill/>
-                      <a:prstDash val="solid"/>
-                    </a:lnBlToTr>
-                  </a:tcPr>
-                </a:tc>
-                <a:tc>
-                  <a:txBody>
-                    <a:bodyPr/>
-                    <a:lstStyle/>
-                    <a:p>
-                      <a:pPr algn="ctr"/>
-                      <a:r>
-                        <a:rPr lang="en-US" sz="1800" dirty="0">
-                          <a:solidFill>
-                            <a:schemeClr val="tx1"/>
-                          </a:solidFill>
-                        </a:rPr>
-                        <a:t>20</a:t>
-                      </a:r>
-                      <a:endParaRPr lang="ru-RU" sz="1800" dirty="0">
-                        <a:solidFill>
-                          <a:schemeClr val="tx1"/>
-                        </a:solidFill>
-                      </a:endParaRPr>
-                    </a:p>
-                  </a:txBody>
-                  <a:tcPr marL="95186" marR="95186" marT="47593" marB="47593" anchor="ctr">
-                    <a:lnL>
-                      <a:noFill/>
-                    </a:lnL>
-                    <a:lnR>
-                      <a:noFill/>
-                    </a:lnR>
-                    <a:lnT>
-                      <a:noFill/>
-                    </a:lnT>
-                    <a:lnB>
-                      <a:noFill/>
-                    </a:lnB>
-                    <a:lnTlToBr w="12700" cmpd="sng">
-                      <a:noFill/>
-                      <a:prstDash val="solid"/>
-                    </a:lnTlToBr>
-                    <a:lnBlToTr w="12700" cmpd="sng">
-                      <a:noFill/>
-                      <a:prstDash val="solid"/>
-                    </a:lnBlToTr>
-                  </a:tcPr>
-                </a:tc>
-                <a:tc>
-                  <a:txBody>
-                    <a:bodyPr/>
-                    <a:lstStyle/>
-                    <a:p>
-                      <a:pPr algn="ctr"/>
-                      <a:r>
-                        <a:rPr lang="en-US" sz="1800" dirty="0">
-                          <a:solidFill>
-                            <a:schemeClr val="tx1"/>
-                          </a:solidFill>
-                        </a:rPr>
-                        <a:t>200</a:t>
-                      </a:r>
-                      <a:endParaRPr lang="ru-RU" sz="1800" dirty="0">
-                        <a:solidFill>
-                          <a:schemeClr val="tx1"/>
-                        </a:solidFill>
-                      </a:endParaRPr>
-                    </a:p>
-                  </a:txBody>
-                  <a:tcPr marL="95186" marR="95186" marT="47593" marB="47593" anchor="ctr">
-                    <a:lnL>
-                      <a:noFill/>
-                    </a:lnL>
-                    <a:lnR>
-                      <a:noFill/>
-                    </a:lnR>
-                    <a:lnT>
-                      <a:noFill/>
-                    </a:lnT>
-                    <a:lnB>
-                      <a:noFill/>
-                    </a:lnB>
-                    <a:lnTlToBr w="12700" cmpd="sng">
-                      <a:noFill/>
-                      <a:prstDash val="solid"/>
-                    </a:lnTlToBr>
-                    <a:lnBlToTr w="12700" cmpd="sng">
-                      <a:noFill/>
-                      <a:prstDash val="solid"/>
-                    </a:lnBlToTr>
-                  </a:tcPr>
-                </a:tc>
-                <a:tc>
-                  <a:txBody>
-                    <a:bodyPr/>
-                    <a:lstStyle/>
-                    <a:p>
-                      <a:pPr marL="0" marR="0" lvl="0" indent="0" algn="ctr" defTabSz="914400" rtl="0" eaLnBrk="1" fontAlgn="auto" latinLnBrk="0" hangingPunct="1">
-                        <a:lnSpc>
-                          <a:spcPct val="100000"/>
-                        </a:lnSpc>
-                        <a:spcBef>
-                          <a:spcPts val="0"/>
-                        </a:spcBef>
-                        <a:spcAft>
-                          <a:spcPts val="0"/>
-                        </a:spcAft>
-                        <a:buClrTx/>
-                        <a:buSzTx/>
-                        <a:buFontTx/>
-                        <a:buNone/>
-                        <a:tabLst/>
-                        <a:defRPr/>
-                      </a:pPr>
-                      <a:r>
-                        <a:rPr lang="en-US" sz="1800" dirty="0">
-                          <a:solidFill>
-                            <a:schemeClr val="tx1"/>
-                          </a:solidFill>
-                        </a:rPr>
-                        <a:t>$20,000</a:t>
-                      </a:r>
-                      <a:endParaRPr lang="ru-RU" sz="1800" dirty="0">
-                        <a:solidFill>
-                          <a:schemeClr val="tx1"/>
-                        </a:solidFill>
-                      </a:endParaRPr>
-                    </a:p>
-                  </a:txBody>
-                  <a:tcPr marL="95186" marR="95186" marT="47593" marB="47593" anchor="ctr">
-                    <a:lnL>
-                      <a:noFill/>
-                    </a:lnL>
-                    <a:lnR>
-                      <a:noFill/>
-                    </a:lnR>
-                    <a:lnT>
-                      <a:noFill/>
-                    </a:lnT>
-                    <a:lnB>
-                      <a:noFill/>
-                    </a:lnB>
-                    <a:lnTlToBr w="12700" cmpd="sng">
-                      <a:noFill/>
-                      <a:prstDash val="solid"/>
-                    </a:lnTlToBr>
-                    <a:lnBlToTr w="12700" cmpd="sng">
-                      <a:noFill/>
-                      <a:prstDash val="solid"/>
-                    </a:lnBlToTr>
-                  </a:tcPr>
-                </a:tc>
-                <a:tc>
-                  <a:txBody>
-                    <a:bodyPr/>
-                    <a:lstStyle/>
-                    <a:p>
-                      <a:pPr marL="0" marR="0" lvl="0" indent="0" algn="ctr" defTabSz="914400" rtl="0" eaLnBrk="1" fontAlgn="auto" latinLnBrk="0" hangingPunct="1">
-                        <a:lnSpc>
-                          <a:spcPct val="100000"/>
-                        </a:lnSpc>
-                        <a:spcBef>
-                          <a:spcPts val="0"/>
-                        </a:spcBef>
-                        <a:spcAft>
-                          <a:spcPts val="0"/>
-                        </a:spcAft>
-                        <a:buClrTx/>
-                        <a:buSzTx/>
-                        <a:buFontTx/>
-                        <a:buNone/>
-                        <a:tabLst/>
-                        <a:defRPr/>
-                      </a:pPr>
-                      <a:r>
-                        <a:rPr lang="en-US" sz="1800" dirty="0">
-                          <a:solidFill>
-                            <a:schemeClr val="tx1"/>
-                          </a:solidFill>
-                        </a:rPr>
-                        <a:t>$16,000</a:t>
-                      </a:r>
-                      <a:endParaRPr lang="ru-RU" sz="1800" dirty="0">
-                        <a:solidFill>
-                          <a:schemeClr val="tx1"/>
-                        </a:solidFill>
-                      </a:endParaRPr>
-                    </a:p>
-                  </a:txBody>
-                  <a:tcPr marL="95186" marR="95186" marT="47593" marB="47593" anchor="ctr">
-                    <a:lnL>
-                      <a:noFill/>
-                    </a:lnL>
-                    <a:lnR>
-                      <a:noFill/>
-                    </a:lnR>
-                    <a:lnT>
-                      <a:noFill/>
-                    </a:lnT>
-                    <a:lnB>
-                      <a:noFill/>
-                    </a:lnB>
-                    <a:lnTlToBr w="12700" cmpd="sng">
-                      <a:noFill/>
-                      <a:prstDash val="solid"/>
-                    </a:lnTlToBr>
-                    <a:lnBlToTr w="12700" cmpd="sng">
-                      <a:noFill/>
-                      <a:prstDash val="solid"/>
-                    </a:lnBlToTr>
-                  </a:tcPr>
-                </a:tc>
-                <a:extLst>
-                  <a:ext uri="{0D108BD9-81ED-4DB2-BD59-A6C34878D82A}">
-                    <a16:rowId xmlns:a16="http://schemas.microsoft.com/office/drawing/2014/main" val="2517333721"/>
-                  </a:ext>
-                </a:extLst>
-              </a:tr>
-              <a:tr h="754911">
-                <a:tc>
-                  <a:txBody>
-                    <a:bodyPr/>
-                    <a:lstStyle/>
-                    <a:p>
-                      <a:pPr algn="ctr"/>
-                      <a:r>
-                        <a:rPr lang="en-US" sz="1800" dirty="0">
-                          <a:solidFill>
-                            <a:schemeClr val="tx1"/>
-                          </a:solidFill>
-                        </a:rPr>
-                        <a:t>20XX</a:t>
-                      </a:r>
-                      <a:endParaRPr lang="ru-RU" sz="1800" dirty="0">
-                        <a:solidFill>
-                          <a:schemeClr val="tx1"/>
-                        </a:solidFill>
-                      </a:endParaRPr>
-                    </a:p>
-                  </a:txBody>
-                  <a:tcPr anchor="ctr">
-                    <a:lnL>
-                      <a:noFill/>
-                    </a:lnL>
-                    <a:lnR>
-                      <a:noFill/>
-                    </a:lnR>
-                    <a:lnT>
-                      <a:noFill/>
-                    </a:lnT>
-                    <a:lnB>
-                      <a:noFill/>
-                    </a:lnB>
-                    <a:lnTlToBr w="12700" cmpd="sng">
-                      <a:noFill/>
-                      <a:prstDash val="solid"/>
-                    </a:lnTlToBr>
-                    <a:lnBlToTr w="12700" cmpd="sng">
-                      <a:noFill/>
-                      <a:prstDash val="solid"/>
-                    </a:lnBlToTr>
-                  </a:tcPr>
-                </a:tc>
-                <a:tc>
-                  <a:txBody>
-                    <a:bodyPr/>
-                    <a:lstStyle/>
-                    <a:p>
-                      <a:pPr algn="ctr"/>
-                      <a:r>
-                        <a:rPr lang="en-US" sz="1800" dirty="0">
-                          <a:solidFill>
-                            <a:schemeClr val="tx1"/>
-                          </a:solidFill>
-                        </a:rPr>
-                        <a:t>30</a:t>
-                      </a:r>
-                      <a:endParaRPr lang="ru-RU" sz="1800" dirty="0">
-                        <a:solidFill>
-                          <a:schemeClr val="tx1"/>
-                        </a:solidFill>
-                      </a:endParaRPr>
-                    </a:p>
-                  </a:txBody>
-                  <a:tcPr marL="95186" marR="95186" marT="47593" marB="47593" anchor="ctr">
-                    <a:lnL>
-                      <a:noFill/>
-                    </a:lnL>
-                    <a:lnR>
-                      <a:noFill/>
-                    </a:lnR>
-                    <a:lnT>
-                      <a:noFill/>
-                    </a:lnT>
-                    <a:lnB>
-                      <a:noFill/>
-                    </a:lnB>
-                    <a:lnTlToBr w="12700" cmpd="sng">
-                      <a:noFill/>
-                      <a:prstDash val="solid"/>
-                    </a:lnTlToBr>
-                    <a:lnBlToTr w="12700" cmpd="sng">
-                      <a:noFill/>
-                      <a:prstDash val="solid"/>
-                    </a:lnBlToTr>
-                  </a:tcPr>
-                </a:tc>
-                <a:tc>
-                  <a:txBody>
-                    <a:bodyPr/>
-                    <a:lstStyle/>
-                    <a:p>
-                      <a:pPr algn="ctr"/>
-                      <a:r>
-                        <a:rPr lang="en-US" sz="1800" dirty="0">
-                          <a:solidFill>
-                            <a:schemeClr val="tx1"/>
-                          </a:solidFill>
-                        </a:rPr>
-                        <a:t>300</a:t>
-                      </a:r>
-                      <a:endParaRPr lang="ru-RU" sz="1800" dirty="0">
-                        <a:solidFill>
-                          <a:schemeClr val="tx1"/>
-                        </a:solidFill>
-                      </a:endParaRPr>
-                    </a:p>
-                  </a:txBody>
-                  <a:tcPr marL="95186" marR="95186" marT="47593" marB="47593" anchor="ctr">
-                    <a:lnL>
-                      <a:noFill/>
-                    </a:lnL>
-                    <a:lnR>
-                      <a:noFill/>
-                    </a:lnR>
-                    <a:lnT>
-                      <a:noFill/>
-                    </a:lnT>
-                    <a:lnB>
-                      <a:noFill/>
-                    </a:lnB>
-                    <a:lnTlToBr w="12700" cmpd="sng">
-                      <a:noFill/>
-                      <a:prstDash val="solid"/>
-                    </a:lnTlToBr>
-                    <a:lnBlToTr w="12700" cmpd="sng">
-                      <a:noFill/>
-                      <a:prstDash val="solid"/>
-                    </a:lnBlToTr>
-                  </a:tcPr>
-                </a:tc>
-                <a:tc>
-                  <a:txBody>
-                    <a:bodyPr/>
-                    <a:lstStyle/>
-                    <a:p>
-                      <a:pPr marL="0" marR="0" lvl="0" indent="0" algn="ctr" defTabSz="914400" rtl="0" eaLnBrk="1" fontAlgn="auto" latinLnBrk="0" hangingPunct="1">
-                        <a:lnSpc>
-                          <a:spcPct val="100000"/>
-                        </a:lnSpc>
-                        <a:spcBef>
-                          <a:spcPts val="0"/>
-                        </a:spcBef>
-                        <a:spcAft>
-                          <a:spcPts val="0"/>
-                        </a:spcAft>
-                        <a:buClrTx/>
-                        <a:buSzTx/>
-                        <a:buFontTx/>
-                        <a:buNone/>
-                        <a:tabLst/>
-                        <a:defRPr/>
-                      </a:pPr>
-                      <a:r>
-                        <a:rPr lang="en-US" sz="1800" dirty="0">
-                          <a:solidFill>
-                            <a:schemeClr val="tx1"/>
-                          </a:solidFill>
-                        </a:rPr>
-                        <a:t>$30,000</a:t>
-                      </a:r>
-                      <a:endParaRPr lang="ru-RU" sz="1800" dirty="0">
-                        <a:solidFill>
-                          <a:schemeClr val="tx1"/>
-                        </a:solidFill>
-                      </a:endParaRPr>
-                    </a:p>
-                  </a:txBody>
-                  <a:tcPr marL="95186" marR="95186" marT="47593" marB="47593" anchor="ctr">
-                    <a:lnL>
-                      <a:noFill/>
-                    </a:lnL>
-                    <a:lnR>
-                      <a:noFill/>
-                    </a:lnR>
-                    <a:lnT>
-                      <a:noFill/>
-                    </a:lnT>
-                    <a:lnB>
-                      <a:noFill/>
-                    </a:lnB>
-                    <a:lnTlToBr w="12700" cmpd="sng">
-                      <a:noFill/>
-                      <a:prstDash val="solid"/>
-                    </a:lnTlToBr>
-                    <a:lnBlToTr w="12700" cmpd="sng">
-                      <a:noFill/>
-                      <a:prstDash val="solid"/>
-                    </a:lnBlToTr>
-                  </a:tcPr>
-                </a:tc>
-                <a:tc>
-                  <a:txBody>
-                    <a:bodyPr/>
-                    <a:lstStyle/>
-                    <a:p>
-                      <a:pPr marL="0" marR="0" lvl="0" indent="0" algn="ctr" defTabSz="914400" rtl="0" eaLnBrk="1" fontAlgn="auto" latinLnBrk="0" hangingPunct="1">
-                        <a:lnSpc>
-                          <a:spcPct val="100000"/>
-                        </a:lnSpc>
-                        <a:spcBef>
-                          <a:spcPts val="0"/>
-                        </a:spcBef>
-                        <a:spcAft>
-                          <a:spcPts val="0"/>
-                        </a:spcAft>
-                        <a:buClrTx/>
-                        <a:buSzTx/>
-                        <a:buFontTx/>
-                        <a:buNone/>
-                        <a:tabLst/>
-                        <a:defRPr/>
-                      </a:pPr>
-                      <a:r>
-                        <a:rPr lang="en-US" sz="1800" dirty="0">
-                          <a:solidFill>
-                            <a:schemeClr val="tx1"/>
-                          </a:solidFill>
-                        </a:rPr>
-                        <a:t>$25,000</a:t>
-                      </a:r>
-                      <a:endParaRPr lang="ru-RU" sz="1800" dirty="0">
-                        <a:solidFill>
-                          <a:schemeClr val="tx1"/>
-                        </a:solidFill>
-                      </a:endParaRPr>
-                    </a:p>
-                  </a:txBody>
-                  <a:tcPr marL="95186" marR="95186" marT="47593" marB="47593" anchor="ctr">
-                    <a:lnL>
-                      <a:noFill/>
-                    </a:lnL>
-                    <a:lnR>
-                      <a:noFill/>
-                    </a:lnR>
-                    <a:lnT>
-                      <a:noFill/>
-                    </a:lnT>
-                    <a:lnB>
-                      <a:noFill/>
-                    </a:lnB>
-                    <a:lnTlToBr w="12700" cmpd="sng">
-                      <a:noFill/>
-                      <a:prstDash val="solid"/>
-                    </a:lnTlToBr>
-                    <a:lnBlToTr w="12700" cmpd="sng">
-                      <a:noFill/>
-                      <a:prstDash val="solid"/>
-                    </a:lnBlToTr>
-                  </a:tcPr>
-                </a:tc>
-                <a:extLst>
-                  <a:ext uri="{0D108BD9-81ED-4DB2-BD59-A6C34878D82A}">
-                    <a16:rowId xmlns:a16="http://schemas.microsoft.com/office/drawing/2014/main" val="3321589815"/>
-                  </a:ext>
-                </a:extLst>
-              </a:tr>
-              <a:tr h="754911">
-                <a:tc>
-                  <a:txBody>
-                    <a:bodyPr/>
-                    <a:lstStyle/>
-                    <a:p>
-                      <a:pPr algn="ctr"/>
-                      <a:r>
-                        <a:rPr lang="en-US" sz="1800" dirty="0">
-                          <a:solidFill>
-                            <a:schemeClr val="tx1"/>
-                          </a:solidFill>
-                        </a:rPr>
-                        <a:t>20XX</a:t>
-                      </a:r>
-                      <a:endParaRPr lang="ru-RU" sz="1800" dirty="0">
-                        <a:solidFill>
-                          <a:schemeClr val="tx1"/>
-                        </a:solidFill>
-                      </a:endParaRPr>
-                    </a:p>
-                  </a:txBody>
-                  <a:tcPr anchor="ctr">
-                    <a:lnL>
-                      <a:noFill/>
-                    </a:lnL>
-                    <a:lnR>
-                      <a:noFill/>
-                    </a:lnR>
-                    <a:lnT>
-                      <a:noFill/>
-                    </a:lnT>
-                    <a:lnB w="12700" cmpd="sng">
-                      <a:noFill/>
-                    </a:lnB>
-                    <a:lnTlToBr w="12700" cmpd="sng">
-                      <a:noFill/>
-                      <a:prstDash val="solid"/>
-                    </a:lnTlToBr>
-                    <a:lnBlToTr w="12700" cmpd="sng">
-                      <a:noFill/>
-                      <a:prstDash val="solid"/>
-                    </a:lnBlToTr>
-                  </a:tcPr>
-                </a:tc>
-                <a:tc>
-                  <a:txBody>
-                    <a:bodyPr/>
-                    <a:lstStyle/>
-                    <a:p>
-                      <a:pPr algn="ctr"/>
-                      <a:r>
-                        <a:rPr lang="en-US" sz="1800" dirty="0">
-                          <a:solidFill>
-                            <a:schemeClr val="tx1"/>
-                          </a:solidFill>
-                        </a:rPr>
-                        <a:t>40</a:t>
-                      </a:r>
-                      <a:endParaRPr lang="ru-RU" sz="1800" dirty="0">
-                        <a:solidFill>
-                          <a:schemeClr val="tx1"/>
-                        </a:solidFill>
-                      </a:endParaRPr>
-                    </a:p>
-                  </a:txBody>
-                  <a:tcPr marL="95186" marR="95186" marT="47593" marB="47593" anchor="ctr">
-                    <a:lnL>
-                      <a:noFill/>
-                    </a:lnL>
-                    <a:lnR>
-                      <a:noFill/>
-                    </a:lnR>
-                    <a:lnT>
-                      <a:noFill/>
-                    </a:lnT>
-                    <a:lnB w="12700" cmpd="sng">
-                      <a:noFill/>
-                    </a:lnB>
-                    <a:lnTlToBr w="12700" cmpd="sng">
-                      <a:noFill/>
-                      <a:prstDash val="solid"/>
-                    </a:lnTlToBr>
-                    <a:lnBlToTr w="12700" cmpd="sng">
-                      <a:noFill/>
-                      <a:prstDash val="solid"/>
-                    </a:lnBlToTr>
-                  </a:tcPr>
-                </a:tc>
-                <a:tc>
-                  <a:txBody>
-                    <a:bodyPr/>
-                    <a:lstStyle/>
-                    <a:p>
-                      <a:pPr algn="ctr"/>
-                      <a:r>
-                        <a:rPr lang="en-US" sz="1800" dirty="0">
-                          <a:solidFill>
-                            <a:schemeClr val="tx1"/>
-                          </a:solidFill>
-                        </a:rPr>
-                        <a:t>400</a:t>
-                      </a:r>
-                      <a:endParaRPr lang="ru-RU" sz="1800" dirty="0">
-                        <a:solidFill>
-                          <a:schemeClr val="tx1"/>
-                        </a:solidFill>
-                      </a:endParaRPr>
-                    </a:p>
-                  </a:txBody>
-                  <a:tcPr marL="95186" marR="95186" marT="47593" marB="47593" anchor="ctr">
-                    <a:lnL>
-                      <a:noFill/>
-                    </a:lnL>
-                    <a:lnR>
-                      <a:noFill/>
-                    </a:lnR>
-                    <a:lnT>
-                      <a:noFill/>
-                    </a:lnT>
-                    <a:lnB w="12700" cmpd="sng">
-                      <a:noFill/>
-                    </a:lnB>
-                    <a:lnTlToBr w="12700" cmpd="sng">
-                      <a:noFill/>
-                      <a:prstDash val="solid"/>
-                    </a:lnTlToBr>
-                    <a:lnBlToTr w="12700" cmpd="sng">
-                      <a:noFill/>
-                      <a:prstDash val="solid"/>
-                    </a:lnBlToTr>
-                  </a:tcPr>
-                </a:tc>
-                <a:tc>
-                  <a:txBody>
-                    <a:bodyPr/>
-                    <a:lstStyle/>
-                    <a:p>
-                      <a:pPr marL="0" marR="0" lvl="0" indent="0" algn="ctr" defTabSz="914400" rtl="0" eaLnBrk="1" fontAlgn="auto" latinLnBrk="0" hangingPunct="1">
-                        <a:lnSpc>
-                          <a:spcPct val="100000"/>
-                        </a:lnSpc>
-                        <a:spcBef>
-                          <a:spcPts val="0"/>
-                        </a:spcBef>
-                        <a:spcAft>
-                          <a:spcPts val="0"/>
-                        </a:spcAft>
-                        <a:buClrTx/>
-                        <a:buSzTx/>
-                        <a:buFontTx/>
-                        <a:buNone/>
-                        <a:tabLst/>
-                        <a:defRPr/>
-                      </a:pPr>
-                      <a:r>
-                        <a:rPr lang="en-US" sz="1800" dirty="0">
-                          <a:solidFill>
-                            <a:schemeClr val="tx1"/>
-                          </a:solidFill>
-                        </a:rPr>
-                        <a:t>$40,000</a:t>
-                      </a:r>
-                      <a:endParaRPr lang="ru-RU" sz="1800" dirty="0">
-                        <a:solidFill>
-                          <a:schemeClr val="tx1"/>
-                        </a:solidFill>
-                      </a:endParaRPr>
-                    </a:p>
-                  </a:txBody>
-                  <a:tcPr marL="95186" marR="95186" marT="47593" marB="47593" anchor="ctr">
-                    <a:lnL>
-                      <a:noFill/>
-                    </a:lnL>
-                    <a:lnR>
-                      <a:noFill/>
-                    </a:lnR>
-                    <a:lnT>
-                      <a:noFill/>
-                    </a:lnT>
-                    <a:lnB w="12700" cmpd="sng">
-                      <a:noFill/>
-                    </a:lnB>
-                    <a:lnTlToBr w="12700" cmpd="sng">
-                      <a:noFill/>
-                      <a:prstDash val="solid"/>
-                    </a:lnTlToBr>
-                    <a:lnBlToTr w="12700" cmpd="sng">
-                      <a:noFill/>
-                      <a:prstDash val="solid"/>
-                    </a:lnBlToTr>
-                  </a:tcPr>
-                </a:tc>
-                <a:tc>
-                  <a:txBody>
-                    <a:bodyPr/>
-                    <a:lstStyle/>
-                    <a:p>
-                      <a:pPr marL="0" marR="0" lvl="0" indent="0" algn="ctr" defTabSz="914400" rtl="0" eaLnBrk="1" fontAlgn="auto" latinLnBrk="0" hangingPunct="1">
-                        <a:lnSpc>
-                          <a:spcPct val="100000"/>
-                        </a:lnSpc>
-                        <a:spcBef>
-                          <a:spcPts val="0"/>
-                        </a:spcBef>
-                        <a:spcAft>
-                          <a:spcPts val="0"/>
-                        </a:spcAft>
-                        <a:buClrTx/>
-                        <a:buSzTx/>
-                        <a:buFontTx/>
-                        <a:buNone/>
-                        <a:tabLst/>
-                        <a:defRPr/>
-                      </a:pPr>
-                      <a:r>
-                        <a:rPr lang="en-US" sz="1800" dirty="0">
-                          <a:solidFill>
-                            <a:schemeClr val="tx1"/>
-                          </a:solidFill>
-                        </a:rPr>
-                        <a:t>$30,000</a:t>
-                      </a:r>
-                      <a:endParaRPr lang="ru-RU" sz="1800" dirty="0">
-                        <a:solidFill>
-                          <a:schemeClr val="tx1"/>
-                        </a:solidFill>
-                      </a:endParaRPr>
-                    </a:p>
-                  </a:txBody>
-                  <a:tcPr marL="95186" marR="95186" marT="47593" marB="47593" anchor="ctr">
-                    <a:lnL>
-                      <a:noFill/>
-                    </a:lnL>
-                    <a:lnR>
-                      <a:noFill/>
-                    </a:lnR>
-                    <a:lnT>
-                      <a:noFill/>
-                    </a:lnT>
-                    <a:lnB w="12700" cmpd="sng">
-                      <a:noFill/>
-                    </a:lnB>
-                    <a:lnTlToBr w="12700" cmpd="sng">
-                      <a:noFill/>
-                      <a:prstDash val="solid"/>
-                    </a:lnTlToBr>
-                    <a:lnBlToTr w="12700" cmpd="sng">
-                      <a:noFill/>
-                      <a:prstDash val="solid"/>
-                    </a:lnBlToTr>
-                  </a:tcPr>
-                </a:tc>
-                <a:extLst>
-                  <a:ext uri="{0D108BD9-81ED-4DB2-BD59-A6C34878D82A}">
-                    <a16:rowId xmlns:a16="http://schemas.microsoft.com/office/drawing/2014/main" val="3345832805"/>
-                  </a:ext>
-                </a:extLst>
-              </a:tr>
-            </a:tbl>
-          </a:graphicData>
-        </a:graphic>
-      </p:graphicFrame>
-      <p:sp>
-        <p:nvSpPr>
-          <p:cNvPr id="3" name="Slide Number Placeholder 2">
-            <a:extLst>
-              <a:ext uri="{FF2B5EF4-FFF2-40B4-BE49-F238E27FC236}">
-                <a16:creationId xmlns:a16="http://schemas.microsoft.com/office/drawing/2014/main" id="{2244084A-0289-782C-C2AC-07E397FB0C46}"/>
-              </a:ext>
-            </a:extLst>
-          </p:cNvPr>
-          <p:cNvSpPr>
-            <a:spLocks noGrp="1"/>
-          </p:cNvSpPr>
-          <p:nvPr>
-            <p:ph type="sldNum" sz="quarter" idx="4"/>
-          </p:nvPr>
-        </p:nvSpPr>
-        <p:spPr>
-          <a:xfrm>
-            <a:off x="8534400" y="6121252"/>
-            <a:ext cx="2743200" cy="365125"/>
-          </a:xfrm>
-        </p:spPr>
-        <p:txBody>
-          <a:bodyPr/>
-          <a:lstStyle/>
-          <a:p>
-            <a:fld id="{B5CEABB6-07DC-46E8-9B57-56EC44A396E5}" type="slidenum">
-              <a:rPr lang="en-US" smtClean="0"/>
-              <a:pPr/>
-              <a:t>24</a:t>
-            </a:fld>
-            <a:endParaRPr lang="en-US" dirty="0"/>
-          </a:p>
-        </p:txBody>
-      </p:sp>
-    </p:spTree>
-    <p:extLst>
-      <p:ext uri="{BB962C8B-B14F-4D97-AF65-F5344CB8AC3E}">
-        <p14:creationId xmlns:p14="http://schemas.microsoft.com/office/powerpoint/2010/main" val="2595549996"/>
-      </p:ext>
-    </p:extLst>
-  </p:cSld>
-  <p:clrMapOvr>
-    <a:masterClrMapping/>
-  </p:clrMapOvr>
-</p:sld>
-</file>
-
-<file path=ppt/slides/slide25.xml><?xml version="1.0" encoding="utf-8"?>
-<p:sld xmlns:a="http://schemas.openxmlformats.org/drawingml/2006/main" xmlns:r="http://schemas.openxmlformats.org/officeDocument/2006/relationships" xmlns:p="http://schemas.openxmlformats.org/presentationml/2006/main">
-  <p:cSld>
-    <p:spTree>
-      <p:nvGrpSpPr>
-        <p:cNvPr id="1" name=""/>
-        <p:cNvGrpSpPr/>
-        <p:nvPr/>
-      </p:nvGrpSpPr>
-      <p:grpSpPr>
-        <a:xfrm>
-          <a:off x="0" y="0"/>
-          <a:ext cx="0" cy="0"/>
-          <a:chOff x="0" y="0"/>
-          <a:chExt cx="0" cy="0"/>
-        </a:xfrm>
-      </p:grpSpPr>
-      <p:sp>
-        <p:nvSpPr>
-          <p:cNvPr id="3" name="Title 2">
-            <a:extLst>
-              <a:ext uri="{FF2B5EF4-FFF2-40B4-BE49-F238E27FC236}">
-                <a16:creationId xmlns:a16="http://schemas.microsoft.com/office/drawing/2014/main" id="{7FF8F842-D95F-32E4-59B0-60283CC86021}"/>
-              </a:ext>
-            </a:extLst>
-          </p:cNvPr>
-          <p:cNvSpPr>
-            <a:spLocks noGrp="1"/>
-          </p:cNvSpPr>
-          <p:nvPr>
-            <p:ph type="title"/>
-          </p:nvPr>
-        </p:nvSpPr>
-        <p:spPr>
-          <a:xfrm>
-            <a:off x="929640" y="485113"/>
-            <a:ext cx="10515600" cy="1531525"/>
-          </a:xfrm>
-        </p:spPr>
-        <p:txBody>
-          <a:bodyPr/>
-          <a:lstStyle/>
-          <a:p>
-            <a:r>
-              <a:rPr lang="en-US" dirty="0"/>
-              <a:t>Solution</a:t>
-            </a:r>
-          </a:p>
-        </p:txBody>
-      </p:sp>
-      <p:sp>
-        <p:nvSpPr>
-          <p:cNvPr id="4" name="Content Placeholder 3">
-            <a:extLst>
-              <a:ext uri="{FF2B5EF4-FFF2-40B4-BE49-F238E27FC236}">
-                <a16:creationId xmlns:a16="http://schemas.microsoft.com/office/drawing/2014/main" id="{96E6187B-AC94-F6E4-6B8F-FAB5DD4D46C2}"/>
-              </a:ext>
-            </a:extLst>
-          </p:cNvPr>
-          <p:cNvSpPr>
-            <a:spLocks noGrp="1"/>
-          </p:cNvSpPr>
-          <p:nvPr>
-            <p:ph sz="quarter" idx="10"/>
-          </p:nvPr>
-        </p:nvSpPr>
-        <p:spPr>
-          <a:xfrm>
-            <a:off x="929642" y="2153285"/>
-            <a:ext cx="6925660" cy="3500438"/>
-          </a:xfrm>
-        </p:spPr>
-        <p:txBody>
-          <a:bodyPr>
-            <a:normAutofit/>
-          </a:bodyPr>
-          <a:lstStyle/>
-          <a:p>
-            <a:r>
-              <a:rPr lang="en-US" dirty="0"/>
-              <a:t>Our product makes consumer lives easier, and no other product on the market offers the same features</a:t>
-            </a:r>
-          </a:p>
-          <a:p>
-            <a:pPr lvl="1"/>
-            <a:r>
-              <a:rPr lang="en-US" dirty="0"/>
-              <a:t>Gen Z (18-25 years old)</a:t>
-            </a:r>
-          </a:p>
-          <a:p>
-            <a:pPr lvl="1"/>
-            <a:r>
-              <a:rPr lang="en-US" dirty="0"/>
-              <a:t>Reduce expenses for replacement products </a:t>
-            </a:r>
-          </a:p>
-          <a:p>
-            <a:pPr lvl="1"/>
-            <a:r>
-              <a:rPr lang="en-US" dirty="0"/>
-              <a:t>Simple design that gives customers the targeted information they need</a:t>
-            </a:r>
-          </a:p>
-          <a:p>
-            <a:endParaRPr lang="en-US" dirty="0"/>
-          </a:p>
-          <a:p>
-            <a:endParaRPr lang="en-US" dirty="0"/>
-          </a:p>
-        </p:txBody>
-      </p:sp>
-      <p:sp>
-        <p:nvSpPr>
-          <p:cNvPr id="5" name="Content Placeholder 4">
-            <a:extLst>
-              <a:ext uri="{FF2B5EF4-FFF2-40B4-BE49-F238E27FC236}">
-                <a16:creationId xmlns:a16="http://schemas.microsoft.com/office/drawing/2014/main" id="{B0085EB0-3E37-ABCC-75DA-43416C56B4CC}"/>
-              </a:ext>
-            </a:extLst>
-          </p:cNvPr>
-          <p:cNvSpPr>
-            <a:spLocks noGrp="1"/>
-          </p:cNvSpPr>
-          <p:nvPr>
-            <p:ph sz="quarter" idx="11"/>
-          </p:nvPr>
-        </p:nvSpPr>
-        <p:spPr>
-          <a:xfrm>
-            <a:off x="8215745" y="2153285"/>
-            <a:ext cx="3229495" cy="3500438"/>
-          </a:xfrm>
-        </p:spPr>
-        <p:txBody>
-          <a:bodyPr/>
-          <a:lstStyle/>
-          <a:p>
-            <a:r>
-              <a:rPr lang="en-US" dirty="0"/>
-              <a:t>Close the gap</a:t>
-            </a:r>
-          </a:p>
-          <a:p>
-            <a:r>
-              <a:rPr lang="en-US" dirty="0"/>
-              <a:t>Target audience </a:t>
-            </a:r>
-          </a:p>
-          <a:p>
-            <a:r>
-              <a:rPr lang="en-US" dirty="0"/>
-              <a:t>Cost savings</a:t>
-            </a:r>
-          </a:p>
-          <a:p>
-            <a:r>
-              <a:rPr lang="en-US" dirty="0"/>
-              <a:t>Easy to use</a:t>
-            </a:r>
-          </a:p>
-        </p:txBody>
-      </p:sp>
-      <p:sp>
-        <p:nvSpPr>
-          <p:cNvPr id="2" name="Slide Number Placeholder 1">
-            <a:extLst>
-              <a:ext uri="{FF2B5EF4-FFF2-40B4-BE49-F238E27FC236}">
-                <a16:creationId xmlns:a16="http://schemas.microsoft.com/office/drawing/2014/main" id="{21B27BAD-9602-6B60-C782-2749DB99012E}"/>
-              </a:ext>
-            </a:extLst>
-          </p:cNvPr>
-          <p:cNvSpPr>
-            <a:spLocks noGrp="1"/>
-          </p:cNvSpPr>
-          <p:nvPr>
-            <p:ph type="sldNum" sz="quarter" idx="4"/>
-          </p:nvPr>
-        </p:nvSpPr>
-        <p:spPr>
-          <a:xfrm>
-            <a:off x="8534400" y="6121252"/>
-            <a:ext cx="2743200" cy="365125"/>
-          </a:xfrm>
-        </p:spPr>
-        <p:txBody>
-          <a:bodyPr/>
-          <a:lstStyle/>
-          <a:p>
-            <a:fld id="{B5CEABB6-07DC-46E8-9B57-56EC44A396E5}" type="slidenum">
-              <a:rPr lang="en-US" smtClean="0"/>
-              <a:pPr/>
-              <a:t>25</a:t>
-            </a:fld>
-            <a:endParaRPr lang="en-US" dirty="0"/>
-          </a:p>
-        </p:txBody>
-      </p:sp>
-    </p:spTree>
-    <p:extLst>
-      <p:ext uri="{BB962C8B-B14F-4D97-AF65-F5344CB8AC3E}">
-        <p14:creationId xmlns:p14="http://schemas.microsoft.com/office/powerpoint/2010/main" val="1382360909"/>
-      </p:ext>
-    </p:extLst>
-  </p:cSld>
-  <p:clrMapOvr>
-    <a:masterClrMapping/>
-  </p:clrMapOvr>
-</p:sld>
-</file>
-
-<file path=ppt/slides/slide26.xml><?xml version="1.0" encoding="utf-8"?>
-<p:sld xmlns:a="http://schemas.openxmlformats.org/drawingml/2006/main" xmlns:r="http://schemas.openxmlformats.org/officeDocument/2006/relationships" xmlns:p="http://schemas.openxmlformats.org/presentationml/2006/main">
-  <p:cSld>
-    <p:spTree>
-      <p:nvGrpSpPr>
-        <p:cNvPr id="1" name=""/>
-        <p:cNvGrpSpPr/>
-        <p:nvPr/>
-      </p:nvGrpSpPr>
-      <p:grpSpPr>
-        <a:xfrm>
-          <a:off x="0" y="0"/>
-          <a:ext cx="0" cy="0"/>
-          <a:chOff x="0" y="0"/>
-          <a:chExt cx="0" cy="0"/>
-        </a:xfrm>
-      </p:grpSpPr>
-      <p:sp>
-        <p:nvSpPr>
-          <p:cNvPr id="4" name="Title 3">
-            <a:extLst>
-              <a:ext uri="{FF2B5EF4-FFF2-40B4-BE49-F238E27FC236}">
-                <a16:creationId xmlns:a16="http://schemas.microsoft.com/office/drawing/2014/main" id="{584C19E8-9349-E5B5-40F0-219E9B89B60A}"/>
-              </a:ext>
-            </a:extLst>
-          </p:cNvPr>
-          <p:cNvSpPr>
-            <a:spLocks noGrp="1"/>
-          </p:cNvSpPr>
-          <p:nvPr>
-            <p:ph type="title"/>
-          </p:nvPr>
-        </p:nvSpPr>
-        <p:spPr>
-          <a:xfrm>
-            <a:off x="929640" y="485113"/>
-            <a:ext cx="10331450" cy="1531525"/>
-          </a:xfrm>
-        </p:spPr>
-        <p:txBody>
-          <a:bodyPr/>
-          <a:lstStyle/>
-          <a:p>
-            <a:r>
-              <a:rPr lang="en-US" dirty="0"/>
-              <a:t>Financials</a:t>
-            </a:r>
-          </a:p>
-        </p:txBody>
-      </p:sp>
-      <p:graphicFrame>
-        <p:nvGraphicFramePr>
-          <p:cNvPr id="5" name="Table 9">
-            <a:extLst>
-              <a:ext uri="{FF2B5EF4-FFF2-40B4-BE49-F238E27FC236}">
-                <a16:creationId xmlns:a16="http://schemas.microsoft.com/office/drawing/2014/main" id="{78A680D3-D9D6-E622-5917-31D12B63E561}"/>
-              </a:ext>
-            </a:extLst>
-          </p:cNvPr>
-          <p:cNvGraphicFramePr>
-            <a:graphicFrameLocks noGrp="1"/>
-          </p:cNvGraphicFramePr>
-          <p:nvPr>
-            <p:ph type="tbl" sz="quarter" idx="10"/>
-            <p:extLst>
-              <p:ext uri="{D42A27DB-BD31-4B8C-83A1-F6EECF244321}">
-                <p14:modId xmlns:p14="http://schemas.microsoft.com/office/powerpoint/2010/main" val="1599747154"/>
-              </p:ext>
-            </p:extLst>
-          </p:nvPr>
-        </p:nvGraphicFramePr>
-        <p:xfrm>
-          <a:off x="930275" y="2168525"/>
-          <a:ext cx="10363201" cy="3723608"/>
-        </p:xfrm>
-        <a:graphic>
-          <a:graphicData uri="http://schemas.openxmlformats.org/drawingml/2006/table">
-            <a:tbl>
-              <a:tblPr firstRow="1" bandRow="1">
-                <a:tableStyleId>{5FD0F851-EC5A-4D38-B0AD-8093EC10F338}</a:tableStyleId>
-              </a:tblPr>
-              <a:tblGrid>
-                <a:gridCol w="4324555">
-                  <a:extLst>
-                    <a:ext uri="{9D8B030D-6E8A-4147-A177-3AD203B41FA5}">
-                      <a16:colId xmlns:a16="http://schemas.microsoft.com/office/drawing/2014/main" val="3446012419"/>
-                    </a:ext>
-                  </a:extLst>
-                </a:gridCol>
-                <a:gridCol w="2012882">
-                  <a:extLst>
-                    <a:ext uri="{9D8B030D-6E8A-4147-A177-3AD203B41FA5}">
-                      <a16:colId xmlns:a16="http://schemas.microsoft.com/office/drawing/2014/main" val="4052646397"/>
-                    </a:ext>
-                  </a:extLst>
-                </a:gridCol>
-                <a:gridCol w="2012882">
-                  <a:extLst>
-                    <a:ext uri="{9D8B030D-6E8A-4147-A177-3AD203B41FA5}">
-                      <a16:colId xmlns:a16="http://schemas.microsoft.com/office/drawing/2014/main" val="1935352797"/>
-                    </a:ext>
-                  </a:extLst>
-                </a:gridCol>
-                <a:gridCol w="2012882">
-                  <a:extLst>
-                    <a:ext uri="{9D8B030D-6E8A-4147-A177-3AD203B41FA5}">
-                      <a16:colId xmlns:a16="http://schemas.microsoft.com/office/drawing/2014/main" val="1218263486"/>
-                    </a:ext>
-                  </a:extLst>
-                </a:gridCol>
-              </a:tblGrid>
-              <a:tr h="531944">
-                <a:tc>
-                  <a:txBody>
-                    <a:bodyPr/>
-                    <a:lstStyle/>
-                    <a:p>
-                      <a:pPr algn="l" fontAlgn="b"/>
-                      <a:endParaRPr lang="en-US" sz="1800" b="0" i="0" u="none" strike="noStrike" dirty="0">
-                        <a:solidFill>
-                          <a:schemeClr val="tx1"/>
-                        </a:solidFill>
-                        <a:effectLst/>
-                        <a:latin typeface="+mn-lt"/>
-                      </a:endParaRPr>
-                    </a:p>
-                  </a:txBody>
-                  <a:tcPr marL="288000" anchor="ctr">
-                    <a:lnL>
-                      <a:noFill/>
-                    </a:lnL>
-                    <a:lnR>
-                      <a:noFill/>
-                    </a:lnR>
-                    <a:lnT w="12700" cmpd="sng">
-                      <a:noFill/>
-                    </a:lnT>
-                    <a:lnB w="12700" cmpd="sng">
-                      <a:noFill/>
-                    </a:lnB>
-                    <a:lnTlToBr w="12700" cmpd="sng">
-                      <a:noFill/>
-                      <a:prstDash val="solid"/>
-                    </a:lnTlToBr>
-                    <a:lnBlToTr w="12700" cmpd="sng">
-                      <a:noFill/>
-                      <a:prstDash val="solid"/>
-                    </a:lnBlToTr>
-                  </a:tcPr>
-                </a:tc>
-                <a:tc>
-                  <a:txBody>
-                    <a:bodyPr/>
-                    <a:lstStyle/>
-                    <a:p>
-                      <a:pPr algn="l" fontAlgn="b"/>
-                      <a:r>
-                        <a:rPr lang="en-US" sz="1800" b="1" u="none" strike="noStrike" dirty="0">
-                          <a:solidFill>
-                            <a:schemeClr val="tx1"/>
-                          </a:solidFill>
-                          <a:effectLst/>
-                        </a:rPr>
-                        <a:t>Year 1</a:t>
-                      </a:r>
-                      <a:endParaRPr lang="en-US" sz="1800" b="1" i="0" u="none" strike="noStrike" dirty="0">
-                        <a:solidFill>
-                          <a:schemeClr val="tx1"/>
-                        </a:solidFill>
-                        <a:effectLst/>
-                        <a:latin typeface="+mn-lt"/>
-                      </a:endParaRPr>
-                    </a:p>
-                  </a:txBody>
-                  <a:tcPr anchor="ctr">
-                    <a:lnL>
-                      <a:noFill/>
-                    </a:lnL>
-                    <a:lnR>
-                      <a:noFill/>
-                    </a:lnR>
-                    <a:lnT w="12700" cmpd="sng">
-                      <a:noFill/>
-                    </a:lnT>
-                    <a:lnB w="12700" cmpd="sng">
-                      <a:noFill/>
-                    </a:lnB>
-                    <a:lnTlToBr w="12700" cmpd="sng">
-                      <a:noFill/>
-                      <a:prstDash val="solid"/>
-                    </a:lnTlToBr>
-                    <a:lnBlToTr w="12700" cmpd="sng">
-                      <a:noFill/>
-                      <a:prstDash val="solid"/>
-                    </a:lnBlToTr>
-                  </a:tcPr>
-                </a:tc>
-                <a:tc>
-                  <a:txBody>
-                    <a:bodyPr/>
-                    <a:lstStyle/>
-                    <a:p>
-                      <a:pPr algn="l" fontAlgn="b"/>
-                      <a:r>
-                        <a:rPr lang="en-US" sz="1800" b="1" u="none" strike="noStrike" dirty="0">
-                          <a:solidFill>
-                            <a:schemeClr val="tx1"/>
-                          </a:solidFill>
-                          <a:effectLst/>
-                        </a:rPr>
-                        <a:t>Year 2</a:t>
-                      </a:r>
-                      <a:endParaRPr lang="en-US" sz="1800" b="1" i="0" u="none" strike="noStrike" dirty="0">
-                        <a:solidFill>
-                          <a:schemeClr val="tx1"/>
-                        </a:solidFill>
-                        <a:effectLst/>
-                        <a:latin typeface="+mn-lt"/>
-                      </a:endParaRPr>
-                    </a:p>
-                  </a:txBody>
-                  <a:tcPr anchor="ctr">
-                    <a:lnL>
-                      <a:noFill/>
-                    </a:lnL>
-                    <a:lnR>
-                      <a:noFill/>
-                    </a:lnR>
-                    <a:lnT w="12700" cmpd="sng">
-                      <a:noFill/>
-                    </a:lnT>
-                    <a:lnB w="12700" cmpd="sng">
-                      <a:noFill/>
-                    </a:lnB>
-                    <a:lnTlToBr w="12700" cmpd="sng">
-                      <a:noFill/>
-                      <a:prstDash val="solid"/>
-                    </a:lnTlToBr>
-                    <a:lnBlToTr w="12700" cmpd="sng">
-                      <a:noFill/>
-                      <a:prstDash val="solid"/>
-                    </a:lnBlToTr>
-                  </a:tcPr>
-                </a:tc>
-                <a:tc>
-                  <a:txBody>
-                    <a:bodyPr/>
-                    <a:lstStyle/>
-                    <a:p>
-                      <a:pPr algn="l" fontAlgn="b"/>
-                      <a:r>
-                        <a:rPr lang="en-US" sz="1800" b="1" u="none" strike="noStrike" dirty="0">
-                          <a:solidFill>
-                            <a:schemeClr val="tx1"/>
-                          </a:solidFill>
-                          <a:effectLst/>
-                        </a:rPr>
-                        <a:t>Year 3</a:t>
-                      </a:r>
-                      <a:endParaRPr lang="en-US" sz="1800" b="1" i="0" u="none" strike="noStrike" dirty="0">
-                        <a:solidFill>
-                          <a:schemeClr val="tx1"/>
-                        </a:solidFill>
-                        <a:effectLst/>
-                        <a:latin typeface="+mn-lt"/>
-                      </a:endParaRPr>
-                    </a:p>
-                  </a:txBody>
-                  <a:tcPr anchor="ctr">
-                    <a:lnL>
-                      <a:noFill/>
-                    </a:lnL>
-                    <a:lnR>
-                      <a:noFill/>
-                    </a:lnR>
-                    <a:lnT w="12700" cmpd="sng">
-                      <a:noFill/>
-                    </a:lnT>
-                    <a:lnB w="12700" cmpd="sng">
-                      <a:noFill/>
-                    </a:lnB>
-                    <a:lnTlToBr w="12700" cmpd="sng">
-                      <a:noFill/>
-                      <a:prstDash val="solid"/>
-                    </a:lnTlToBr>
-                    <a:lnBlToTr w="12700" cmpd="sng">
-                      <a:noFill/>
-                      <a:prstDash val="solid"/>
-                    </a:lnBlToTr>
-                  </a:tcPr>
-                </a:tc>
-                <a:extLst>
-                  <a:ext uri="{0D108BD9-81ED-4DB2-BD59-A6C34878D82A}">
-                    <a16:rowId xmlns:a16="http://schemas.microsoft.com/office/drawing/2014/main" val="4140773105"/>
-                  </a:ext>
-                </a:extLst>
-              </a:tr>
-              <a:tr h="531944">
-                <a:tc>
-                  <a:txBody>
-                    <a:bodyPr/>
-                    <a:lstStyle/>
-                    <a:p>
-                      <a:pPr algn="l" fontAlgn="b"/>
-                      <a:r>
-                        <a:rPr lang="en-US" sz="1800" b="0" u="none" strike="noStrike" dirty="0">
-                          <a:solidFill>
-                            <a:schemeClr val="tx1"/>
-                          </a:solidFill>
-                          <a:effectLst/>
-                        </a:rPr>
-                        <a:t>Income</a:t>
-                      </a:r>
-                      <a:endParaRPr lang="en-US" sz="1800" b="0" i="0" u="none" strike="noStrike" dirty="0">
-                        <a:solidFill>
-                          <a:schemeClr val="tx1"/>
-                        </a:solidFill>
-                        <a:effectLst/>
-                        <a:latin typeface="+mn-lt"/>
-                      </a:endParaRPr>
-                    </a:p>
-                  </a:txBody>
-                  <a:tcPr marL="288000" anchor="ctr">
-                    <a:lnL>
-                      <a:noFill/>
-                    </a:lnL>
-                    <a:lnR>
-                      <a:noFill/>
-                    </a:lnR>
-                    <a:lnT w="12700" cmpd="sng">
-                      <a:noFill/>
-                    </a:lnT>
-                    <a:lnB>
-                      <a:noFill/>
-                    </a:lnB>
-                    <a:lnTlToBr w="12700" cmpd="sng">
-                      <a:noFill/>
-                      <a:prstDash val="solid"/>
-                    </a:lnTlToBr>
-                    <a:lnBlToTr w="12700" cmpd="sng">
-                      <a:noFill/>
-                      <a:prstDash val="solid"/>
-                    </a:lnBlToTr>
-                  </a:tcPr>
-                </a:tc>
-                <a:tc>
-                  <a:txBody>
-                    <a:bodyPr/>
-                    <a:lstStyle/>
-                    <a:p>
-                      <a:pPr algn="l" fontAlgn="b"/>
-                      <a:endParaRPr lang="en-US" sz="1800" b="0" i="0" u="none" strike="noStrike" dirty="0">
-                        <a:solidFill>
-                          <a:schemeClr val="tx1"/>
-                        </a:solidFill>
-                        <a:effectLst/>
-                        <a:latin typeface="+mn-lt"/>
-                      </a:endParaRPr>
-                    </a:p>
-                  </a:txBody>
-                  <a:tcPr anchor="ctr">
-                    <a:lnL>
-                      <a:noFill/>
-                    </a:lnL>
-                    <a:lnR>
-                      <a:noFill/>
-                    </a:lnR>
-                    <a:lnT w="12700" cmpd="sng">
-                      <a:noFill/>
-                    </a:lnT>
-                    <a:lnB>
-                      <a:noFill/>
-                    </a:lnB>
-                    <a:lnTlToBr w="12700" cmpd="sng">
-                      <a:noFill/>
-                      <a:prstDash val="solid"/>
-                    </a:lnTlToBr>
-                    <a:lnBlToTr w="12700" cmpd="sng">
-                      <a:noFill/>
-                      <a:prstDash val="solid"/>
-                    </a:lnBlToTr>
-                  </a:tcPr>
-                </a:tc>
-                <a:tc>
-                  <a:txBody>
-                    <a:bodyPr/>
-                    <a:lstStyle/>
-                    <a:p>
-                      <a:pPr algn="l" fontAlgn="b"/>
-                      <a:endParaRPr lang="en-US" sz="1800" b="0" i="0" u="none" strike="noStrike" dirty="0">
-                        <a:solidFill>
-                          <a:schemeClr val="tx1"/>
-                        </a:solidFill>
-                        <a:effectLst/>
-                        <a:latin typeface="+mn-lt"/>
-                      </a:endParaRPr>
-                    </a:p>
-                  </a:txBody>
-                  <a:tcPr anchor="ctr">
-                    <a:lnL>
-                      <a:noFill/>
-                    </a:lnL>
-                    <a:lnR>
-                      <a:noFill/>
-                    </a:lnR>
-                    <a:lnT w="12700" cmpd="sng">
-                      <a:noFill/>
-                    </a:lnT>
-                    <a:lnB>
-                      <a:noFill/>
-                    </a:lnB>
-                    <a:lnTlToBr w="12700" cmpd="sng">
-                      <a:noFill/>
-                      <a:prstDash val="solid"/>
-                    </a:lnTlToBr>
-                    <a:lnBlToTr w="12700" cmpd="sng">
-                      <a:noFill/>
-                      <a:prstDash val="solid"/>
-                    </a:lnBlToTr>
-                  </a:tcPr>
-                </a:tc>
-                <a:tc>
-                  <a:txBody>
-                    <a:bodyPr/>
-                    <a:lstStyle/>
-                    <a:p>
-                      <a:pPr algn="l" fontAlgn="b"/>
-                      <a:endParaRPr lang="en-US" sz="1800" b="0" i="0" u="none" strike="noStrike" dirty="0">
-                        <a:solidFill>
-                          <a:schemeClr val="tx1"/>
-                        </a:solidFill>
-                        <a:effectLst/>
-                        <a:latin typeface="+mn-lt"/>
-                      </a:endParaRPr>
-                    </a:p>
-                  </a:txBody>
-                  <a:tcPr anchor="ctr">
-                    <a:lnL>
-                      <a:noFill/>
-                    </a:lnL>
-                    <a:lnR>
-                      <a:noFill/>
-                    </a:lnR>
-                    <a:lnT w="12700" cmpd="sng">
-                      <a:noFill/>
-                    </a:lnT>
-                    <a:lnB>
-                      <a:noFill/>
-                    </a:lnB>
-                    <a:lnTlToBr w="12700" cmpd="sng">
-                      <a:noFill/>
-                      <a:prstDash val="solid"/>
-                    </a:lnTlToBr>
-                    <a:lnBlToTr w="12700" cmpd="sng">
-                      <a:noFill/>
-                      <a:prstDash val="solid"/>
-                    </a:lnBlToTr>
-                  </a:tcPr>
-                </a:tc>
-                <a:extLst>
-                  <a:ext uri="{0D108BD9-81ED-4DB2-BD59-A6C34878D82A}">
-                    <a16:rowId xmlns:a16="http://schemas.microsoft.com/office/drawing/2014/main" val="4142911372"/>
-                  </a:ext>
-                </a:extLst>
-              </a:tr>
-              <a:tr h="531944">
-                <a:tc>
-                  <a:txBody>
-                    <a:bodyPr/>
-                    <a:lstStyle/>
-                    <a:p>
-                      <a:pPr lvl="1" algn="l" fontAlgn="b"/>
-                      <a:r>
-                        <a:rPr lang="en-US" sz="1800" b="0" u="none" strike="noStrike" dirty="0">
-                          <a:solidFill>
-                            <a:schemeClr val="tx1"/>
-                          </a:solidFill>
-                          <a:effectLst/>
-                        </a:rPr>
-                        <a:t>Users</a:t>
-                      </a:r>
-                      <a:endParaRPr lang="en-US" sz="1800" b="0" i="0" u="none" strike="noStrike" dirty="0">
-                        <a:solidFill>
-                          <a:schemeClr val="tx1"/>
-                        </a:solidFill>
-                        <a:effectLst/>
-                        <a:latin typeface="+mn-lt"/>
-                      </a:endParaRPr>
-                    </a:p>
-                  </a:txBody>
-                  <a:tcPr marL="288000" anchor="ctr">
-                    <a:lnL>
-                      <a:noFill/>
-                    </a:lnL>
-                    <a:lnR>
-                      <a:noFill/>
-                    </a:lnR>
-                    <a:lnT>
-                      <a:noFill/>
-                    </a:lnT>
-                    <a:lnB>
-                      <a:noFill/>
-                    </a:lnB>
-                    <a:lnTlToBr w="12700" cmpd="sng">
-                      <a:noFill/>
-                      <a:prstDash val="solid"/>
-                    </a:lnTlToBr>
-                    <a:lnBlToTr w="12700" cmpd="sng">
-                      <a:noFill/>
-                      <a:prstDash val="solid"/>
-                    </a:lnBlToTr>
-                  </a:tcPr>
-                </a:tc>
-                <a:tc>
-                  <a:txBody>
-                    <a:bodyPr/>
-                    <a:lstStyle/>
-                    <a:p>
-                      <a:pPr algn="l" fontAlgn="b"/>
-                      <a:r>
-                        <a:rPr lang="en-US" sz="1800" b="0" u="none" strike="noStrike" dirty="0">
-                          <a:solidFill>
-                            <a:schemeClr val="tx1"/>
-                          </a:solidFill>
-                          <a:effectLst/>
-                        </a:rPr>
-                        <a:t>50,000</a:t>
-                      </a:r>
-                      <a:endParaRPr lang="en-US" sz="1800" b="0" i="0" u="none" strike="noStrike" dirty="0">
-                        <a:solidFill>
-                          <a:schemeClr val="tx1"/>
-                        </a:solidFill>
-                        <a:effectLst/>
-                        <a:latin typeface="+mn-lt"/>
-                      </a:endParaRPr>
-                    </a:p>
-                  </a:txBody>
-                  <a:tcPr anchor="ctr">
-                    <a:lnL>
-                      <a:noFill/>
-                    </a:lnL>
-                    <a:lnR>
-                      <a:noFill/>
-                    </a:lnR>
-                    <a:lnT>
-                      <a:noFill/>
-                    </a:lnT>
-                    <a:lnB>
-                      <a:noFill/>
-                    </a:lnB>
-                    <a:lnTlToBr w="12700" cmpd="sng">
-                      <a:noFill/>
-                      <a:prstDash val="solid"/>
-                    </a:lnTlToBr>
-                    <a:lnBlToTr w="12700" cmpd="sng">
-                      <a:noFill/>
-                      <a:prstDash val="solid"/>
-                    </a:lnBlToTr>
-                  </a:tcPr>
-                </a:tc>
-                <a:tc>
-                  <a:txBody>
-                    <a:bodyPr/>
-                    <a:lstStyle/>
-                    <a:p>
-                      <a:pPr algn="l" fontAlgn="b"/>
-                      <a:r>
-                        <a:rPr lang="en-US" sz="1800" b="0" u="none" strike="noStrike" dirty="0">
-                          <a:solidFill>
-                            <a:schemeClr val="tx1"/>
-                          </a:solidFill>
-                          <a:effectLst/>
-                        </a:rPr>
-                        <a:t>400,000</a:t>
-                      </a:r>
-                      <a:endParaRPr lang="en-US" sz="1800" b="0" i="0" u="none" strike="noStrike" dirty="0">
-                        <a:solidFill>
-                          <a:schemeClr val="tx1"/>
-                        </a:solidFill>
-                        <a:effectLst/>
-                        <a:latin typeface="+mn-lt"/>
-                      </a:endParaRPr>
-                    </a:p>
-                  </a:txBody>
-                  <a:tcPr anchor="ctr">
-                    <a:lnL>
-                      <a:noFill/>
-                    </a:lnL>
-                    <a:lnR>
-                      <a:noFill/>
-                    </a:lnR>
-                    <a:lnT>
-                      <a:noFill/>
-                    </a:lnT>
-                    <a:lnB>
-                      <a:noFill/>
-                    </a:lnB>
-                    <a:lnTlToBr w="12700" cmpd="sng">
-                      <a:noFill/>
-                      <a:prstDash val="solid"/>
-                    </a:lnTlToBr>
-                    <a:lnBlToTr w="12700" cmpd="sng">
-                      <a:noFill/>
-                      <a:prstDash val="solid"/>
-                    </a:lnBlToTr>
-                  </a:tcPr>
-                </a:tc>
-                <a:tc>
-                  <a:txBody>
-                    <a:bodyPr/>
-                    <a:lstStyle/>
-                    <a:p>
-                      <a:pPr algn="l" fontAlgn="b"/>
-                      <a:r>
-                        <a:rPr lang="en-US" sz="1800" b="0" u="none" strike="noStrike" dirty="0">
-                          <a:solidFill>
-                            <a:schemeClr val="tx1"/>
-                          </a:solidFill>
-                          <a:effectLst/>
-                        </a:rPr>
-                        <a:t>1,600,000</a:t>
-                      </a:r>
-                      <a:endParaRPr lang="en-US" sz="1800" b="0" i="0" u="none" strike="noStrike" dirty="0">
-                        <a:solidFill>
-                          <a:schemeClr val="tx1"/>
-                        </a:solidFill>
-                        <a:effectLst/>
-                        <a:latin typeface="+mn-lt"/>
-                      </a:endParaRPr>
-                    </a:p>
-                  </a:txBody>
-                  <a:tcPr anchor="ctr">
-                    <a:lnL>
-                      <a:noFill/>
-                    </a:lnL>
-                    <a:lnR>
-                      <a:noFill/>
-                    </a:lnR>
-                    <a:lnT>
-                      <a:noFill/>
-                    </a:lnT>
-                    <a:lnB>
-                      <a:noFill/>
-                    </a:lnB>
-                    <a:lnTlToBr w="12700" cmpd="sng">
-                      <a:noFill/>
-                      <a:prstDash val="solid"/>
-                    </a:lnTlToBr>
-                    <a:lnBlToTr w="12700" cmpd="sng">
-                      <a:noFill/>
-                      <a:prstDash val="solid"/>
-                    </a:lnBlToTr>
-                  </a:tcPr>
-                </a:tc>
-                <a:extLst>
-                  <a:ext uri="{0D108BD9-81ED-4DB2-BD59-A6C34878D82A}">
-                    <a16:rowId xmlns:a16="http://schemas.microsoft.com/office/drawing/2014/main" val="1543393929"/>
-                  </a:ext>
-                </a:extLst>
-              </a:tr>
-              <a:tr h="531944">
-                <a:tc>
-                  <a:txBody>
-                    <a:bodyPr/>
-                    <a:lstStyle/>
-                    <a:p>
-                      <a:pPr lvl="1" algn="l" fontAlgn="b"/>
-                      <a:r>
-                        <a:rPr lang="en-US" sz="1800" b="0" u="none" strike="noStrike" dirty="0">
-                          <a:solidFill>
-                            <a:schemeClr val="tx1"/>
-                          </a:solidFill>
-                          <a:effectLst/>
-                        </a:rPr>
-                        <a:t>Sales</a:t>
-                      </a:r>
-                      <a:endParaRPr lang="en-US" sz="1800" b="0" i="0" u="none" strike="noStrike" dirty="0">
-                        <a:solidFill>
-                          <a:schemeClr val="tx1"/>
-                        </a:solidFill>
-                        <a:effectLst/>
-                        <a:latin typeface="+mn-lt"/>
-                      </a:endParaRPr>
-                    </a:p>
-                  </a:txBody>
-                  <a:tcPr marL="288000" anchor="ctr">
-                    <a:lnL>
-                      <a:noFill/>
-                    </a:lnL>
-                    <a:lnR>
-                      <a:noFill/>
-                    </a:lnR>
-                    <a:lnT>
-                      <a:noFill/>
-                    </a:lnT>
-                    <a:lnB>
-                      <a:noFill/>
-                    </a:lnB>
-                    <a:lnTlToBr w="12700" cmpd="sng">
-                      <a:noFill/>
-                      <a:prstDash val="solid"/>
-                    </a:lnTlToBr>
-                    <a:lnBlToTr w="12700" cmpd="sng">
-                      <a:noFill/>
-                      <a:prstDash val="solid"/>
-                    </a:lnBlToTr>
-                  </a:tcPr>
-                </a:tc>
-                <a:tc>
-                  <a:txBody>
-                    <a:bodyPr/>
-                    <a:lstStyle/>
-                    <a:p>
-                      <a:pPr algn="l" fontAlgn="b"/>
-                      <a:r>
-                        <a:rPr lang="en-US" sz="1800" b="0" u="none" strike="noStrike" dirty="0">
-                          <a:solidFill>
-                            <a:schemeClr val="tx1"/>
-                          </a:solidFill>
-                          <a:effectLst/>
-                        </a:rPr>
-                        <a:t>500,000</a:t>
-                      </a:r>
-                      <a:endParaRPr lang="en-US" sz="1800" b="0" i="0" u="none" strike="noStrike" dirty="0">
-                        <a:solidFill>
-                          <a:schemeClr val="tx1"/>
-                        </a:solidFill>
-                        <a:effectLst/>
-                        <a:latin typeface="+mn-lt"/>
-                      </a:endParaRPr>
-                    </a:p>
-                  </a:txBody>
-                  <a:tcPr anchor="ctr">
-                    <a:lnL>
-                      <a:noFill/>
-                    </a:lnL>
-                    <a:lnR>
-                      <a:noFill/>
-                    </a:lnR>
-                    <a:lnT>
-                      <a:noFill/>
-                    </a:lnT>
-                    <a:lnB>
-                      <a:noFill/>
-                    </a:lnB>
-                    <a:lnTlToBr w="12700" cmpd="sng">
-                      <a:noFill/>
-                      <a:prstDash val="solid"/>
-                    </a:lnTlToBr>
-                    <a:lnBlToTr w="12700" cmpd="sng">
-                      <a:noFill/>
-                      <a:prstDash val="solid"/>
-                    </a:lnBlToTr>
-                  </a:tcPr>
-                </a:tc>
-                <a:tc>
-                  <a:txBody>
-                    <a:bodyPr/>
-                    <a:lstStyle/>
-                    <a:p>
-                      <a:pPr algn="l" fontAlgn="b"/>
-                      <a:r>
-                        <a:rPr lang="en-US" sz="1800" b="0" u="none" strike="noStrike" dirty="0">
-                          <a:solidFill>
-                            <a:schemeClr val="tx1"/>
-                          </a:solidFill>
-                          <a:effectLst/>
-                        </a:rPr>
-                        <a:t>4,000,000</a:t>
-                      </a:r>
-                      <a:endParaRPr lang="en-US" sz="1800" b="0" i="0" u="none" strike="noStrike" dirty="0">
-                        <a:solidFill>
-                          <a:schemeClr val="tx1"/>
-                        </a:solidFill>
-                        <a:effectLst/>
-                        <a:latin typeface="+mn-lt"/>
-                      </a:endParaRPr>
-                    </a:p>
-                  </a:txBody>
-                  <a:tcPr anchor="ctr">
-                    <a:lnL>
-                      <a:noFill/>
-                    </a:lnL>
-                    <a:lnR>
-                      <a:noFill/>
-                    </a:lnR>
-                    <a:lnT>
-                      <a:noFill/>
-                    </a:lnT>
-                    <a:lnB>
-                      <a:noFill/>
-                    </a:lnB>
-                    <a:lnTlToBr w="12700" cmpd="sng">
-                      <a:noFill/>
-                      <a:prstDash val="solid"/>
-                    </a:lnTlToBr>
-                    <a:lnBlToTr w="12700" cmpd="sng">
-                      <a:noFill/>
-                      <a:prstDash val="solid"/>
-                    </a:lnBlToTr>
-                  </a:tcPr>
-                </a:tc>
-                <a:tc>
-                  <a:txBody>
-                    <a:bodyPr/>
-                    <a:lstStyle/>
-                    <a:p>
-                      <a:pPr algn="l" fontAlgn="b"/>
-                      <a:r>
-                        <a:rPr lang="en-US" sz="1800" b="0" u="none" strike="noStrike" dirty="0">
-                          <a:solidFill>
-                            <a:schemeClr val="tx1"/>
-                          </a:solidFill>
-                          <a:effectLst/>
-                        </a:rPr>
-                        <a:t>16,000,000</a:t>
-                      </a:r>
-                      <a:endParaRPr lang="en-US" sz="1800" b="0" i="0" u="none" strike="noStrike" dirty="0">
-                        <a:solidFill>
-                          <a:schemeClr val="tx1"/>
-                        </a:solidFill>
-                        <a:effectLst/>
-                        <a:latin typeface="+mn-lt"/>
-                      </a:endParaRPr>
-                    </a:p>
-                  </a:txBody>
-                  <a:tcPr anchor="ctr">
-                    <a:lnL>
-                      <a:noFill/>
-                    </a:lnL>
-                    <a:lnR>
-                      <a:noFill/>
-                    </a:lnR>
-                    <a:lnT>
-                      <a:noFill/>
-                    </a:lnT>
-                    <a:lnB>
-                      <a:noFill/>
-                    </a:lnB>
-                    <a:lnTlToBr w="12700" cmpd="sng">
-                      <a:noFill/>
-                      <a:prstDash val="solid"/>
-                    </a:lnTlToBr>
-                    <a:lnBlToTr w="12700" cmpd="sng">
-                      <a:noFill/>
-                      <a:prstDash val="solid"/>
-                    </a:lnBlToTr>
-                  </a:tcPr>
-                </a:tc>
-                <a:extLst>
-                  <a:ext uri="{0D108BD9-81ED-4DB2-BD59-A6C34878D82A}">
-                    <a16:rowId xmlns:a16="http://schemas.microsoft.com/office/drawing/2014/main" val="255711469"/>
-                  </a:ext>
-                </a:extLst>
-              </a:tr>
-              <a:tr h="531944">
-                <a:tc>
-                  <a:txBody>
-                    <a:bodyPr/>
-                    <a:lstStyle/>
-                    <a:p>
-                      <a:pPr lvl="1" algn="l" fontAlgn="b"/>
-                      <a:r>
-                        <a:rPr lang="en-US" sz="1800" b="0" u="none" strike="noStrike" dirty="0">
-                          <a:solidFill>
-                            <a:schemeClr val="tx1"/>
-                          </a:solidFill>
-                          <a:effectLst/>
-                        </a:rPr>
-                        <a:t>Average price per sale</a:t>
-                      </a:r>
-                      <a:endParaRPr lang="en-US" sz="1800" b="0" i="0" u="none" strike="noStrike" dirty="0">
-                        <a:solidFill>
-                          <a:schemeClr val="tx1"/>
-                        </a:solidFill>
-                        <a:effectLst/>
-                        <a:latin typeface="+mn-lt"/>
-                      </a:endParaRPr>
-                    </a:p>
-                  </a:txBody>
-                  <a:tcPr marL="288000" anchor="ctr">
-                    <a:lnL>
-                      <a:noFill/>
-                    </a:lnL>
-                    <a:lnR>
-                      <a:noFill/>
-                    </a:lnR>
-                    <a:lnT>
-                      <a:noFill/>
-                    </a:lnT>
-                    <a:lnB>
-                      <a:noFill/>
-                    </a:lnB>
-                    <a:lnTlToBr w="12700" cmpd="sng">
-                      <a:noFill/>
-                      <a:prstDash val="solid"/>
-                    </a:lnTlToBr>
-                    <a:lnBlToTr w="12700" cmpd="sng">
-                      <a:noFill/>
-                      <a:prstDash val="solid"/>
-                    </a:lnBlToTr>
-                  </a:tcPr>
-                </a:tc>
-                <a:tc>
-                  <a:txBody>
-                    <a:bodyPr/>
-                    <a:lstStyle/>
-                    <a:p>
-                      <a:pPr algn="l" fontAlgn="b"/>
-                      <a:r>
-                        <a:rPr lang="en-US" sz="1800" b="0" u="none" strike="noStrike" dirty="0">
-                          <a:solidFill>
-                            <a:schemeClr val="tx1"/>
-                          </a:solidFill>
-                          <a:effectLst/>
-                        </a:rPr>
-                        <a:t>75</a:t>
-                      </a:r>
-                      <a:endParaRPr lang="en-US" sz="1800" b="0" i="0" u="none" strike="noStrike" dirty="0">
-                        <a:solidFill>
-                          <a:schemeClr val="tx1"/>
-                        </a:solidFill>
-                        <a:effectLst/>
-                        <a:latin typeface="+mn-lt"/>
-                      </a:endParaRPr>
-                    </a:p>
-                  </a:txBody>
-                  <a:tcPr anchor="ctr">
-                    <a:lnL>
-                      <a:noFill/>
-                    </a:lnL>
-                    <a:lnR>
-                      <a:noFill/>
-                    </a:lnR>
-                    <a:lnT>
-                      <a:noFill/>
-                    </a:lnT>
-                    <a:lnB>
-                      <a:noFill/>
-                    </a:lnB>
-                    <a:lnTlToBr w="12700" cmpd="sng">
-                      <a:noFill/>
-                      <a:prstDash val="solid"/>
-                    </a:lnTlToBr>
-                    <a:lnBlToTr w="12700" cmpd="sng">
-                      <a:noFill/>
-                      <a:prstDash val="solid"/>
-                    </a:lnBlToTr>
-                  </a:tcPr>
-                </a:tc>
-                <a:tc>
-                  <a:txBody>
-                    <a:bodyPr/>
-                    <a:lstStyle/>
-                    <a:p>
-                      <a:pPr algn="l" fontAlgn="b"/>
-                      <a:r>
-                        <a:rPr lang="en-US" sz="1800" b="0" u="none" strike="noStrike" dirty="0">
-                          <a:solidFill>
-                            <a:schemeClr val="tx1"/>
-                          </a:solidFill>
-                          <a:effectLst/>
-                        </a:rPr>
-                        <a:t>80</a:t>
-                      </a:r>
-                      <a:endParaRPr lang="en-US" sz="1800" b="0" i="0" u="none" strike="noStrike" dirty="0">
-                        <a:solidFill>
-                          <a:schemeClr val="tx1"/>
-                        </a:solidFill>
-                        <a:effectLst/>
-                        <a:latin typeface="+mn-lt"/>
-                      </a:endParaRPr>
-                    </a:p>
-                  </a:txBody>
-                  <a:tcPr anchor="ctr">
-                    <a:lnL>
-                      <a:noFill/>
-                    </a:lnL>
-                    <a:lnR>
-                      <a:noFill/>
-                    </a:lnR>
-                    <a:lnT>
-                      <a:noFill/>
-                    </a:lnT>
-                    <a:lnB>
-                      <a:noFill/>
-                    </a:lnB>
-                    <a:lnTlToBr w="12700" cmpd="sng">
-                      <a:noFill/>
-                      <a:prstDash val="solid"/>
-                    </a:lnTlToBr>
-                    <a:lnBlToTr w="12700" cmpd="sng">
-                      <a:noFill/>
-                      <a:prstDash val="solid"/>
-                    </a:lnBlToTr>
-                  </a:tcPr>
-                </a:tc>
-                <a:tc>
-                  <a:txBody>
-                    <a:bodyPr/>
-                    <a:lstStyle/>
-                    <a:p>
-                      <a:pPr algn="l" fontAlgn="b"/>
-                      <a:r>
-                        <a:rPr lang="en-US" sz="1800" b="0" u="none" strike="noStrike" dirty="0">
-                          <a:solidFill>
-                            <a:schemeClr val="tx1"/>
-                          </a:solidFill>
-                          <a:effectLst/>
-                        </a:rPr>
-                        <a:t>90</a:t>
-                      </a:r>
-                      <a:endParaRPr lang="en-US" sz="1800" b="0" i="0" u="none" strike="noStrike" dirty="0">
-                        <a:solidFill>
-                          <a:schemeClr val="tx1"/>
-                        </a:solidFill>
-                        <a:effectLst/>
-                        <a:latin typeface="+mn-lt"/>
-                      </a:endParaRPr>
-                    </a:p>
-                  </a:txBody>
-                  <a:tcPr anchor="ctr">
-                    <a:lnL>
-                      <a:noFill/>
-                    </a:lnL>
-                    <a:lnR>
-                      <a:noFill/>
-                    </a:lnR>
-                    <a:lnT>
-                      <a:noFill/>
-                    </a:lnT>
-                    <a:lnB>
-                      <a:noFill/>
-                    </a:lnB>
-                    <a:lnTlToBr w="12700" cmpd="sng">
-                      <a:noFill/>
-                      <a:prstDash val="solid"/>
-                    </a:lnTlToBr>
-                    <a:lnBlToTr w="12700" cmpd="sng">
-                      <a:noFill/>
-                      <a:prstDash val="solid"/>
-                    </a:lnBlToTr>
-                  </a:tcPr>
-                </a:tc>
-                <a:extLst>
-                  <a:ext uri="{0D108BD9-81ED-4DB2-BD59-A6C34878D82A}">
-                    <a16:rowId xmlns:a16="http://schemas.microsoft.com/office/drawing/2014/main" val="1498944196"/>
-                  </a:ext>
-                </a:extLst>
-              </a:tr>
-              <a:tr h="531944">
-                <a:tc>
-                  <a:txBody>
-                    <a:bodyPr/>
-                    <a:lstStyle/>
-                    <a:p>
-                      <a:pPr lvl="1" algn="l" fontAlgn="b"/>
-                      <a:r>
-                        <a:rPr lang="en-US" sz="1800" b="0" u="none" strike="noStrike" dirty="0">
-                          <a:solidFill>
-                            <a:schemeClr val="tx1"/>
-                          </a:solidFill>
-                          <a:effectLst/>
-                        </a:rPr>
-                        <a:t>Revenue @ 15%</a:t>
-                      </a:r>
-                      <a:endParaRPr lang="en-US" sz="1800" b="0" i="0" u="none" strike="noStrike" dirty="0">
-                        <a:solidFill>
-                          <a:schemeClr val="tx1"/>
-                        </a:solidFill>
-                        <a:effectLst/>
-                        <a:latin typeface="+mn-lt"/>
-                      </a:endParaRPr>
-                    </a:p>
-                  </a:txBody>
-                  <a:tcPr marL="288000" anchor="ctr">
-                    <a:lnL>
-                      <a:noFill/>
-                    </a:lnL>
-                    <a:lnR>
-                      <a:noFill/>
-                    </a:lnR>
-                    <a:lnT>
-                      <a:noFill/>
-                    </a:lnT>
-                    <a:lnB>
-                      <a:noFill/>
-                    </a:lnB>
-                    <a:lnTlToBr w="12700" cmpd="sng">
-                      <a:noFill/>
-                      <a:prstDash val="solid"/>
-                    </a:lnTlToBr>
-                    <a:lnBlToTr w="12700" cmpd="sng">
-                      <a:noFill/>
-                      <a:prstDash val="solid"/>
-                    </a:lnBlToTr>
-                  </a:tcPr>
-                </a:tc>
-                <a:tc>
-                  <a:txBody>
-                    <a:bodyPr/>
-                    <a:lstStyle/>
-                    <a:p>
-                      <a:pPr algn="l" fontAlgn="b"/>
-                      <a:r>
-                        <a:rPr lang="en-US" sz="1800" b="0" u="none" strike="noStrike" dirty="0">
-                          <a:solidFill>
-                            <a:schemeClr val="tx1"/>
-                          </a:solidFill>
-                          <a:effectLst/>
-                        </a:rPr>
-                        <a:t>5,625,000</a:t>
-                      </a:r>
-                      <a:endParaRPr lang="en-US" sz="1800" b="0" i="0" u="none" strike="noStrike" dirty="0">
-                        <a:solidFill>
-                          <a:schemeClr val="tx1"/>
-                        </a:solidFill>
-                        <a:effectLst/>
-                        <a:latin typeface="+mn-lt"/>
-                      </a:endParaRPr>
-                    </a:p>
-                  </a:txBody>
-                  <a:tcPr anchor="ctr">
-                    <a:lnL>
-                      <a:noFill/>
-                    </a:lnL>
-                    <a:lnR>
-                      <a:noFill/>
-                    </a:lnR>
-                    <a:lnT>
-                      <a:noFill/>
-                    </a:lnT>
-                    <a:lnB>
-                      <a:noFill/>
-                    </a:lnB>
-                    <a:lnTlToBr w="12700" cmpd="sng">
-                      <a:noFill/>
-                      <a:prstDash val="solid"/>
-                    </a:lnTlToBr>
-                    <a:lnBlToTr w="12700" cmpd="sng">
-                      <a:noFill/>
-                      <a:prstDash val="solid"/>
-                    </a:lnBlToTr>
-                  </a:tcPr>
-                </a:tc>
-                <a:tc>
-                  <a:txBody>
-                    <a:bodyPr/>
-                    <a:lstStyle/>
-                    <a:p>
-                      <a:pPr algn="l" fontAlgn="b"/>
-                      <a:r>
-                        <a:rPr lang="en-US" sz="1800" b="0" u="none" strike="noStrike" dirty="0">
-                          <a:solidFill>
-                            <a:schemeClr val="tx1"/>
-                          </a:solidFill>
-                          <a:effectLst/>
-                        </a:rPr>
-                        <a:t>48,000,000</a:t>
-                      </a:r>
-                      <a:endParaRPr lang="en-US" sz="1800" b="0" i="0" u="none" strike="noStrike" dirty="0">
-                        <a:solidFill>
-                          <a:schemeClr val="tx1"/>
-                        </a:solidFill>
-                        <a:effectLst/>
-                        <a:latin typeface="+mn-lt"/>
-                      </a:endParaRPr>
-                    </a:p>
-                  </a:txBody>
-                  <a:tcPr anchor="ctr">
-                    <a:lnL>
-                      <a:noFill/>
-                    </a:lnL>
-                    <a:lnR>
-                      <a:noFill/>
-                    </a:lnR>
-                    <a:lnT>
-                      <a:noFill/>
-                    </a:lnT>
-                    <a:lnB>
-                      <a:noFill/>
-                    </a:lnB>
-                    <a:lnTlToBr w="12700" cmpd="sng">
-                      <a:noFill/>
-                      <a:prstDash val="solid"/>
-                    </a:lnTlToBr>
-                    <a:lnBlToTr w="12700" cmpd="sng">
-                      <a:noFill/>
-                      <a:prstDash val="solid"/>
-                    </a:lnBlToTr>
-                  </a:tcPr>
-                </a:tc>
-                <a:tc>
-                  <a:txBody>
-                    <a:bodyPr/>
-                    <a:lstStyle/>
-                    <a:p>
-                      <a:pPr algn="l" fontAlgn="b"/>
-                      <a:r>
-                        <a:rPr lang="en-US" sz="1800" b="0" u="none" strike="noStrike" dirty="0">
-                          <a:solidFill>
-                            <a:schemeClr val="tx1"/>
-                          </a:solidFill>
-                          <a:effectLst/>
-                        </a:rPr>
-                        <a:t>216,000,000</a:t>
-                      </a:r>
-                      <a:endParaRPr lang="en-US" sz="1800" b="0" i="0" u="none" strike="noStrike" dirty="0">
-                        <a:solidFill>
-                          <a:schemeClr val="tx1"/>
-                        </a:solidFill>
-                        <a:effectLst/>
-                        <a:latin typeface="+mn-lt"/>
-                      </a:endParaRPr>
-                    </a:p>
-                  </a:txBody>
-                  <a:tcPr anchor="ctr">
-                    <a:lnL>
-                      <a:noFill/>
-                    </a:lnL>
-                    <a:lnR>
-                      <a:noFill/>
-                    </a:lnR>
-                    <a:lnT>
-                      <a:noFill/>
-                    </a:lnT>
-                    <a:lnB>
-                      <a:noFill/>
-                    </a:lnB>
-                    <a:lnTlToBr w="12700" cmpd="sng">
-                      <a:noFill/>
-                      <a:prstDash val="solid"/>
-                    </a:lnTlToBr>
-                    <a:lnBlToTr w="12700" cmpd="sng">
-                      <a:noFill/>
-                      <a:prstDash val="solid"/>
-                    </a:lnBlToTr>
-                  </a:tcPr>
-                </a:tc>
-                <a:extLst>
-                  <a:ext uri="{0D108BD9-81ED-4DB2-BD59-A6C34878D82A}">
-                    <a16:rowId xmlns:a16="http://schemas.microsoft.com/office/drawing/2014/main" val="2561606819"/>
-                  </a:ext>
-                </a:extLst>
-              </a:tr>
-              <a:tr h="531944">
-                <a:tc>
-                  <a:txBody>
-                    <a:bodyPr/>
-                    <a:lstStyle/>
-                    <a:p>
-                      <a:pPr algn="l" fontAlgn="b"/>
-                      <a:r>
-                        <a:rPr lang="en-US" sz="1800" b="1" u="none" strike="noStrike" dirty="0">
-                          <a:solidFill>
-                            <a:schemeClr val="tx1"/>
-                          </a:solidFill>
-                          <a:effectLst/>
-                        </a:rPr>
-                        <a:t>Gross profit</a:t>
-                      </a:r>
-                      <a:endParaRPr lang="en-US" sz="1800" b="1" i="0" u="none" strike="noStrike" dirty="0">
-                        <a:solidFill>
-                          <a:schemeClr val="tx1"/>
-                        </a:solidFill>
-                        <a:effectLst/>
-                        <a:latin typeface="+mn-lt"/>
-                      </a:endParaRPr>
-                    </a:p>
-                  </a:txBody>
-                  <a:tcPr marL="288000" anchor="ctr">
-                    <a:lnL>
-                      <a:noFill/>
-                    </a:lnL>
-                    <a:lnR>
-                      <a:noFill/>
-                    </a:lnR>
-                    <a:lnT>
-                      <a:noFill/>
-                    </a:lnT>
-                    <a:lnB w="12700" cmpd="sng">
-                      <a:noFill/>
-                    </a:lnB>
-                    <a:lnTlToBr w="12700" cmpd="sng">
-                      <a:noFill/>
-                      <a:prstDash val="solid"/>
-                    </a:lnTlToBr>
-                    <a:lnBlToTr w="12700" cmpd="sng">
-                      <a:noFill/>
-                      <a:prstDash val="solid"/>
-                    </a:lnBlToTr>
-                  </a:tcPr>
-                </a:tc>
-                <a:tc>
-                  <a:txBody>
-                    <a:bodyPr/>
-                    <a:lstStyle/>
-                    <a:p>
-                      <a:pPr algn="l" fontAlgn="b"/>
-                      <a:r>
-                        <a:rPr lang="en-US" sz="1800" b="1" u="none" strike="noStrike" dirty="0">
-                          <a:solidFill>
-                            <a:schemeClr val="tx1"/>
-                          </a:solidFill>
-                          <a:effectLst/>
-                        </a:rPr>
-                        <a:t>5,625,000</a:t>
-                      </a:r>
-                      <a:endParaRPr lang="en-US" sz="1800" b="1" i="0" u="none" strike="noStrike" dirty="0">
-                        <a:solidFill>
-                          <a:schemeClr val="tx1"/>
-                        </a:solidFill>
-                        <a:effectLst/>
-                        <a:latin typeface="+mn-lt"/>
-                      </a:endParaRPr>
-                    </a:p>
-                  </a:txBody>
-                  <a:tcPr anchor="ctr">
-                    <a:lnL>
-                      <a:noFill/>
-                    </a:lnL>
-                    <a:lnR>
-                      <a:noFill/>
-                    </a:lnR>
-                    <a:lnT>
-                      <a:noFill/>
-                    </a:lnT>
-                    <a:lnB w="12700" cmpd="sng">
-                      <a:noFill/>
-                    </a:lnB>
-                    <a:lnTlToBr w="12700" cmpd="sng">
-                      <a:noFill/>
-                      <a:prstDash val="solid"/>
-                    </a:lnTlToBr>
-                    <a:lnBlToTr w="12700" cmpd="sng">
-                      <a:noFill/>
-                      <a:prstDash val="solid"/>
-                    </a:lnBlToTr>
-                  </a:tcPr>
-                </a:tc>
-                <a:tc>
-                  <a:txBody>
-                    <a:bodyPr/>
-                    <a:lstStyle/>
-                    <a:p>
-                      <a:pPr algn="l" fontAlgn="b"/>
-                      <a:r>
-                        <a:rPr lang="en-US" sz="1800" b="1" u="none" strike="noStrike" dirty="0">
-                          <a:solidFill>
-                            <a:schemeClr val="tx1"/>
-                          </a:solidFill>
-                          <a:effectLst/>
-                        </a:rPr>
-                        <a:t>48,000,000</a:t>
-                      </a:r>
-                      <a:endParaRPr lang="en-US" sz="1800" b="1" i="0" u="none" strike="noStrike" dirty="0">
-                        <a:solidFill>
-                          <a:schemeClr val="tx1"/>
-                        </a:solidFill>
-                        <a:effectLst/>
-                        <a:latin typeface="+mn-lt"/>
-                      </a:endParaRPr>
-                    </a:p>
-                  </a:txBody>
-                  <a:tcPr anchor="ctr">
-                    <a:lnL>
-                      <a:noFill/>
-                    </a:lnL>
-                    <a:lnR>
-                      <a:noFill/>
-                    </a:lnR>
-                    <a:lnT>
-                      <a:noFill/>
-                    </a:lnT>
-                    <a:lnB w="12700" cmpd="sng">
-                      <a:noFill/>
-                    </a:lnB>
-                    <a:lnTlToBr w="12700" cmpd="sng">
-                      <a:noFill/>
-                      <a:prstDash val="solid"/>
-                    </a:lnTlToBr>
-                    <a:lnBlToTr w="12700" cmpd="sng">
-                      <a:noFill/>
-                      <a:prstDash val="solid"/>
-                    </a:lnBlToTr>
-                  </a:tcPr>
-                </a:tc>
-                <a:tc>
-                  <a:txBody>
-                    <a:bodyPr/>
-                    <a:lstStyle/>
-                    <a:p>
-                      <a:pPr algn="l" fontAlgn="b"/>
-                      <a:r>
-                        <a:rPr lang="en-US" sz="1800" b="1" u="none" strike="noStrike" dirty="0">
-                          <a:solidFill>
-                            <a:schemeClr val="tx1"/>
-                          </a:solidFill>
-                          <a:effectLst/>
-                        </a:rPr>
-                        <a:t>216,000,000</a:t>
-                      </a:r>
-                      <a:endParaRPr lang="en-US" sz="1800" b="1" i="0" u="none" strike="noStrike" dirty="0">
-                        <a:solidFill>
-                          <a:schemeClr val="tx1"/>
-                        </a:solidFill>
-                        <a:effectLst/>
-                        <a:latin typeface="+mn-lt"/>
-                      </a:endParaRPr>
-                    </a:p>
-                  </a:txBody>
-                  <a:tcPr anchor="ctr">
-                    <a:lnL>
-                      <a:noFill/>
-                    </a:lnL>
-                    <a:lnR>
-                      <a:noFill/>
-                    </a:lnR>
-                    <a:lnT>
-                      <a:noFill/>
-                    </a:lnT>
-                    <a:lnB w="12700" cmpd="sng">
-                      <a:noFill/>
-                    </a:lnB>
-                    <a:lnTlToBr w="12700" cmpd="sng">
-                      <a:noFill/>
-                      <a:prstDash val="solid"/>
-                    </a:lnTlToBr>
-                    <a:lnBlToTr w="12700" cmpd="sng">
-                      <a:noFill/>
-                      <a:prstDash val="solid"/>
-                    </a:lnBlToTr>
-                  </a:tcPr>
-                </a:tc>
-                <a:extLst>
-                  <a:ext uri="{0D108BD9-81ED-4DB2-BD59-A6C34878D82A}">
-                    <a16:rowId xmlns:a16="http://schemas.microsoft.com/office/drawing/2014/main" val="365120011"/>
-                  </a:ext>
-                </a:extLst>
-              </a:tr>
-            </a:tbl>
-          </a:graphicData>
-        </a:graphic>
-      </p:graphicFrame>
-      <p:sp>
-        <p:nvSpPr>
-          <p:cNvPr id="3" name="Slide Number Placeholder 2">
-            <a:extLst>
-              <a:ext uri="{FF2B5EF4-FFF2-40B4-BE49-F238E27FC236}">
-                <a16:creationId xmlns:a16="http://schemas.microsoft.com/office/drawing/2014/main" id="{5F658D41-330C-C53F-DA7F-276C18D26726}"/>
-              </a:ext>
-            </a:extLst>
-          </p:cNvPr>
-          <p:cNvSpPr>
-            <a:spLocks noGrp="1"/>
-          </p:cNvSpPr>
-          <p:nvPr>
-            <p:ph type="sldNum" sz="quarter" idx="4"/>
-          </p:nvPr>
-        </p:nvSpPr>
-        <p:spPr>
-          <a:xfrm>
-            <a:off x="8534400" y="6121252"/>
-            <a:ext cx="2743200" cy="365125"/>
-          </a:xfrm>
-        </p:spPr>
-        <p:txBody>
-          <a:bodyPr/>
-          <a:lstStyle/>
-          <a:p>
-            <a:fld id="{B5CEABB6-07DC-46E8-9B57-56EC44A396E5}" type="slidenum">
-              <a:rPr lang="en-US" smtClean="0"/>
-              <a:pPr/>
-              <a:t>26</a:t>
-            </a:fld>
-            <a:endParaRPr lang="en-US" dirty="0"/>
-          </a:p>
-        </p:txBody>
-      </p:sp>
-    </p:spTree>
-    <p:extLst>
-      <p:ext uri="{BB962C8B-B14F-4D97-AF65-F5344CB8AC3E}">
-        <p14:creationId xmlns:p14="http://schemas.microsoft.com/office/powerpoint/2010/main" val="3574082888"/>
-      </p:ext>
-    </p:extLst>
-  </p:cSld>
-  <p:clrMapOvr>
-    <a:masterClrMapping/>
-  </p:clrMapOvr>
-</p:sld>
-</file>
-
-<file path=ppt/slides/slide27.xml><?xml version="1.0" encoding="utf-8"?>
-<p:sld xmlns:a="http://schemas.openxmlformats.org/drawingml/2006/main" xmlns:r="http://schemas.openxmlformats.org/officeDocument/2006/relationships" xmlns:p="http://schemas.openxmlformats.org/presentationml/2006/main">
-  <p:cSld>
-    <p:spTree>
-      <p:nvGrpSpPr>
-        <p:cNvPr id="1" name=""/>
-        <p:cNvGrpSpPr/>
-        <p:nvPr/>
-      </p:nvGrpSpPr>
-      <p:grpSpPr>
-        <a:xfrm>
-          <a:off x="0" y="0"/>
-          <a:ext cx="0" cy="0"/>
-          <a:chOff x="0" y="0"/>
-          <a:chExt cx="0" cy="0"/>
-        </a:xfrm>
-      </p:grpSpPr>
-      <p:sp>
-        <p:nvSpPr>
-          <p:cNvPr id="4" name="Title 3">
-            <a:extLst>
-              <a:ext uri="{FF2B5EF4-FFF2-40B4-BE49-F238E27FC236}">
-                <a16:creationId xmlns:a16="http://schemas.microsoft.com/office/drawing/2014/main" id="{9B961152-381E-D654-15E9-7C4F09608779}"/>
-              </a:ext>
-            </a:extLst>
-          </p:cNvPr>
-          <p:cNvSpPr>
-            <a:spLocks noGrp="1"/>
-          </p:cNvSpPr>
-          <p:nvPr>
-            <p:ph type="title"/>
-          </p:nvPr>
-        </p:nvSpPr>
-        <p:spPr>
-          <a:xfrm>
-            <a:off x="899160" y="655320"/>
-            <a:ext cx="4572000" cy="5486400"/>
-          </a:xfrm>
-        </p:spPr>
-        <p:txBody>
-          <a:bodyPr/>
-          <a:lstStyle/>
-          <a:p>
-            <a:r>
-              <a:rPr lang="en-US" dirty="0"/>
-              <a:t>Thank you</a:t>
-            </a:r>
-          </a:p>
-        </p:txBody>
-      </p:sp>
-      <p:sp>
-        <p:nvSpPr>
-          <p:cNvPr id="5" name="Content Placeholder 4">
-            <a:extLst>
-              <a:ext uri="{FF2B5EF4-FFF2-40B4-BE49-F238E27FC236}">
-                <a16:creationId xmlns:a16="http://schemas.microsoft.com/office/drawing/2014/main" id="{CFD569DC-1A68-51FF-4CCE-F334F8B3D5A3}"/>
-              </a:ext>
-            </a:extLst>
-          </p:cNvPr>
-          <p:cNvSpPr>
-            <a:spLocks noGrp="1"/>
-          </p:cNvSpPr>
-          <p:nvPr>
-            <p:ph sz="quarter" idx="10"/>
-          </p:nvPr>
-        </p:nvSpPr>
-        <p:spPr>
-          <a:xfrm>
-            <a:off x="6475413" y="2773680"/>
-            <a:ext cx="4572000" cy="3368040"/>
-          </a:xfrm>
-        </p:spPr>
-        <p:txBody>
-          <a:bodyPr/>
-          <a:lstStyle/>
-          <a:p>
-            <a:r>
-              <a:rPr lang="en-US" dirty="0"/>
-              <a:t>Brita Tamm</a:t>
-            </a:r>
-          </a:p>
-          <a:p>
-            <a:r>
-              <a:rPr lang="en-US" dirty="0"/>
-              <a:t>502-555-0152</a:t>
-            </a:r>
-          </a:p>
-          <a:p>
-            <a:r>
-              <a:rPr lang="en-US" dirty="0"/>
-              <a:t>brita@firstupconsultants.com</a:t>
-            </a:r>
-          </a:p>
-          <a:p>
-            <a:r>
-              <a:rPr lang="en-US" dirty="0"/>
-              <a:t>www.firstupconsultants.com</a:t>
-            </a:r>
-          </a:p>
-        </p:txBody>
-      </p:sp>
-    </p:spTree>
-    <p:extLst>
-      <p:ext uri="{BB962C8B-B14F-4D97-AF65-F5344CB8AC3E}">
-        <p14:creationId xmlns:p14="http://schemas.microsoft.com/office/powerpoint/2010/main" val="3303844537"/>
       </p:ext>
     </p:extLst>
   </p:cSld>
@@ -15980,23 +10823,12 @@
 </file>
 
 <file path=customXml/item1.xml><?xml version="1.0" encoding="utf-8"?>
-<p:properties xmlns:p="http://schemas.microsoft.com/office/2006/metadata/properties" xmlns:xsi="http://www.w3.org/2001/XMLSchema-instance" xmlns:pc="http://schemas.microsoft.com/office/infopath/2007/PartnerControls">
-  <documentManagement>
-    <_ip_UnifiedCompliancePolicyUIAction xmlns="http://schemas.microsoft.com/sharepoint/v3" xsi:nil="true"/>
-    <Image xmlns="71af3243-3dd4-4a8d-8c0d-dd76da1f02a5">
-      <Url xsi:nil="true"/>
-      <Description xsi:nil="true"/>
-    </Image>
-    <Status xmlns="71af3243-3dd4-4a8d-8c0d-dd76da1f02a5">Not started</Status>
-    <Background xmlns="71af3243-3dd4-4a8d-8c0d-dd76da1f02a5">false</Background>
-    <_ip_UnifiedCompliancePolicyProperties xmlns="http://schemas.microsoft.com/sharepoint/v3" xsi:nil="true"/>
-    <ImageTagsTaxHTField xmlns="71af3243-3dd4-4a8d-8c0d-dd76da1f02a5">
-      <Terms xmlns="http://schemas.microsoft.com/office/infopath/2007/PartnerControls"/>
-    </ImageTagsTaxHTField>
-    <TaxCatchAll xmlns="230e9df3-be65-4c73-a93b-d1236ebd677e" xsi:nil="true"/>
-    <MediaServiceKeyPoints xmlns="71af3243-3dd4-4a8d-8c0d-dd76da1f02a5" xsi:nil="true"/>
-  </documentManagement>
-</p:properties>
+<?mso-contentType ?>
+<FormTemplates xmlns="http://schemas.microsoft.com/sharepoint/v3/contenttype/forms">
+  <Display>DocumentLibraryForm</Display>
+  <Edit>DocumentLibraryForm</Edit>
+  <New>DocumentLibraryForm</New>
+</FormTemplates>
 </file>
 
 <file path=customXml/item2.xml><?xml version="1.0" encoding="utf-8"?>
@@ -16312,22 +11144,29 @@
 </file>
 
 <file path=customXml/item3.xml><?xml version="1.0" encoding="utf-8"?>
-<?mso-contentType ?>
-<FormTemplates xmlns="http://schemas.microsoft.com/sharepoint/v3/contenttype/forms">
-  <Display>DocumentLibraryForm</Display>
-  <Edit>DocumentLibraryForm</Edit>
-  <New>DocumentLibraryForm</New>
-</FormTemplates>
+<p:properties xmlns:p="http://schemas.microsoft.com/office/2006/metadata/properties" xmlns:xsi="http://www.w3.org/2001/XMLSchema-instance" xmlns:pc="http://schemas.microsoft.com/office/infopath/2007/PartnerControls">
+  <documentManagement>
+    <_ip_UnifiedCompliancePolicyUIAction xmlns="http://schemas.microsoft.com/sharepoint/v3" xsi:nil="true"/>
+    <Image xmlns="71af3243-3dd4-4a8d-8c0d-dd76da1f02a5">
+      <Url xsi:nil="true"/>
+      <Description xsi:nil="true"/>
+    </Image>
+    <Status xmlns="71af3243-3dd4-4a8d-8c0d-dd76da1f02a5">Not started</Status>
+    <Background xmlns="71af3243-3dd4-4a8d-8c0d-dd76da1f02a5">false</Background>
+    <_ip_UnifiedCompliancePolicyProperties xmlns="http://schemas.microsoft.com/sharepoint/v3" xsi:nil="true"/>
+    <ImageTagsTaxHTField xmlns="71af3243-3dd4-4a8d-8c0d-dd76da1f02a5">
+      <Terms xmlns="http://schemas.microsoft.com/office/infopath/2007/PartnerControls"/>
+    </ImageTagsTaxHTField>
+    <TaxCatchAll xmlns="230e9df3-be65-4c73-a93b-d1236ebd677e" xsi:nil="true"/>
+    <MediaServiceKeyPoints xmlns="71af3243-3dd4-4a8d-8c0d-dd76da1f02a5" xsi:nil="true"/>
+  </documentManagement>
+</p:properties>
 </file>
 
 <file path=customXml/itemProps1.xml><?xml version="1.0" encoding="utf-8"?>
-<ds:datastoreItem xmlns:ds="http://schemas.openxmlformats.org/officeDocument/2006/customXml" ds:itemID="{337CDA33-9251-49D0-A51A-7888AA3E0635}">
+<ds:datastoreItem xmlns:ds="http://schemas.openxmlformats.org/officeDocument/2006/customXml" ds:itemID="{3F796806-D3A7-49C6-9335-B8A0B9307F8E}">
   <ds:schemaRefs>
-    <ds:schemaRef ds:uri="http://schemas.microsoft.com/office/2006/metadata/properties"/>
-    <ds:schemaRef ds:uri="http://schemas.microsoft.com/office/infopath/2007/PartnerControls"/>
-    <ds:schemaRef ds:uri="http://schemas.microsoft.com/sharepoint/v3"/>
-    <ds:schemaRef ds:uri="71af3243-3dd4-4a8d-8c0d-dd76da1f02a5"/>
-    <ds:schemaRef ds:uri="230e9df3-be65-4c73-a93b-d1236ebd677e"/>
+    <ds:schemaRef ds:uri="http://schemas.microsoft.com/sharepoint/v3/contenttype/forms"/>
   </ds:schemaRefs>
 </ds:datastoreItem>
 </file>
@@ -16354,9 +11193,13 @@
 </file>
 
 <file path=customXml/itemProps3.xml><?xml version="1.0" encoding="utf-8"?>
-<ds:datastoreItem xmlns:ds="http://schemas.openxmlformats.org/officeDocument/2006/customXml" ds:itemID="{3F796806-D3A7-49C6-9335-B8A0B9307F8E}">
+<ds:datastoreItem xmlns:ds="http://schemas.openxmlformats.org/officeDocument/2006/customXml" ds:itemID="{337CDA33-9251-49D0-A51A-7888AA3E0635}">
   <ds:schemaRefs>
-    <ds:schemaRef ds:uri="http://schemas.microsoft.com/sharepoint/v3/contenttype/forms"/>
+    <ds:schemaRef ds:uri="http://schemas.microsoft.com/office/2006/metadata/properties"/>
+    <ds:schemaRef ds:uri="http://schemas.microsoft.com/office/infopath/2007/PartnerControls"/>
+    <ds:schemaRef ds:uri="http://schemas.microsoft.com/sharepoint/v3"/>
+    <ds:schemaRef ds:uri="71af3243-3dd4-4a8d-8c0d-dd76da1f02a5"/>
+    <ds:schemaRef ds:uri="230e9df3-be65-4c73-a93b-d1236ebd677e"/>
   </ds:schemaRefs>
 </ds:datastoreItem>
 </file>
